--- a/DeepLearning.pptx
+++ b/DeepLearning.pptx
@@ -4,14 +4,17 @@
   <p:sldMasterIdLst>
     <p:sldMasterId id="2147483648" r:id="rId1"/>
   </p:sldMasterIdLst>
+  <p:notesMasterIdLst>
+    <p:notesMasterId r:id="rId30"/>
+  </p:notesMasterIdLst>
   <p:sldIdLst>
-    <p:sldId id="258" r:id="rId2"/>
-    <p:sldId id="260" r:id="rId3"/>
-    <p:sldId id="261" r:id="rId4"/>
-    <p:sldId id="263" r:id="rId5"/>
-    <p:sldId id="265" r:id="rId6"/>
-    <p:sldId id="267" r:id="rId7"/>
-    <p:sldId id="269" r:id="rId8"/>
+    <p:sldId id="286" r:id="rId2"/>
+    <p:sldId id="258" r:id="rId3"/>
+    <p:sldId id="260" r:id="rId4"/>
+    <p:sldId id="261" r:id="rId5"/>
+    <p:sldId id="263" r:id="rId6"/>
+    <p:sldId id="265" r:id="rId7"/>
+    <p:sldId id="267" r:id="rId8"/>
     <p:sldId id="268" r:id="rId9"/>
     <p:sldId id="270" r:id="rId10"/>
     <p:sldId id="275" r:id="rId11"/>
@@ -20,17 +23,19 @@
     <p:sldId id="256" r:id="rId14"/>
     <p:sldId id="259" r:id="rId15"/>
     <p:sldId id="257" r:id="rId16"/>
-    <p:sldId id="276" r:id="rId17"/>
-    <p:sldId id="277" r:id="rId18"/>
-    <p:sldId id="278" r:id="rId19"/>
-    <p:sldId id="279" r:id="rId20"/>
-    <p:sldId id="280" r:id="rId21"/>
-    <p:sldId id="281" r:id="rId22"/>
-    <p:sldId id="282" r:id="rId23"/>
-    <p:sldId id="283" r:id="rId24"/>
-    <p:sldId id="284" r:id="rId25"/>
-    <p:sldId id="273" r:id="rId26"/>
-    <p:sldId id="285" r:id="rId27"/>
+    <p:sldId id="287" r:id="rId17"/>
+    <p:sldId id="276" r:id="rId18"/>
+    <p:sldId id="277" r:id="rId19"/>
+    <p:sldId id="278" r:id="rId20"/>
+    <p:sldId id="288" r:id="rId21"/>
+    <p:sldId id="279" r:id="rId22"/>
+    <p:sldId id="280" r:id="rId23"/>
+    <p:sldId id="281" r:id="rId24"/>
+    <p:sldId id="282" r:id="rId25"/>
+    <p:sldId id="283" r:id="rId26"/>
+    <p:sldId id="284" r:id="rId27"/>
+    <p:sldId id="273" r:id="rId28"/>
+    <p:sldId id="285" r:id="rId29"/>
   </p:sldIdLst>
   <p:sldSz cx="12192000" cy="6858000"/>
   <p:notesSz cx="6858000" cy="9144000"/>
@@ -130,6 +135,607 @@
     </a:lvl9pPr>
   </p:defaultTextStyle>
 </p:presentation>
+</file>
+
+<file path=ppt/notesMasters/notesMaster1.xml><?xml version="1.0" encoding="utf-8"?>
+<p:notesMaster xmlns:a="http://schemas.openxmlformats.org/drawingml/2006/main" xmlns:r="http://schemas.openxmlformats.org/officeDocument/2006/relationships" xmlns:p="http://schemas.openxmlformats.org/presentationml/2006/main">
+  <p:cSld>
+    <p:bg>
+      <p:bgRef idx="1001">
+        <a:schemeClr val="bg1"/>
+      </p:bgRef>
+    </p:bg>
+    <p:spTree>
+      <p:nvGrpSpPr>
+        <p:cNvPr id="1" name=""/>
+        <p:cNvGrpSpPr/>
+        <p:nvPr/>
+      </p:nvGrpSpPr>
+      <p:grpSpPr>
+        <a:xfrm>
+          <a:off x="0" y="0"/>
+          <a:ext cx="0" cy="0"/>
+          <a:chOff x="0" y="0"/>
+          <a:chExt cx="0" cy="0"/>
+        </a:xfrm>
+      </p:grpSpPr>
+      <p:sp>
+        <p:nvSpPr>
+          <p:cNvPr id="2" name="Header Placeholder 1"/>
+          <p:cNvSpPr>
+            <a:spLocks noGrp="1"/>
+          </p:cNvSpPr>
+          <p:nvPr>
+            <p:ph type="hdr" sz="quarter"/>
+          </p:nvPr>
+        </p:nvSpPr>
+        <p:spPr>
+          <a:xfrm>
+            <a:off x="0" y="0"/>
+            <a:ext cx="2971800" cy="458788"/>
+          </a:xfrm>
+          <a:prstGeom prst="rect">
+            <a:avLst/>
+          </a:prstGeom>
+        </p:spPr>
+        <p:txBody>
+          <a:bodyPr vert="horz" lIns="91440" tIns="45720" rIns="91440" bIns="45720" rtlCol="0"/>
+          <a:lstStyle>
+            <a:lvl1pPr algn="l">
+              <a:defRPr sz="1200"/>
+            </a:lvl1pPr>
+          </a:lstStyle>
+          <a:p>
+            <a:endParaRPr lang="en-US"/>
+          </a:p>
+        </p:txBody>
+      </p:sp>
+      <p:sp>
+        <p:nvSpPr>
+          <p:cNvPr id="3" name="Date Placeholder 2"/>
+          <p:cNvSpPr>
+            <a:spLocks noGrp="1"/>
+          </p:cNvSpPr>
+          <p:nvPr>
+            <p:ph type="dt" idx="1"/>
+          </p:nvPr>
+        </p:nvSpPr>
+        <p:spPr>
+          <a:xfrm>
+            <a:off x="3884613" y="0"/>
+            <a:ext cx="2971800" cy="458788"/>
+          </a:xfrm>
+          <a:prstGeom prst="rect">
+            <a:avLst/>
+          </a:prstGeom>
+        </p:spPr>
+        <p:txBody>
+          <a:bodyPr vert="horz" lIns="91440" tIns="45720" rIns="91440" bIns="45720" rtlCol="0"/>
+          <a:lstStyle>
+            <a:lvl1pPr algn="r">
+              <a:defRPr sz="1200"/>
+            </a:lvl1pPr>
+          </a:lstStyle>
+          <a:p>
+            <a:fld id="{BB95DAA8-3A06-914C-AB56-5047CB996739}" type="datetimeFigureOut">
+              <a:rPr lang="en-US" smtClean="0"/>
+              <a:t>10/23/20</a:t>
+            </a:fld>
+            <a:endParaRPr lang="en-US"/>
+          </a:p>
+        </p:txBody>
+      </p:sp>
+      <p:sp>
+        <p:nvSpPr>
+          <p:cNvPr id="4" name="Slide Image Placeholder 3"/>
+          <p:cNvSpPr>
+            <a:spLocks noGrp="1" noRot="1" noChangeAspect="1"/>
+          </p:cNvSpPr>
+          <p:nvPr>
+            <p:ph type="sldImg" idx="2"/>
+          </p:nvPr>
+        </p:nvSpPr>
+        <p:spPr>
+          <a:xfrm>
+            <a:off x="685800" y="1143000"/>
+            <a:ext cx="5486400" cy="3086100"/>
+          </a:xfrm>
+          <a:prstGeom prst="rect">
+            <a:avLst/>
+          </a:prstGeom>
+          <a:noFill/>
+          <a:ln w="12700">
+            <a:solidFill>
+              <a:prstClr val="black"/>
+            </a:solidFill>
+          </a:ln>
+        </p:spPr>
+        <p:txBody>
+          <a:bodyPr vert="horz" lIns="91440" tIns="45720" rIns="91440" bIns="45720" rtlCol="0" anchor="ctr"/>
+          <a:lstStyle/>
+          <a:p>
+            <a:endParaRPr lang="en-US"/>
+          </a:p>
+        </p:txBody>
+      </p:sp>
+      <p:sp>
+        <p:nvSpPr>
+          <p:cNvPr id="5" name="Notes Placeholder 4"/>
+          <p:cNvSpPr>
+            <a:spLocks noGrp="1"/>
+          </p:cNvSpPr>
+          <p:nvPr>
+            <p:ph type="body" sz="quarter" idx="3"/>
+          </p:nvPr>
+        </p:nvSpPr>
+        <p:spPr>
+          <a:xfrm>
+            <a:off x="685800" y="4400550"/>
+            <a:ext cx="5486400" cy="3600450"/>
+          </a:xfrm>
+          <a:prstGeom prst="rect">
+            <a:avLst/>
+          </a:prstGeom>
+        </p:spPr>
+        <p:txBody>
+          <a:bodyPr vert="horz" lIns="91440" tIns="45720" rIns="91440" bIns="45720" rtlCol="0"/>
+          <a:lstStyle/>
+          <a:p>
+            <a:pPr lvl="0"/>
+            <a:r>
+              <a:rPr lang="en-US"/>
+              <a:t>Click to edit Master text styles</a:t>
+            </a:r>
+          </a:p>
+          <a:p>
+            <a:pPr lvl="1"/>
+            <a:r>
+              <a:rPr lang="en-US"/>
+              <a:t>Second level</a:t>
+            </a:r>
+          </a:p>
+          <a:p>
+            <a:pPr lvl="2"/>
+            <a:r>
+              <a:rPr lang="en-US"/>
+              <a:t>Third level</a:t>
+            </a:r>
+          </a:p>
+          <a:p>
+            <a:pPr lvl="3"/>
+            <a:r>
+              <a:rPr lang="en-US"/>
+              <a:t>Fourth level</a:t>
+            </a:r>
+          </a:p>
+          <a:p>
+            <a:pPr lvl="4"/>
+            <a:r>
+              <a:rPr lang="en-US"/>
+              <a:t>Fifth level</a:t>
+            </a:r>
+          </a:p>
+        </p:txBody>
+      </p:sp>
+      <p:sp>
+        <p:nvSpPr>
+          <p:cNvPr id="6" name="Footer Placeholder 5"/>
+          <p:cNvSpPr>
+            <a:spLocks noGrp="1"/>
+          </p:cNvSpPr>
+          <p:nvPr>
+            <p:ph type="ftr" sz="quarter" idx="4"/>
+          </p:nvPr>
+        </p:nvSpPr>
+        <p:spPr>
+          <a:xfrm>
+            <a:off x="0" y="8685213"/>
+            <a:ext cx="2971800" cy="458787"/>
+          </a:xfrm>
+          <a:prstGeom prst="rect">
+            <a:avLst/>
+          </a:prstGeom>
+        </p:spPr>
+        <p:txBody>
+          <a:bodyPr vert="horz" lIns="91440" tIns="45720" rIns="91440" bIns="45720" rtlCol="0" anchor="b"/>
+          <a:lstStyle>
+            <a:lvl1pPr algn="l">
+              <a:defRPr sz="1200"/>
+            </a:lvl1pPr>
+          </a:lstStyle>
+          <a:p>
+            <a:endParaRPr lang="en-US"/>
+          </a:p>
+        </p:txBody>
+      </p:sp>
+      <p:sp>
+        <p:nvSpPr>
+          <p:cNvPr id="7" name="Slide Number Placeholder 6"/>
+          <p:cNvSpPr>
+            <a:spLocks noGrp="1"/>
+          </p:cNvSpPr>
+          <p:nvPr>
+            <p:ph type="sldNum" sz="quarter" idx="5"/>
+          </p:nvPr>
+        </p:nvSpPr>
+        <p:spPr>
+          <a:xfrm>
+            <a:off x="3884613" y="8685213"/>
+            <a:ext cx="2971800" cy="458787"/>
+          </a:xfrm>
+          <a:prstGeom prst="rect">
+            <a:avLst/>
+          </a:prstGeom>
+        </p:spPr>
+        <p:txBody>
+          <a:bodyPr vert="horz" lIns="91440" tIns="45720" rIns="91440" bIns="45720" rtlCol="0" anchor="b"/>
+          <a:lstStyle>
+            <a:lvl1pPr algn="r">
+              <a:defRPr sz="1200"/>
+            </a:lvl1pPr>
+          </a:lstStyle>
+          <a:p>
+            <a:fld id="{E9709C1C-8B07-DE44-B7F9-33D6540D6D42}" type="slidenum">
+              <a:rPr lang="en-US" smtClean="0"/>
+              <a:t>‹#›</a:t>
+            </a:fld>
+            <a:endParaRPr lang="en-US"/>
+          </a:p>
+        </p:txBody>
+      </p:sp>
+    </p:spTree>
+    <p:extLst>
+      <p:ext uri="{BB962C8B-B14F-4D97-AF65-F5344CB8AC3E}">
+        <p14:creationId xmlns:p14="http://schemas.microsoft.com/office/powerpoint/2010/main" val="3365350353"/>
+      </p:ext>
+    </p:extLst>
+  </p:cSld>
+  <p:clrMap bg1="lt1" tx1="dk1" bg2="lt2" tx2="dk2" accent1="accent1" accent2="accent2" accent3="accent3" accent4="accent4" accent5="accent5" accent6="accent6" hlink="hlink" folHlink="folHlink"/>
+  <p:notesStyle>
+    <a:lvl1pPr marL="0" algn="l" defTabSz="914400" rtl="0" eaLnBrk="1" latinLnBrk="0" hangingPunct="1">
+      <a:defRPr sz="1200" kern="1200">
+        <a:solidFill>
+          <a:schemeClr val="tx1"/>
+        </a:solidFill>
+        <a:latin typeface="+mn-lt"/>
+        <a:ea typeface="+mn-ea"/>
+        <a:cs typeface="+mn-cs"/>
+      </a:defRPr>
+    </a:lvl1pPr>
+    <a:lvl2pPr marL="457200" algn="l" defTabSz="914400" rtl="0" eaLnBrk="1" latinLnBrk="0" hangingPunct="1">
+      <a:defRPr sz="1200" kern="1200">
+        <a:solidFill>
+          <a:schemeClr val="tx1"/>
+        </a:solidFill>
+        <a:latin typeface="+mn-lt"/>
+        <a:ea typeface="+mn-ea"/>
+        <a:cs typeface="+mn-cs"/>
+      </a:defRPr>
+    </a:lvl2pPr>
+    <a:lvl3pPr marL="914400" algn="l" defTabSz="914400" rtl="0" eaLnBrk="1" latinLnBrk="0" hangingPunct="1">
+      <a:defRPr sz="1200" kern="1200">
+        <a:solidFill>
+          <a:schemeClr val="tx1"/>
+        </a:solidFill>
+        <a:latin typeface="+mn-lt"/>
+        <a:ea typeface="+mn-ea"/>
+        <a:cs typeface="+mn-cs"/>
+      </a:defRPr>
+    </a:lvl3pPr>
+    <a:lvl4pPr marL="1371600" algn="l" defTabSz="914400" rtl="0" eaLnBrk="1" latinLnBrk="0" hangingPunct="1">
+      <a:defRPr sz="1200" kern="1200">
+        <a:solidFill>
+          <a:schemeClr val="tx1"/>
+        </a:solidFill>
+        <a:latin typeface="+mn-lt"/>
+        <a:ea typeface="+mn-ea"/>
+        <a:cs typeface="+mn-cs"/>
+      </a:defRPr>
+    </a:lvl4pPr>
+    <a:lvl5pPr marL="1828800" algn="l" defTabSz="914400" rtl="0" eaLnBrk="1" latinLnBrk="0" hangingPunct="1">
+      <a:defRPr sz="1200" kern="1200">
+        <a:solidFill>
+          <a:schemeClr val="tx1"/>
+        </a:solidFill>
+        <a:latin typeface="+mn-lt"/>
+        <a:ea typeface="+mn-ea"/>
+        <a:cs typeface="+mn-cs"/>
+      </a:defRPr>
+    </a:lvl5pPr>
+    <a:lvl6pPr marL="2286000" algn="l" defTabSz="914400" rtl="0" eaLnBrk="1" latinLnBrk="0" hangingPunct="1">
+      <a:defRPr sz="1200" kern="1200">
+        <a:solidFill>
+          <a:schemeClr val="tx1"/>
+        </a:solidFill>
+        <a:latin typeface="+mn-lt"/>
+        <a:ea typeface="+mn-ea"/>
+        <a:cs typeface="+mn-cs"/>
+      </a:defRPr>
+    </a:lvl6pPr>
+    <a:lvl7pPr marL="2743200" algn="l" defTabSz="914400" rtl="0" eaLnBrk="1" latinLnBrk="0" hangingPunct="1">
+      <a:defRPr sz="1200" kern="1200">
+        <a:solidFill>
+          <a:schemeClr val="tx1"/>
+        </a:solidFill>
+        <a:latin typeface="+mn-lt"/>
+        <a:ea typeface="+mn-ea"/>
+        <a:cs typeface="+mn-cs"/>
+      </a:defRPr>
+    </a:lvl7pPr>
+    <a:lvl8pPr marL="3200400" algn="l" defTabSz="914400" rtl="0" eaLnBrk="1" latinLnBrk="0" hangingPunct="1">
+      <a:defRPr sz="1200" kern="1200">
+        <a:solidFill>
+          <a:schemeClr val="tx1"/>
+        </a:solidFill>
+        <a:latin typeface="+mn-lt"/>
+        <a:ea typeface="+mn-ea"/>
+        <a:cs typeface="+mn-cs"/>
+      </a:defRPr>
+    </a:lvl8pPr>
+    <a:lvl9pPr marL="3657600" algn="l" defTabSz="914400" rtl="0" eaLnBrk="1" latinLnBrk="0" hangingPunct="1">
+      <a:defRPr sz="1200" kern="1200">
+        <a:solidFill>
+          <a:schemeClr val="tx1"/>
+        </a:solidFill>
+        <a:latin typeface="+mn-lt"/>
+        <a:ea typeface="+mn-ea"/>
+        <a:cs typeface="+mn-cs"/>
+      </a:defRPr>
+    </a:lvl9pPr>
+  </p:notesStyle>
+</p:notesMaster>
+</file>
+
+<file path=ppt/notesSlides/notesSlide1.xml><?xml version="1.0" encoding="utf-8"?>
+<p:notes xmlns:a="http://schemas.openxmlformats.org/drawingml/2006/main" xmlns:r="http://schemas.openxmlformats.org/officeDocument/2006/relationships" xmlns:p="http://schemas.openxmlformats.org/presentationml/2006/main">
+  <p:cSld>
+    <p:spTree>
+      <p:nvGrpSpPr>
+        <p:cNvPr id="1" name=""/>
+        <p:cNvGrpSpPr/>
+        <p:nvPr/>
+      </p:nvGrpSpPr>
+      <p:grpSpPr>
+        <a:xfrm>
+          <a:off x="0" y="0"/>
+          <a:ext cx="0" cy="0"/>
+          <a:chOff x="0" y="0"/>
+          <a:chExt cx="0" cy="0"/>
+        </a:xfrm>
+      </p:grpSpPr>
+      <p:sp>
+        <p:nvSpPr>
+          <p:cNvPr id="2" name="Slide Image Placeholder 1"/>
+          <p:cNvSpPr>
+            <a:spLocks noGrp="1" noRot="1" noChangeAspect="1"/>
+          </p:cNvSpPr>
+          <p:nvPr>
+            <p:ph type="sldImg"/>
+          </p:nvPr>
+        </p:nvSpPr>
+        <p:spPr/>
+      </p:sp>
+      <p:sp>
+        <p:nvSpPr>
+          <p:cNvPr id="3" name="Notes Placeholder 2"/>
+          <p:cNvSpPr>
+            <a:spLocks noGrp="1"/>
+          </p:cNvSpPr>
+          <p:nvPr>
+            <p:ph type="body" idx="1"/>
+          </p:nvPr>
+        </p:nvSpPr>
+        <p:spPr/>
+        <p:txBody>
+          <a:bodyPr/>
+          <a:lstStyle/>
+          <a:p>
+            <a:endParaRPr lang="en-US" dirty="0"/>
+          </a:p>
+        </p:txBody>
+      </p:sp>
+      <p:sp>
+        <p:nvSpPr>
+          <p:cNvPr id="4" name="Slide Number Placeholder 3"/>
+          <p:cNvSpPr>
+            <a:spLocks noGrp="1"/>
+          </p:cNvSpPr>
+          <p:nvPr>
+            <p:ph type="sldNum" sz="quarter" idx="5"/>
+          </p:nvPr>
+        </p:nvSpPr>
+        <p:spPr/>
+        <p:txBody>
+          <a:bodyPr/>
+          <a:lstStyle/>
+          <a:p>
+            <a:fld id="{E9709C1C-8B07-DE44-B7F9-33D6540D6D42}" type="slidenum">
+              <a:rPr lang="en-US" smtClean="0"/>
+              <a:t>8</a:t>
+            </a:fld>
+            <a:endParaRPr lang="en-US"/>
+          </a:p>
+        </p:txBody>
+      </p:sp>
+    </p:spTree>
+    <p:extLst>
+      <p:ext uri="{BB962C8B-B14F-4D97-AF65-F5344CB8AC3E}">
+        <p14:creationId xmlns:p14="http://schemas.microsoft.com/office/powerpoint/2010/main" val="2664486172"/>
+      </p:ext>
+    </p:extLst>
+  </p:cSld>
+  <p:clrMapOvr>
+    <a:masterClrMapping/>
+  </p:clrMapOvr>
+</p:notes>
+</file>
+
+<file path=ppt/notesSlides/notesSlide2.xml><?xml version="1.0" encoding="utf-8"?>
+<p:notes xmlns:a="http://schemas.openxmlformats.org/drawingml/2006/main" xmlns:r="http://schemas.openxmlformats.org/officeDocument/2006/relationships" xmlns:p="http://schemas.openxmlformats.org/presentationml/2006/main">
+  <p:cSld>
+    <p:spTree>
+      <p:nvGrpSpPr>
+        <p:cNvPr id="1" name=""/>
+        <p:cNvGrpSpPr/>
+        <p:nvPr/>
+      </p:nvGrpSpPr>
+      <p:grpSpPr>
+        <a:xfrm>
+          <a:off x="0" y="0"/>
+          <a:ext cx="0" cy="0"/>
+          <a:chOff x="0" y="0"/>
+          <a:chExt cx="0" cy="0"/>
+        </a:xfrm>
+      </p:grpSpPr>
+      <p:sp>
+        <p:nvSpPr>
+          <p:cNvPr id="2" name="Slide Image Placeholder 1"/>
+          <p:cNvSpPr>
+            <a:spLocks noGrp="1" noRot="1" noChangeAspect="1"/>
+          </p:cNvSpPr>
+          <p:nvPr>
+            <p:ph type="sldImg"/>
+          </p:nvPr>
+        </p:nvSpPr>
+        <p:spPr/>
+      </p:sp>
+      <p:sp>
+        <p:nvSpPr>
+          <p:cNvPr id="3" name="Notes Placeholder 2"/>
+          <p:cNvSpPr>
+            <a:spLocks noGrp="1"/>
+          </p:cNvSpPr>
+          <p:nvPr>
+            <p:ph type="body" idx="1"/>
+          </p:nvPr>
+        </p:nvSpPr>
+        <p:spPr/>
+        <p:txBody>
+          <a:bodyPr/>
+          <a:lstStyle/>
+          <a:p>
+            <a:endParaRPr lang="en-US" dirty="0"/>
+          </a:p>
+        </p:txBody>
+      </p:sp>
+      <p:sp>
+        <p:nvSpPr>
+          <p:cNvPr id="4" name="Slide Number Placeholder 3"/>
+          <p:cNvSpPr>
+            <a:spLocks noGrp="1"/>
+          </p:cNvSpPr>
+          <p:nvPr>
+            <p:ph type="sldNum" sz="quarter" idx="5"/>
+          </p:nvPr>
+        </p:nvSpPr>
+        <p:spPr/>
+        <p:txBody>
+          <a:bodyPr/>
+          <a:lstStyle/>
+          <a:p>
+            <a:fld id="{E9709C1C-8B07-DE44-B7F9-33D6540D6D42}" type="slidenum">
+              <a:rPr lang="en-US" smtClean="0"/>
+              <a:t>18</a:t>
+            </a:fld>
+            <a:endParaRPr lang="en-US"/>
+          </a:p>
+        </p:txBody>
+      </p:sp>
+    </p:spTree>
+    <p:extLst>
+      <p:ext uri="{BB962C8B-B14F-4D97-AF65-F5344CB8AC3E}">
+        <p14:creationId xmlns:p14="http://schemas.microsoft.com/office/powerpoint/2010/main" val="2077346668"/>
+      </p:ext>
+    </p:extLst>
+  </p:cSld>
+  <p:clrMapOvr>
+    <a:masterClrMapping/>
+  </p:clrMapOvr>
+</p:notes>
+</file>
+
+<file path=ppt/notesSlides/notesSlide3.xml><?xml version="1.0" encoding="utf-8"?>
+<p:notes xmlns:a="http://schemas.openxmlformats.org/drawingml/2006/main" xmlns:r="http://schemas.openxmlformats.org/officeDocument/2006/relationships" xmlns:p="http://schemas.openxmlformats.org/presentationml/2006/main">
+  <p:cSld>
+    <p:spTree>
+      <p:nvGrpSpPr>
+        <p:cNvPr id="1" name=""/>
+        <p:cNvGrpSpPr/>
+        <p:nvPr/>
+      </p:nvGrpSpPr>
+      <p:grpSpPr>
+        <a:xfrm>
+          <a:off x="0" y="0"/>
+          <a:ext cx="0" cy="0"/>
+          <a:chOff x="0" y="0"/>
+          <a:chExt cx="0" cy="0"/>
+        </a:xfrm>
+      </p:grpSpPr>
+      <p:sp>
+        <p:nvSpPr>
+          <p:cNvPr id="2" name="Slide Image Placeholder 1"/>
+          <p:cNvSpPr>
+            <a:spLocks noGrp="1" noRot="1" noChangeAspect="1"/>
+          </p:cNvSpPr>
+          <p:nvPr>
+            <p:ph type="sldImg"/>
+          </p:nvPr>
+        </p:nvSpPr>
+        <p:spPr/>
+      </p:sp>
+      <p:sp>
+        <p:nvSpPr>
+          <p:cNvPr id="3" name="Notes Placeholder 2"/>
+          <p:cNvSpPr>
+            <a:spLocks noGrp="1"/>
+          </p:cNvSpPr>
+          <p:nvPr>
+            <p:ph type="body" idx="1"/>
+          </p:nvPr>
+        </p:nvSpPr>
+        <p:spPr/>
+        <p:txBody>
+          <a:bodyPr/>
+          <a:lstStyle/>
+          <a:p>
+            <a:endParaRPr lang="en-US" dirty="0"/>
+          </a:p>
+        </p:txBody>
+      </p:sp>
+      <p:sp>
+        <p:nvSpPr>
+          <p:cNvPr id="4" name="Slide Number Placeholder 3"/>
+          <p:cNvSpPr>
+            <a:spLocks noGrp="1"/>
+          </p:cNvSpPr>
+          <p:nvPr>
+            <p:ph type="sldNum" sz="quarter" idx="5"/>
+          </p:nvPr>
+        </p:nvSpPr>
+        <p:spPr/>
+        <p:txBody>
+          <a:bodyPr/>
+          <a:lstStyle/>
+          <a:p>
+            <a:fld id="{E9709C1C-8B07-DE44-B7F9-33D6540D6D42}" type="slidenum">
+              <a:rPr lang="en-US" smtClean="0"/>
+              <a:t>27</a:t>
+            </a:fld>
+            <a:endParaRPr lang="en-US"/>
+          </a:p>
+        </p:txBody>
+      </p:sp>
+    </p:spTree>
+    <p:extLst>
+      <p:ext uri="{BB962C8B-B14F-4D97-AF65-F5344CB8AC3E}">
+        <p14:creationId xmlns:p14="http://schemas.microsoft.com/office/powerpoint/2010/main" val="1121214186"/>
+      </p:ext>
+    </p:extLst>
+  </p:cSld>
+  <p:clrMapOvr>
+    <a:masterClrMapping/>
+  </p:clrMapOvr>
+</p:notes>
 </file>
 
 <file path=ppt/slideLayouts/slideLayout1.xml><?xml version="1.0" encoding="utf-8"?>
@@ -3332,6 +3938,14 @@
 <file path=ppt/slides/slide1.xml><?xml version="1.0" encoding="utf-8"?>
 <p:sld xmlns:a="http://schemas.openxmlformats.org/drawingml/2006/main" xmlns:r="http://schemas.openxmlformats.org/officeDocument/2006/relationships" xmlns:p="http://schemas.openxmlformats.org/presentationml/2006/main">
   <p:cSld>
+    <p:bg>
+      <p:bgPr>
+        <a:solidFill>
+          <a:schemeClr val="bg1"/>
+        </a:solidFill>
+        <a:effectLst/>
+      </p:bgPr>
+    </p:bg>
     <p:spTree>
       <p:nvGrpSpPr>
         <p:cNvPr id="1" name=""/>
@@ -3346,62 +3960,72 @@
           <a:chExt cx="0" cy="0"/>
         </a:xfrm>
       </p:grpSpPr>
-      <p:sp>
-        <p:nvSpPr>
-          <p:cNvPr id="2" name="Title 1">
-            <a:extLst>
-              <a:ext uri="{FF2B5EF4-FFF2-40B4-BE49-F238E27FC236}">
-                <a16:creationId xmlns:a16="http://schemas.microsoft.com/office/drawing/2014/main" id="{0042AD97-2058-B84B-82FF-5E94E0FBDC17}"/>
+      <p:sp useBgFill="1">
+        <p:nvSpPr>
+          <p:cNvPr id="17416" name="Rectangle 74">
+            <a:extLst>
+              <a:ext uri="{FF2B5EF4-FFF2-40B4-BE49-F238E27FC236}">
+                <a16:creationId xmlns:a16="http://schemas.microsoft.com/office/drawing/2014/main" id="{2A0E4E09-FC02-4ADC-951A-3FFA90B6FE39}"/>
+              </a:ext>
+              <a:ext uri="{C183D7F6-B498-43B3-948B-1728B52AA6E4}">
+                <adec:decorative xmlns:adec="http://schemas.microsoft.com/office/drawing/2017/decorative" val="1"/>
               </a:ext>
             </a:extLst>
           </p:cNvPr>
           <p:cNvSpPr>
-            <a:spLocks noGrp="1"/>
+            <a:spLocks noGrp="1" noRot="1" noChangeAspect="1" noMove="1" noResize="1" noEditPoints="1" noAdjustHandles="1" noChangeArrowheads="1" noChangeShapeType="1" noTextEdit="1"/>
           </p:cNvSpPr>
           <p:nvPr>
-            <p:ph type="title"/>
+            <p:extLst>
+              <p:ext uri="{386F3935-93C4-4BCD-93E2-E3B085C9AB24}">
+                <p16:designElem xmlns:p16="http://schemas.microsoft.com/office/powerpoint/2015/main" val="1"/>
+              </p:ext>
+            </p:extLst>
           </p:nvPr>
         </p:nvSpPr>
-        <p:spPr/>
-        <p:txBody>
-          <a:bodyPr/>
-          <a:lstStyle/>
-          <a:p>
-            <a:endParaRPr lang="en-US"/>
-          </a:p>
-        </p:txBody>
-      </p:sp>
-      <p:sp>
-        <p:nvSpPr>
-          <p:cNvPr id="3" name="Content Placeholder 2">
-            <a:extLst>
-              <a:ext uri="{FF2B5EF4-FFF2-40B4-BE49-F238E27FC236}">
-                <a16:creationId xmlns:a16="http://schemas.microsoft.com/office/drawing/2014/main" id="{639998DE-A0AC-EA42-880B-4822817468DA}"/>
-              </a:ext>
-            </a:extLst>
-          </p:cNvPr>
-          <p:cNvSpPr>
-            <a:spLocks noGrp="1"/>
-          </p:cNvSpPr>
-          <p:nvPr>
-            <p:ph idx="1"/>
-          </p:nvPr>
-        </p:nvSpPr>
-        <p:spPr/>
-        <p:txBody>
-          <a:bodyPr/>
-          <a:lstStyle/>
-          <a:p>
+        <p:spPr>
+          <a:xfrm>
+            <a:off x="0" y="0"/>
+            <a:ext cx="12191695" cy="6858000"/>
+          </a:xfrm>
+          <a:prstGeom prst="rect">
+            <a:avLst/>
+          </a:prstGeom>
+          <a:ln>
+            <a:noFill/>
+          </a:ln>
+        </p:spPr>
+        <p:style>
+          <a:lnRef idx="2">
+            <a:schemeClr val="accent1">
+              <a:shade val="50000"/>
+            </a:schemeClr>
+          </a:lnRef>
+          <a:fillRef idx="1">
+            <a:schemeClr val="accent1"/>
+          </a:fillRef>
+          <a:effectRef idx="0">
+            <a:schemeClr val="accent1"/>
+          </a:effectRef>
+          <a:fontRef idx="minor">
+            <a:schemeClr val="lt1"/>
+          </a:fontRef>
+        </p:style>
+        <p:txBody>
+          <a:bodyPr rtlCol="0" anchor="ctr"/>
+          <a:lstStyle/>
+          <a:p>
+            <a:pPr algn="ctr"/>
             <a:endParaRPr lang="en-US"/>
           </a:p>
         </p:txBody>
       </p:sp>
       <p:pic>
         <p:nvPicPr>
-          <p:cNvPr id="4100" name="Picture 4" descr="Why are neuron axons long and spindly? Study shows they're optimizing  signaling efficiency">
-            <a:extLst>
-              <a:ext uri="{FF2B5EF4-FFF2-40B4-BE49-F238E27FC236}">
-                <a16:creationId xmlns:a16="http://schemas.microsoft.com/office/drawing/2014/main" id="{32478ABC-ABC5-B549-BD45-C6A0537969B2}"/>
+          <p:cNvPr id="17412" name="Picture 4" descr="Labradoodle or Fried Chicken? | Chicken puppy, Food animals, Labradoodle">
+            <a:extLst>
+              <a:ext uri="{FF2B5EF4-FFF2-40B4-BE49-F238E27FC236}">
+                <a16:creationId xmlns:a16="http://schemas.microsoft.com/office/drawing/2014/main" id="{0176AFC2-FB59-9347-A597-60095EF35A58}"/>
               </a:ext>
             </a:extLst>
           </p:cNvPr>
@@ -3410,23 +4034,22 @@
           </p:cNvPicPr>
           <p:nvPr/>
         </p:nvPicPr>
-        <p:blipFill>
+        <p:blipFill rotWithShape="1">
           <a:blip r:embed="rId2">
+            <a:alphaModFix amt="40000"/>
             <a:extLst>
               <a:ext uri="{28A0092B-C50C-407E-A947-70E740481C1C}">
                 <a14:useLocalDpi xmlns:a14="http://schemas.microsoft.com/office/drawing/2010/main" val="0"/>
               </a:ext>
             </a:extLst>
           </a:blip>
-          <a:srcRect/>
-          <a:stretch>
-            <a:fillRect/>
-          </a:stretch>
+          <a:srcRect t="18308" r="-2" b="7909"/>
+          <a:stretch/>
         </p:blipFill>
         <p:spPr bwMode="auto">
           <a:xfrm>
-            <a:off x="0" y="0"/>
-            <a:ext cx="12192000" cy="6858000"/>
+            <a:off x="3132160" y="1021"/>
+            <a:ext cx="9059839" cy="6855958"/>
           </a:xfrm>
           <a:prstGeom prst="rect">
             <a:avLst/>
@@ -3443,45 +4066,399 @@
           </a:extLst>
         </p:spPr>
       </p:pic>
+      <p:sp>
+        <p:nvSpPr>
+          <p:cNvPr id="2" name="Title 1">
+            <a:extLst>
+              <a:ext uri="{FF2B5EF4-FFF2-40B4-BE49-F238E27FC236}">
+                <a16:creationId xmlns:a16="http://schemas.microsoft.com/office/drawing/2014/main" id="{291BC5F3-9A8E-1444-9681-C8B3298974DD}"/>
+              </a:ext>
+            </a:extLst>
+          </p:cNvPr>
+          <p:cNvSpPr>
+            <a:spLocks noGrp="1"/>
+          </p:cNvSpPr>
+          <p:nvPr>
+            <p:ph type="title"/>
+          </p:nvPr>
+        </p:nvSpPr>
+        <p:spPr>
+          <a:xfrm>
+            <a:off x="6556100" y="1099671"/>
+            <a:ext cx="4972511" cy="3367554"/>
+          </a:xfrm>
+        </p:spPr>
+        <p:txBody>
+          <a:bodyPr vert="horz" lIns="91440" tIns="45720" rIns="91440" bIns="45720" rtlCol="0" anchor="b">
+            <a:normAutofit/>
+          </a:bodyPr>
+          <a:lstStyle/>
+          <a:p>
+            <a:r>
+              <a:rPr lang="en-US" sz="6600" kern="1200">
+                <a:latin typeface="+mj-lt"/>
+                <a:ea typeface="+mj-ea"/>
+                <a:cs typeface="+mj-cs"/>
+              </a:rPr>
+              <a:t>Image Classification</a:t>
+            </a:r>
+          </a:p>
+        </p:txBody>
+      </p:sp>
+      <p:sp>
+        <p:nvSpPr>
+          <p:cNvPr id="17417" name="Freeform: Shape 76">
+            <a:extLst>
+              <a:ext uri="{FF2B5EF4-FFF2-40B4-BE49-F238E27FC236}">
+                <a16:creationId xmlns:a16="http://schemas.microsoft.com/office/drawing/2014/main" id="{9453FF84-60C1-4EA8-B49B-1B8C2D0C589F}"/>
+              </a:ext>
+              <a:ext uri="{C183D7F6-B498-43B3-948B-1728B52AA6E4}">
+                <adec:decorative xmlns:adec="http://schemas.microsoft.com/office/drawing/2017/decorative" val="1"/>
+              </a:ext>
+            </a:extLst>
+          </p:cNvPr>
+          <p:cNvSpPr>
+            <a:spLocks noGrp="1" noRot="1" noChangeAspect="1" noMove="1" noResize="1" noEditPoints="1" noAdjustHandles="1" noChangeArrowheads="1" noChangeShapeType="1" noTextEdit="1"/>
+          </p:cNvSpPr>
+          <p:nvPr>
+            <p:extLst>
+              <p:ext uri="{386F3935-93C4-4BCD-93E2-E3B085C9AB24}">
+                <p16:designElem xmlns:p16="http://schemas.microsoft.com/office/powerpoint/2015/main" val="1"/>
+              </p:ext>
+            </p:extLst>
+          </p:nvPr>
+        </p:nvSpPr>
+        <p:spPr>
+          <a:xfrm>
+            <a:off x="0" y="3"/>
+            <a:ext cx="5859484" cy="6857997"/>
+          </a:xfrm>
+          <a:custGeom>
+            <a:avLst/>
+            <a:gdLst>
+              <a:gd name="connsiteX0" fmla="*/ 3198825 w 5859484"/>
+              <a:gd name="connsiteY0" fmla="*/ 0 h 6857997"/>
+              <a:gd name="connsiteX1" fmla="*/ 3962351 w 5859484"/>
+              <a:gd name="connsiteY1" fmla="*/ 0 h 6857997"/>
+              <a:gd name="connsiteX2" fmla="*/ 4129776 w 5859484"/>
+              <a:gd name="connsiteY2" fmla="*/ 128761 h 6857997"/>
+              <a:gd name="connsiteX3" fmla="*/ 5859484 w 5859484"/>
+              <a:gd name="connsiteY3" fmla="*/ 3718209 h 6857997"/>
+              <a:gd name="connsiteX4" fmla="*/ 4624700 w 5859484"/>
+              <a:gd name="connsiteY4" fmla="*/ 6845880 h 6857997"/>
+              <a:gd name="connsiteX5" fmla="*/ 4612896 w 5859484"/>
+              <a:gd name="connsiteY5" fmla="*/ 6857997 h 6857997"/>
+              <a:gd name="connsiteX6" fmla="*/ 4017658 w 5859484"/>
+              <a:gd name="connsiteY6" fmla="*/ 6857997 h 6857997"/>
+              <a:gd name="connsiteX7" fmla="*/ 4173230 w 5859484"/>
+              <a:gd name="connsiteY7" fmla="*/ 6719623 h 6857997"/>
+              <a:gd name="connsiteX8" fmla="*/ 5443583 w 5859484"/>
+              <a:gd name="connsiteY8" fmla="*/ 3718209 h 6857997"/>
+              <a:gd name="connsiteX9" fmla="*/ 3355352 w 5859484"/>
+              <a:gd name="connsiteY9" fmla="*/ 88079 h 6857997"/>
+              <a:gd name="connsiteX10" fmla="*/ 0 w 5859484"/>
+              <a:gd name="connsiteY10" fmla="*/ 0 h 6857997"/>
+              <a:gd name="connsiteX11" fmla="*/ 2941255 w 5859484"/>
+              <a:gd name="connsiteY11" fmla="*/ 0 h 6857997"/>
+              <a:gd name="connsiteX12" fmla="*/ 3117080 w 5859484"/>
+              <a:gd name="connsiteY12" fmla="*/ 88129 h 6857997"/>
+              <a:gd name="connsiteX13" fmla="*/ 5324754 w 5859484"/>
+              <a:gd name="connsiteY13" fmla="*/ 3718209 h 6857997"/>
+              <a:gd name="connsiteX14" fmla="*/ 4089206 w 5859484"/>
+              <a:gd name="connsiteY14" fmla="*/ 6637392 h 6857997"/>
+              <a:gd name="connsiteX15" fmla="*/ 3841183 w 5859484"/>
+              <a:gd name="connsiteY15" fmla="*/ 6857997 h 6857997"/>
+              <a:gd name="connsiteX16" fmla="*/ 0 w 5859484"/>
+              <a:gd name="connsiteY16" fmla="*/ 6857997 h 6857997"/>
+            </a:gdLst>
+            <a:ahLst/>
+            <a:cxnLst>
+              <a:cxn ang="0">
+                <a:pos x="connsiteX0" y="connsiteY0"/>
+              </a:cxn>
+              <a:cxn ang="0">
+                <a:pos x="connsiteX1" y="connsiteY1"/>
+              </a:cxn>
+              <a:cxn ang="0">
+                <a:pos x="connsiteX2" y="connsiteY2"/>
+              </a:cxn>
+              <a:cxn ang="0">
+                <a:pos x="connsiteX3" y="connsiteY3"/>
+              </a:cxn>
+              <a:cxn ang="0">
+                <a:pos x="connsiteX4" y="connsiteY4"/>
+              </a:cxn>
+              <a:cxn ang="0">
+                <a:pos x="connsiteX5" y="connsiteY5"/>
+              </a:cxn>
+              <a:cxn ang="0">
+                <a:pos x="connsiteX6" y="connsiteY6"/>
+              </a:cxn>
+              <a:cxn ang="0">
+                <a:pos x="connsiteX7" y="connsiteY7"/>
+              </a:cxn>
+              <a:cxn ang="0">
+                <a:pos x="connsiteX8" y="connsiteY8"/>
+              </a:cxn>
+              <a:cxn ang="0">
+                <a:pos x="connsiteX9" y="connsiteY9"/>
+              </a:cxn>
+              <a:cxn ang="0">
+                <a:pos x="connsiteX10" y="connsiteY10"/>
+              </a:cxn>
+              <a:cxn ang="0">
+                <a:pos x="connsiteX11" y="connsiteY11"/>
+              </a:cxn>
+              <a:cxn ang="0">
+                <a:pos x="connsiteX12" y="connsiteY12"/>
+              </a:cxn>
+              <a:cxn ang="0">
+                <a:pos x="connsiteX13" y="connsiteY13"/>
+              </a:cxn>
+              <a:cxn ang="0">
+                <a:pos x="connsiteX14" y="connsiteY14"/>
+              </a:cxn>
+              <a:cxn ang="0">
+                <a:pos x="connsiteX15" y="connsiteY15"/>
+              </a:cxn>
+              <a:cxn ang="0">
+                <a:pos x="connsiteX16" y="connsiteY16"/>
+              </a:cxn>
+            </a:cxnLst>
+            <a:rect l="l" t="t" r="r" b="b"/>
+            <a:pathLst>
+              <a:path w="5859484" h="6857997">
+                <a:moveTo>
+                  <a:pt x="3198825" y="0"/>
+                </a:moveTo>
+                <a:lnTo>
+                  <a:pt x="3962351" y="0"/>
+                </a:lnTo>
+                <a:lnTo>
+                  <a:pt x="4129776" y="128761"/>
+                </a:lnTo>
+                <a:cubicBezTo>
+                  <a:pt x="5186152" y="981944"/>
+                  <a:pt x="5859484" y="2273123"/>
+                  <a:pt x="5859484" y="3718209"/>
+                </a:cubicBezTo>
+                <a:cubicBezTo>
+                  <a:pt x="5859484" y="4922447"/>
+                  <a:pt x="5391893" y="6019805"/>
+                  <a:pt x="4624700" y="6845880"/>
+                </a:cubicBezTo>
+                <a:lnTo>
+                  <a:pt x="4612896" y="6857997"/>
+                </a:lnTo>
+                <a:lnTo>
+                  <a:pt x="4017658" y="6857997"/>
+                </a:lnTo>
+                <a:lnTo>
+                  <a:pt x="4173230" y="6719623"/>
+                </a:lnTo>
+                <a:cubicBezTo>
+                  <a:pt x="4958119" y="5951494"/>
+                  <a:pt x="5443583" y="4890334"/>
+                  <a:pt x="5443583" y="3718209"/>
+                </a:cubicBezTo>
+                <a:cubicBezTo>
+                  <a:pt x="5443583" y="2179795"/>
+                  <a:pt x="4607295" y="832535"/>
+                  <a:pt x="3355352" y="88079"/>
+                </a:cubicBezTo>
+                <a:close/>
+                <a:moveTo>
+                  <a:pt x="0" y="0"/>
+                </a:moveTo>
+                <a:lnTo>
+                  <a:pt x="2941255" y="0"/>
+                </a:lnTo>
+                <a:lnTo>
+                  <a:pt x="3117080" y="88129"/>
+                </a:lnTo>
+                <a:cubicBezTo>
+                  <a:pt x="4432070" y="787221"/>
+                  <a:pt x="5324754" y="2150692"/>
+                  <a:pt x="5324754" y="3718209"/>
+                </a:cubicBezTo>
+                <a:cubicBezTo>
+                  <a:pt x="5324754" y="4858221"/>
+                  <a:pt x="4852591" y="5890308"/>
+                  <a:pt x="4089206" y="6637392"/>
+                </a:cubicBezTo>
+                <a:lnTo>
+                  <a:pt x="3841183" y="6857997"/>
+                </a:lnTo>
+                <a:lnTo>
+                  <a:pt x="0" y="6857997"/>
+                </a:lnTo>
+                <a:close/>
+              </a:path>
+            </a:pathLst>
+          </a:custGeom>
+          <a:solidFill>
+            <a:schemeClr val="tx1">
+              <a:alpha val="90000"/>
+            </a:schemeClr>
+          </a:solidFill>
+          <a:ln>
+            <a:noFill/>
+          </a:ln>
+        </p:spPr>
+        <p:style>
+          <a:lnRef idx="2">
+            <a:schemeClr val="accent1">
+              <a:shade val="50000"/>
+            </a:schemeClr>
+          </a:lnRef>
+          <a:fillRef idx="1">
+            <a:schemeClr val="accent1"/>
+          </a:fillRef>
+          <a:effectRef idx="0">
+            <a:schemeClr val="accent1"/>
+          </a:effectRef>
+          <a:fontRef idx="minor">
+            <a:schemeClr val="lt1"/>
+          </a:fontRef>
+        </p:style>
+        <p:txBody>
+          <a:bodyPr wrap="square" rtlCol="0" anchor="ctr">
+            <a:noAutofit/>
+          </a:bodyPr>
+          <a:lstStyle/>
+          <a:p>
+            <a:pPr algn="ctr"/>
+            <a:endParaRPr lang="en-US"/>
+          </a:p>
+        </p:txBody>
+      </p:sp>
       <p:pic>
         <p:nvPicPr>
-          <p:cNvPr id="4" name="Picture 3">
-            <a:extLst>
-              <a:ext uri="{FF2B5EF4-FFF2-40B4-BE49-F238E27FC236}">
-                <a16:creationId xmlns:a16="http://schemas.microsoft.com/office/drawing/2014/main" id="{E908C6DB-268E-CB42-8444-B9DDB2A0D1EC}"/>
+          <p:cNvPr id="17414" name="Picture 6" descr="Chihuahua or muffin? My search for the best computer vision API">
+            <a:extLst>
+              <a:ext uri="{FF2B5EF4-FFF2-40B4-BE49-F238E27FC236}">
+                <a16:creationId xmlns:a16="http://schemas.microsoft.com/office/drawing/2014/main" id="{1ED787B3-FED7-0648-9BB9-0A1741B405F1}"/>
               </a:ext>
             </a:extLst>
           </p:cNvPr>
           <p:cNvPicPr>
-            <a:picLocks noChangeAspect="1"/>
+            <a:picLocks noChangeAspect="1" noChangeArrowheads="1"/>
           </p:cNvPicPr>
           <p:nvPr/>
         </p:nvPicPr>
-        <p:blipFill>
-          <a:blip r:embed="rId3"/>
-          <a:stretch>
-            <a:fillRect/>
-          </a:stretch>
+        <p:blipFill rotWithShape="1">
+          <a:blip r:embed="rId3">
+            <a:extLst>
+              <a:ext uri="{28A0092B-C50C-407E-A947-70E740481C1C}">
+                <a14:useLocalDpi xmlns:a14="http://schemas.microsoft.com/office/drawing/2010/main" val="0"/>
+              </a:ext>
+            </a:extLst>
+          </a:blip>
+          <a:srcRect l="5692" r="4981" b="2"/>
+          <a:stretch/>
         </p:blipFill>
-        <p:spPr>
-          <a:xfrm>
-            <a:off x="7937500" y="0"/>
-            <a:ext cx="4254500" cy="6858000"/>
-          </a:xfrm>
-          <a:prstGeom prst="rect">
-            <a:avLst/>
-          </a:prstGeom>
+        <p:spPr bwMode="auto">
+          <a:xfrm>
+            <a:off x="1" y="2"/>
+            <a:ext cx="6095695" cy="6857997"/>
+          </a:xfrm>
+          <a:custGeom>
+            <a:avLst/>
+            <a:gdLst/>
+            <a:ahLst/>
+            <a:cxnLst/>
+            <a:rect l="l" t="t" r="r" b="b"/>
+            <a:pathLst>
+              <a:path w="6095695" h="6857997">
+                <a:moveTo>
+                  <a:pt x="3435036" y="0"/>
+                </a:moveTo>
+                <a:lnTo>
+                  <a:pt x="4198562" y="0"/>
+                </a:lnTo>
+                <a:lnTo>
+                  <a:pt x="4365987" y="128761"/>
+                </a:lnTo>
+                <a:cubicBezTo>
+                  <a:pt x="5422363" y="981944"/>
+                  <a:pt x="6095695" y="2273123"/>
+                  <a:pt x="6095695" y="3718209"/>
+                </a:cubicBezTo>
+                <a:cubicBezTo>
+                  <a:pt x="6095695" y="4922447"/>
+                  <a:pt x="5628104" y="6019805"/>
+                  <a:pt x="4860911" y="6845880"/>
+                </a:cubicBezTo>
+                <a:lnTo>
+                  <a:pt x="4849107" y="6857997"/>
+                </a:lnTo>
+                <a:lnTo>
+                  <a:pt x="4253869" y="6857997"/>
+                </a:lnTo>
+                <a:lnTo>
+                  <a:pt x="4409441" y="6719623"/>
+                </a:lnTo>
+                <a:cubicBezTo>
+                  <a:pt x="5194330" y="5951494"/>
+                  <a:pt x="5679794" y="4890334"/>
+                  <a:pt x="5679794" y="3718209"/>
+                </a:cubicBezTo>
+                <a:cubicBezTo>
+                  <a:pt x="5679794" y="2179795"/>
+                  <a:pt x="4843506" y="832535"/>
+                  <a:pt x="3591563" y="88079"/>
+                </a:cubicBezTo>
+                <a:close/>
+                <a:moveTo>
+                  <a:pt x="0" y="0"/>
+                </a:moveTo>
+                <a:lnTo>
+                  <a:pt x="3177466" y="0"/>
+                </a:lnTo>
+                <a:lnTo>
+                  <a:pt x="3353291" y="88129"/>
+                </a:lnTo>
+                <a:cubicBezTo>
+                  <a:pt x="4668281" y="787221"/>
+                  <a:pt x="5560965" y="2150692"/>
+                  <a:pt x="5560965" y="3718209"/>
+                </a:cubicBezTo>
+                <a:cubicBezTo>
+                  <a:pt x="5560965" y="4858221"/>
+                  <a:pt x="5088802" y="5890308"/>
+                  <a:pt x="4325417" y="6637392"/>
+                </a:cubicBezTo>
+                <a:lnTo>
+                  <a:pt x="4077394" y="6857997"/>
+                </a:lnTo>
+                <a:lnTo>
+                  <a:pt x="0" y="6857997"/>
+                </a:lnTo>
+                <a:close/>
+              </a:path>
+            </a:pathLst>
+          </a:custGeom>
+          <a:noFill/>
+          <a:extLst>
+            <a:ext uri="{909E8E84-426E-40DD-AFC4-6F175D3DCCD1}">
+              <a14:hiddenFill xmlns:a14="http://schemas.microsoft.com/office/drawing/2010/main">
+                <a:solidFill>
+                  <a:srgbClr val="FFFFFF"/>
+                </a:solidFill>
+              </a14:hiddenFill>
+            </a:ext>
+          </a:extLst>
         </p:spPr>
       </p:pic>
     </p:spTree>
     <p:extLst>
       <p:ext uri="{BB962C8B-B14F-4D97-AF65-F5344CB8AC3E}">
-        <p14:creationId xmlns:p14="http://schemas.microsoft.com/office/powerpoint/2010/main" val="2813890348"/>
+        <p14:creationId xmlns:p14="http://schemas.microsoft.com/office/powerpoint/2010/main" val="3643593783"/>
       </p:ext>
     </p:extLst>
   </p:cSld>
   <p:clrMapOvr>
-    <a:masterClrMapping/>
+    <a:overrideClrMapping bg1="dk1" tx1="lt1" bg2="dk2" tx2="lt2" accent1="accent1" accent2="accent2" accent3="accent3" accent4="accent4" accent5="accent5" accent6="accent6" hlink="hlink" folHlink="folHlink"/>
   </p:clrMapOvr>
 </p:sld>
 </file>
@@ -4633,12 +5610,47 @@
           <a:chExt cx="0" cy="0"/>
         </a:xfrm>
       </p:grpSpPr>
+      <p:sp>
+        <p:nvSpPr>
+          <p:cNvPr id="4" name="TextBox 3">
+            <a:extLst>
+              <a:ext uri="{FF2B5EF4-FFF2-40B4-BE49-F238E27FC236}">
+                <a16:creationId xmlns:a16="http://schemas.microsoft.com/office/drawing/2014/main" id="{5333661E-2FE0-D148-92FD-06C8440AB861}"/>
+              </a:ext>
+            </a:extLst>
+          </p:cNvPr>
+          <p:cNvSpPr txBox="1"/>
+          <p:nvPr/>
+        </p:nvSpPr>
+        <p:spPr>
+          <a:xfrm>
+            <a:off x="833120" y="287822"/>
+            <a:ext cx="10883405" cy="830997"/>
+          </a:xfrm>
+          <a:prstGeom prst="rect">
+            <a:avLst/>
+          </a:prstGeom>
+          <a:noFill/>
+        </p:spPr>
+        <p:txBody>
+          <a:bodyPr wrap="square" rtlCol="0">
+            <a:spAutoFit/>
+          </a:bodyPr>
+          <a:lstStyle/>
+          <a:p>
+            <a:r>
+              <a:rPr lang="en-US" sz="4800" dirty="0"/>
+              <a:t>Single Layer Perceptron</a:t>
+            </a:r>
+          </a:p>
+        </p:txBody>
+      </p:sp>
       <p:pic>
         <p:nvPicPr>
-          <p:cNvPr id="1028" name="Picture 4" descr="a) Architecture of a single layer perceptron. The architecture... |  Download Scientific Diagram">
-            <a:extLst>
-              <a:ext uri="{FF2B5EF4-FFF2-40B4-BE49-F238E27FC236}">
-                <a16:creationId xmlns:a16="http://schemas.microsoft.com/office/drawing/2014/main" id="{697957E0-DF7F-FC4C-811D-80C90F1C4DBB}"/>
+          <p:cNvPr id="1030" name="Picture 6" descr="Understanding single layer Perceptron and difference between Single Layer  vs Multilayer Perceptron | i2tutorials">
+            <a:extLst>
+              <a:ext uri="{FF2B5EF4-FFF2-40B4-BE49-F238E27FC236}">
+                <a16:creationId xmlns:a16="http://schemas.microsoft.com/office/drawing/2014/main" id="{2180C2A7-ABE7-E14A-918F-052D2CDDE457}"/>
               </a:ext>
             </a:extLst>
           </p:cNvPr>
@@ -4655,13 +5667,13 @@
               </a:ext>
             </a:extLst>
           </a:blip>
-          <a:srcRect r="63191" b="7633"/>
+          <a:srcRect r="24000" b="21490"/>
           <a:stretch/>
         </p:blipFill>
         <p:spPr bwMode="auto">
           <a:xfrm>
-            <a:off x="698500" y="444500"/>
-            <a:ext cx="3973513" cy="5513388"/>
+            <a:off x="5124987" y="2378608"/>
+            <a:ext cx="3057656" cy="2816145"/>
           </a:xfrm>
           <a:prstGeom prst="rect">
             <a:avLst/>
@@ -4678,47 +5690,12 @@
           </a:extLst>
         </p:spPr>
       </p:pic>
-      <p:sp>
-        <p:nvSpPr>
-          <p:cNvPr id="4" name="TextBox 3">
-            <a:extLst>
-              <a:ext uri="{FF2B5EF4-FFF2-40B4-BE49-F238E27FC236}">
-                <a16:creationId xmlns:a16="http://schemas.microsoft.com/office/drawing/2014/main" id="{5333661E-2FE0-D148-92FD-06C8440AB861}"/>
-              </a:ext>
-            </a:extLst>
-          </p:cNvPr>
-          <p:cNvSpPr txBox="1"/>
-          <p:nvPr/>
-        </p:nvSpPr>
-        <p:spPr>
-          <a:xfrm>
-            <a:off x="5669677" y="287822"/>
-            <a:ext cx="6046848" cy="830997"/>
-          </a:xfrm>
-          <a:prstGeom prst="rect">
-            <a:avLst/>
-          </a:prstGeom>
-          <a:noFill/>
-        </p:spPr>
-        <p:txBody>
-          <a:bodyPr wrap="none" rtlCol="0">
-            <a:spAutoFit/>
-          </a:bodyPr>
-          <a:lstStyle/>
-          <a:p>
-            <a:r>
-              <a:rPr lang="en-US" sz="4800" dirty="0"/>
-              <a:t>Single Layer Perceptron</a:t>
-            </a:r>
-          </a:p>
-        </p:txBody>
-      </p:sp>
       <p:pic>
         <p:nvPicPr>
-          <p:cNvPr id="7" name="Picture 4" descr="Why are neuron axons long and spindly? Study shows they're optimizing  signaling efficiency">
-            <a:extLst>
-              <a:ext uri="{FF2B5EF4-FFF2-40B4-BE49-F238E27FC236}">
-                <a16:creationId xmlns:a16="http://schemas.microsoft.com/office/drawing/2014/main" id="{B6C16AE2-B4C0-FA4F-A076-8019FF77DABF}"/>
+          <p:cNvPr id="9" name="Picture 2" descr="Chihuahua or muffin? My search for the best computer vision API">
+            <a:extLst>
+              <a:ext uri="{FF2B5EF4-FFF2-40B4-BE49-F238E27FC236}">
+                <a16:creationId xmlns:a16="http://schemas.microsoft.com/office/drawing/2014/main" id="{E31FB534-B159-544F-868E-383A20EB0D79}"/>
               </a:ext>
             </a:extLst>
           </p:cNvPr>
@@ -4735,13 +5712,13 @@
               </a:ext>
             </a:extLst>
           </a:blip>
-          <a:srcRect l="8785" t="19596" r="3175"/>
+          <a:srcRect l="25129" t="24773" r="50147" b="50000"/>
           <a:stretch/>
         </p:blipFill>
         <p:spPr bwMode="auto">
           <a:xfrm>
-            <a:off x="4672013" y="1846318"/>
-            <a:ext cx="7519987" cy="3863103"/>
+            <a:off x="2189281" y="2747507"/>
+            <a:ext cx="1738494" cy="1803563"/>
           </a:xfrm>
           <a:prstGeom prst="rect">
             <a:avLst/>
@@ -4758,6 +5735,334 @@
           </a:extLst>
         </p:spPr>
       </p:pic>
+      <p:cxnSp>
+        <p:nvCxnSpPr>
+          <p:cNvPr id="12" name="Straight Arrow Connector 11">
+            <a:extLst>
+              <a:ext uri="{FF2B5EF4-FFF2-40B4-BE49-F238E27FC236}">
+                <a16:creationId xmlns:a16="http://schemas.microsoft.com/office/drawing/2014/main" id="{9A008190-DAE2-BF41-9558-258532702749}"/>
+              </a:ext>
+            </a:extLst>
+          </p:cNvPr>
+          <p:cNvCxnSpPr>
+            <a:cxnSpLocks/>
+          </p:cNvCxnSpPr>
+          <p:nvPr/>
+        </p:nvCxnSpPr>
+        <p:spPr>
+          <a:xfrm>
+            <a:off x="4176761" y="3649288"/>
+            <a:ext cx="699241" cy="0"/>
+          </a:xfrm>
+          <a:prstGeom prst="straightConnector1">
+            <a:avLst/>
+          </a:prstGeom>
+          <a:ln w="57150">
+            <a:tailEnd type="triangle"/>
+          </a:ln>
+        </p:spPr>
+        <p:style>
+          <a:lnRef idx="1">
+            <a:schemeClr val="accent1"/>
+          </a:lnRef>
+          <a:fillRef idx="0">
+            <a:schemeClr val="accent1"/>
+          </a:fillRef>
+          <a:effectRef idx="0">
+            <a:schemeClr val="accent1"/>
+          </a:effectRef>
+          <a:fontRef idx="minor">
+            <a:schemeClr val="tx1"/>
+          </a:fontRef>
+        </p:style>
+      </p:cxnSp>
+      <p:sp>
+        <p:nvSpPr>
+          <p:cNvPr id="14" name="Rectangle 13">
+            <a:extLst>
+              <a:ext uri="{FF2B5EF4-FFF2-40B4-BE49-F238E27FC236}">
+                <a16:creationId xmlns:a16="http://schemas.microsoft.com/office/drawing/2014/main" id="{F6412BA2-1A1D-E94E-95E2-C562E19B7830}"/>
+              </a:ext>
+            </a:extLst>
+          </p:cNvPr>
+          <p:cNvSpPr/>
+          <p:nvPr/>
+        </p:nvSpPr>
+        <p:spPr>
+          <a:xfrm>
+            <a:off x="7703833" y="5012467"/>
+            <a:ext cx="957618" cy="1134333"/>
+          </a:xfrm>
+          <a:prstGeom prst="rect">
+            <a:avLst/>
+          </a:prstGeom>
+          <a:solidFill>
+            <a:schemeClr val="bg1"/>
+          </a:solidFill>
+          <a:ln>
+            <a:noFill/>
+          </a:ln>
+        </p:spPr>
+        <p:style>
+          <a:lnRef idx="2">
+            <a:schemeClr val="accent1">
+              <a:shade val="50000"/>
+            </a:schemeClr>
+          </a:lnRef>
+          <a:fillRef idx="1">
+            <a:schemeClr val="accent1"/>
+          </a:fillRef>
+          <a:effectRef idx="0">
+            <a:schemeClr val="accent1"/>
+          </a:effectRef>
+          <a:fontRef idx="minor">
+            <a:schemeClr val="lt1"/>
+          </a:fontRef>
+        </p:style>
+        <p:txBody>
+          <a:bodyPr rtlCol="0" anchor="ctr"/>
+          <a:lstStyle/>
+          <a:p>
+            <a:pPr algn="ctr"/>
+            <a:endParaRPr lang="en-US"/>
+          </a:p>
+        </p:txBody>
+      </p:sp>
+      <p:sp>
+        <p:nvSpPr>
+          <p:cNvPr id="17" name="Rectangle 16">
+            <a:extLst>
+              <a:ext uri="{FF2B5EF4-FFF2-40B4-BE49-F238E27FC236}">
+                <a16:creationId xmlns:a16="http://schemas.microsoft.com/office/drawing/2014/main" id="{DF53D825-34BF-D243-92E9-6B49B049C1B5}"/>
+              </a:ext>
+            </a:extLst>
+          </p:cNvPr>
+          <p:cNvSpPr/>
+          <p:nvPr/>
+        </p:nvSpPr>
+        <p:spPr>
+          <a:xfrm>
+            <a:off x="8142918" y="3190240"/>
+            <a:ext cx="151485" cy="210941"/>
+          </a:xfrm>
+          <a:prstGeom prst="rect">
+            <a:avLst/>
+          </a:prstGeom>
+          <a:solidFill>
+            <a:schemeClr val="bg1"/>
+          </a:solidFill>
+          <a:ln>
+            <a:noFill/>
+          </a:ln>
+        </p:spPr>
+        <p:style>
+          <a:lnRef idx="2">
+            <a:schemeClr val="accent1">
+              <a:shade val="50000"/>
+            </a:schemeClr>
+          </a:lnRef>
+          <a:fillRef idx="1">
+            <a:schemeClr val="accent1"/>
+          </a:fillRef>
+          <a:effectRef idx="0">
+            <a:schemeClr val="accent1"/>
+          </a:effectRef>
+          <a:fontRef idx="minor">
+            <a:schemeClr val="lt1"/>
+          </a:fontRef>
+        </p:style>
+        <p:txBody>
+          <a:bodyPr rtlCol="0" anchor="ctr"/>
+          <a:lstStyle/>
+          <a:p>
+            <a:pPr algn="ctr"/>
+            <a:endParaRPr lang="en-US"/>
+          </a:p>
+        </p:txBody>
+      </p:sp>
+      <p:sp>
+        <p:nvSpPr>
+          <p:cNvPr id="10" name="TextBox 9">
+            <a:extLst>
+              <a:ext uri="{FF2B5EF4-FFF2-40B4-BE49-F238E27FC236}">
+                <a16:creationId xmlns:a16="http://schemas.microsoft.com/office/drawing/2014/main" id="{C0D5D2F8-7BFC-7947-BE27-24A59CC40364}"/>
+              </a:ext>
+            </a:extLst>
+          </p:cNvPr>
+          <p:cNvSpPr txBox="1"/>
+          <p:nvPr/>
+        </p:nvSpPr>
+        <p:spPr>
+          <a:xfrm>
+            <a:off x="8089503" y="3158873"/>
+            <a:ext cx="1679535" cy="531054"/>
+          </a:xfrm>
+          <a:prstGeom prst="rect">
+            <a:avLst/>
+          </a:prstGeom>
+          <a:noFill/>
+        </p:spPr>
+        <p:txBody>
+          <a:bodyPr wrap="none" rtlCol="0">
+            <a:spAutoFit/>
+          </a:bodyPr>
+          <a:lstStyle/>
+          <a:p>
+            <a:r>
+              <a:rPr lang="en-US" b="1" dirty="0">
+                <a:solidFill>
+                  <a:schemeClr val="accent1"/>
+                </a:solidFill>
+              </a:rPr>
+              <a:t>chihuahua</a:t>
+            </a:r>
+          </a:p>
+        </p:txBody>
+      </p:sp>
+      <p:sp>
+        <p:nvSpPr>
+          <p:cNvPr id="11" name="TextBox 10">
+            <a:extLst>
+              <a:ext uri="{FF2B5EF4-FFF2-40B4-BE49-F238E27FC236}">
+                <a16:creationId xmlns:a16="http://schemas.microsoft.com/office/drawing/2014/main" id="{0A99E140-7900-BB4A-9E1D-6DB679B7C2A6}"/>
+              </a:ext>
+            </a:extLst>
+          </p:cNvPr>
+          <p:cNvSpPr txBox="1"/>
+          <p:nvPr/>
+        </p:nvSpPr>
+        <p:spPr>
+          <a:xfrm>
+            <a:off x="8170494" y="3991236"/>
+            <a:ext cx="1169204" cy="531054"/>
+          </a:xfrm>
+          <a:prstGeom prst="rect">
+            <a:avLst/>
+          </a:prstGeom>
+          <a:noFill/>
+        </p:spPr>
+        <p:txBody>
+          <a:bodyPr wrap="none" rtlCol="0">
+            <a:spAutoFit/>
+          </a:bodyPr>
+          <a:lstStyle/>
+          <a:p>
+            <a:r>
+              <a:rPr lang="en-US" b="1" dirty="0">
+                <a:solidFill>
+                  <a:schemeClr val="accent1"/>
+                </a:solidFill>
+              </a:rPr>
+              <a:t>muffin</a:t>
+            </a:r>
+          </a:p>
+        </p:txBody>
+      </p:sp>
+      <p:sp>
+        <p:nvSpPr>
+          <p:cNvPr id="13" name="TextBox 12">
+            <a:extLst>
+              <a:ext uri="{FF2B5EF4-FFF2-40B4-BE49-F238E27FC236}">
+                <a16:creationId xmlns:a16="http://schemas.microsoft.com/office/drawing/2014/main" id="{3D936C2D-238D-D540-9D03-376B032CB3A3}"/>
+              </a:ext>
+            </a:extLst>
+          </p:cNvPr>
+          <p:cNvSpPr txBox="1"/>
+          <p:nvPr/>
+        </p:nvSpPr>
+        <p:spPr>
+          <a:xfrm>
+            <a:off x="6390640" y="4643135"/>
+            <a:ext cx="911468" cy="369332"/>
+          </a:xfrm>
+          <a:prstGeom prst="rect">
+            <a:avLst/>
+          </a:prstGeom>
+          <a:noFill/>
+        </p:spPr>
+        <p:txBody>
+          <a:bodyPr wrap="none" rtlCol="0">
+            <a:spAutoFit/>
+          </a:bodyPr>
+          <a:lstStyle/>
+          <a:p>
+            <a:r>
+              <a:rPr lang="en-US" dirty="0"/>
+              <a:t>weights</a:t>
+            </a:r>
+          </a:p>
+        </p:txBody>
+      </p:sp>
+      <p:sp>
+        <p:nvSpPr>
+          <p:cNvPr id="19" name="TextBox 18">
+            <a:extLst>
+              <a:ext uri="{FF2B5EF4-FFF2-40B4-BE49-F238E27FC236}">
+                <a16:creationId xmlns:a16="http://schemas.microsoft.com/office/drawing/2014/main" id="{3AFB55CA-4D7B-A04A-90CB-A21213C8D43D}"/>
+              </a:ext>
+            </a:extLst>
+          </p:cNvPr>
+          <p:cNvSpPr txBox="1"/>
+          <p:nvPr/>
+        </p:nvSpPr>
+        <p:spPr>
+          <a:xfrm>
+            <a:off x="5029200" y="1924610"/>
+            <a:ext cx="769763" cy="369332"/>
+          </a:xfrm>
+          <a:prstGeom prst="rect">
+            <a:avLst/>
+          </a:prstGeom>
+          <a:noFill/>
+        </p:spPr>
+        <p:txBody>
+          <a:bodyPr wrap="none" rtlCol="0">
+            <a:spAutoFit/>
+          </a:bodyPr>
+          <a:lstStyle/>
+          <a:p>
+            <a:r>
+              <a:rPr lang="en-US" dirty="0"/>
+              <a:t>inputs</a:t>
+            </a:r>
+          </a:p>
+        </p:txBody>
+      </p:sp>
+      <p:sp>
+        <p:nvSpPr>
+          <p:cNvPr id="20" name="TextBox 19">
+            <a:extLst>
+              <a:ext uri="{FF2B5EF4-FFF2-40B4-BE49-F238E27FC236}">
+                <a16:creationId xmlns:a16="http://schemas.microsoft.com/office/drawing/2014/main" id="{200DD490-89D9-F84A-8FBE-8760E6B1FA12}"/>
+              </a:ext>
+            </a:extLst>
+          </p:cNvPr>
+          <p:cNvSpPr txBox="1"/>
+          <p:nvPr/>
+        </p:nvSpPr>
+        <p:spPr>
+          <a:xfrm>
+            <a:off x="7446500" y="2700694"/>
+            <a:ext cx="915635" cy="369332"/>
+          </a:xfrm>
+          <a:prstGeom prst="rect">
+            <a:avLst/>
+          </a:prstGeom>
+          <a:noFill/>
+        </p:spPr>
+        <p:txBody>
+          <a:bodyPr wrap="none" rtlCol="0">
+            <a:spAutoFit/>
+          </a:bodyPr>
+          <a:lstStyle/>
+          <a:p>
+            <a:r>
+              <a:rPr lang="en-US" dirty="0"/>
+              <a:t>outputs</a:t>
+            </a:r>
+          </a:p>
+        </p:txBody>
+      </p:sp>
     </p:spTree>
     <p:extLst>
       <p:ext uri="{BB962C8B-B14F-4D97-AF65-F5344CB8AC3E}">
@@ -5099,6 +6404,58 @@
           </a:p>
         </p:txBody>
       </p:sp>
+      <p:sp>
+        <p:nvSpPr>
+          <p:cNvPr id="5" name="Rectangle 4">
+            <a:extLst>
+              <a:ext uri="{FF2B5EF4-FFF2-40B4-BE49-F238E27FC236}">
+                <a16:creationId xmlns:a16="http://schemas.microsoft.com/office/drawing/2014/main" id="{7F366706-3A08-3D42-ABAB-0C6504F7746F}"/>
+              </a:ext>
+            </a:extLst>
+          </p:cNvPr>
+          <p:cNvSpPr/>
+          <p:nvPr/>
+        </p:nvSpPr>
+        <p:spPr>
+          <a:xfrm>
+            <a:off x="7942073" y="4948518"/>
+            <a:ext cx="673787" cy="788894"/>
+          </a:xfrm>
+          <a:prstGeom prst="rect">
+            <a:avLst/>
+          </a:prstGeom>
+          <a:solidFill>
+            <a:schemeClr val="bg1"/>
+          </a:solidFill>
+          <a:ln>
+            <a:noFill/>
+          </a:ln>
+        </p:spPr>
+        <p:style>
+          <a:lnRef idx="2">
+            <a:schemeClr val="accent1">
+              <a:shade val="50000"/>
+            </a:schemeClr>
+          </a:lnRef>
+          <a:fillRef idx="1">
+            <a:schemeClr val="accent1"/>
+          </a:fillRef>
+          <a:effectRef idx="0">
+            <a:schemeClr val="accent1"/>
+          </a:effectRef>
+          <a:fontRef idx="minor">
+            <a:schemeClr val="lt1"/>
+          </a:fontRef>
+        </p:style>
+        <p:txBody>
+          <a:bodyPr rtlCol="0" anchor="ctr"/>
+          <a:lstStyle/>
+          <a:p>
+            <a:pPr algn="ctr"/>
+            <a:endParaRPr lang="en-US"/>
+          </a:p>
+        </p:txBody>
+      </p:sp>
     </p:spTree>
     <p:extLst>
       <p:ext uri="{BB962C8B-B14F-4D97-AF65-F5344CB8AC3E}">
@@ -5176,49 +6533,6 @@
       </p:pic>
       <p:sp>
         <p:nvSpPr>
-          <p:cNvPr id="3" name="TextBox 2">
-            <a:extLst>
-              <a:ext uri="{FF2B5EF4-FFF2-40B4-BE49-F238E27FC236}">
-                <a16:creationId xmlns:a16="http://schemas.microsoft.com/office/drawing/2014/main" id="{D489F746-A7E2-9F4E-B2C0-557071CC0B90}"/>
-              </a:ext>
-            </a:extLst>
-          </p:cNvPr>
-          <p:cNvSpPr txBox="1"/>
-          <p:nvPr/>
-        </p:nvSpPr>
-        <p:spPr>
-          <a:xfrm>
-            <a:off x="872666" y="2644170"/>
-            <a:ext cx="3046347" cy="1569660"/>
-          </a:xfrm>
-          <a:prstGeom prst="rect">
-            <a:avLst/>
-          </a:prstGeom>
-          <a:noFill/>
-        </p:spPr>
-        <p:txBody>
-          <a:bodyPr wrap="none" rtlCol="0">
-            <a:spAutoFit/>
-          </a:bodyPr>
-          <a:lstStyle/>
-          <a:p>
-            <a:pPr algn="ctr"/>
-            <a:r>
-              <a:rPr lang="en-US" sz="4800" dirty="0"/>
-              <a:t>Multi-Layer</a:t>
-            </a:r>
-          </a:p>
-          <a:p>
-            <a:pPr algn="ctr"/>
-            <a:r>
-              <a:rPr lang="en-US" sz="4800" dirty="0"/>
-              <a:t>Perceptron</a:t>
-            </a:r>
-          </a:p>
-        </p:txBody>
-      </p:sp>
-      <p:sp>
-        <p:nvSpPr>
           <p:cNvPr id="2" name="Rectangle 1">
             <a:extLst>
               <a:ext uri="{FF2B5EF4-FFF2-40B4-BE49-F238E27FC236}">
@@ -5269,22 +6583,147 @@
           </a:p>
         </p:txBody>
       </p:sp>
+      <p:pic>
+        <p:nvPicPr>
+          <p:cNvPr id="19458" name="Picture 2" descr="Chihuahua or muffin? My search for the best computer vision API">
+            <a:extLst>
+              <a:ext uri="{FF2B5EF4-FFF2-40B4-BE49-F238E27FC236}">
+                <a16:creationId xmlns:a16="http://schemas.microsoft.com/office/drawing/2014/main" id="{5382974F-A630-DD4E-B4B0-4E754221E3A1}"/>
+              </a:ext>
+            </a:extLst>
+          </p:cNvPr>
+          <p:cNvPicPr>
+            <a:picLocks noChangeAspect="1" noChangeArrowheads="1"/>
+          </p:cNvPicPr>
+          <p:nvPr/>
+        </p:nvPicPr>
+        <p:blipFill rotWithShape="1">
+          <a:blip r:embed="rId3">
+            <a:extLst>
+              <a:ext uri="{28A0092B-C50C-407E-A947-70E740481C1C}">
+                <a14:useLocalDpi xmlns:a14="http://schemas.microsoft.com/office/drawing/2010/main" val="0"/>
+              </a:ext>
+            </a:extLst>
+          </a:blip>
+          <a:srcRect l="25129" t="24773" r="50147" b="50000"/>
+          <a:stretch/>
+        </p:blipFill>
+        <p:spPr bwMode="auto">
+          <a:xfrm>
+            <a:off x="2030271" y="2387705"/>
+            <a:ext cx="2240186" cy="2297151"/>
+          </a:xfrm>
+          <a:prstGeom prst="rect">
+            <a:avLst/>
+          </a:prstGeom>
+          <a:noFill/>
+          <a:extLst>
+            <a:ext uri="{909E8E84-426E-40DD-AFC4-6F175D3DCCD1}">
+              <a14:hiddenFill xmlns:a14="http://schemas.microsoft.com/office/drawing/2010/main">
+                <a:solidFill>
+                  <a:srgbClr val="FFFFFF"/>
+                </a:solidFill>
+              </a14:hiddenFill>
+            </a:ext>
+          </a:extLst>
+        </p:spPr>
+      </p:pic>
+      <p:sp>
+        <p:nvSpPr>
+          <p:cNvPr id="4" name="TextBox 3">
+            <a:extLst>
+              <a:ext uri="{FF2B5EF4-FFF2-40B4-BE49-F238E27FC236}">
+                <a16:creationId xmlns:a16="http://schemas.microsoft.com/office/drawing/2014/main" id="{6AF59AAD-A5B5-8D49-8A70-73C577FE9319}"/>
+              </a:ext>
+            </a:extLst>
+          </p:cNvPr>
+          <p:cNvSpPr txBox="1"/>
+          <p:nvPr/>
+        </p:nvSpPr>
+        <p:spPr>
+          <a:xfrm>
+            <a:off x="10326034" y="3166949"/>
+            <a:ext cx="1181734" cy="369332"/>
+          </a:xfrm>
+          <a:prstGeom prst="rect">
+            <a:avLst/>
+          </a:prstGeom>
+          <a:noFill/>
+        </p:spPr>
+        <p:txBody>
+          <a:bodyPr wrap="none" rtlCol="0">
+            <a:spAutoFit/>
+          </a:bodyPr>
+          <a:lstStyle/>
+          <a:p>
+            <a:r>
+              <a:rPr lang="en-US" b="1" dirty="0">
+                <a:solidFill>
+                  <a:schemeClr val="accent1"/>
+                </a:solidFill>
+              </a:rPr>
+              <a:t>chihuahua</a:t>
+            </a:r>
+          </a:p>
+        </p:txBody>
+      </p:sp>
+      <p:sp>
+        <p:nvSpPr>
+          <p:cNvPr id="8" name="TextBox 7">
+            <a:extLst>
+              <a:ext uri="{FF2B5EF4-FFF2-40B4-BE49-F238E27FC236}">
+                <a16:creationId xmlns:a16="http://schemas.microsoft.com/office/drawing/2014/main" id="{781DC0C8-1C06-7B44-922F-48CB66059DFF}"/>
+              </a:ext>
+            </a:extLst>
+          </p:cNvPr>
+          <p:cNvSpPr txBox="1"/>
+          <p:nvPr/>
+        </p:nvSpPr>
+        <p:spPr>
+          <a:xfrm>
+            <a:off x="10306717" y="3902927"/>
+            <a:ext cx="822661" cy="369332"/>
+          </a:xfrm>
+          <a:prstGeom prst="rect">
+            <a:avLst/>
+          </a:prstGeom>
+          <a:noFill/>
+        </p:spPr>
+        <p:txBody>
+          <a:bodyPr wrap="none" rtlCol="0">
+            <a:spAutoFit/>
+          </a:bodyPr>
+          <a:lstStyle/>
+          <a:p>
+            <a:r>
+              <a:rPr lang="en-US" b="1" dirty="0">
+                <a:solidFill>
+                  <a:schemeClr val="accent1"/>
+                </a:solidFill>
+              </a:rPr>
+              <a:t>muffin</a:t>
+            </a:r>
+          </a:p>
+        </p:txBody>
+      </p:sp>
       <p:cxnSp>
         <p:nvCxnSpPr>
-          <p:cNvPr id="6" name="Straight Arrow Connector 5">
-            <a:extLst>
-              <a:ext uri="{FF2B5EF4-FFF2-40B4-BE49-F238E27FC236}">
-                <a16:creationId xmlns:a16="http://schemas.microsoft.com/office/drawing/2014/main" id="{55B29DE5-CBB0-A844-840F-DFF076F89F97}"/>
-              </a:ext>
-            </a:extLst>
-          </p:cNvPr>
-          <p:cNvCxnSpPr/>
+          <p:cNvPr id="9" name="Straight Arrow Connector 8">
+            <a:extLst>
+              <a:ext uri="{FF2B5EF4-FFF2-40B4-BE49-F238E27FC236}">
+                <a16:creationId xmlns:a16="http://schemas.microsoft.com/office/drawing/2014/main" id="{B98A4591-AF8A-3246-9ACF-D04C2DF2A4C4}"/>
+              </a:ext>
+            </a:extLst>
+          </p:cNvPr>
+          <p:cNvCxnSpPr>
+            <a:cxnSpLocks/>
+          </p:cNvCxnSpPr>
           <p:nvPr/>
         </p:nvCxnSpPr>
         <p:spPr>
           <a:xfrm>
-            <a:off x="5819721" y="1048215"/>
-            <a:ext cx="4906536" cy="0"/>
+            <a:off x="4459272" y="3670096"/>
+            <a:ext cx="1076543" cy="0"/>
           </a:xfrm>
           <a:prstGeom prst="straightConnector1">
             <a:avLst/>
@@ -5310,40 +6749,60 @@
       </p:cxnSp>
       <p:sp>
         <p:nvSpPr>
-          <p:cNvPr id="7" name="TextBox 6">
-            <a:extLst>
-              <a:ext uri="{FF2B5EF4-FFF2-40B4-BE49-F238E27FC236}">
-                <a16:creationId xmlns:a16="http://schemas.microsoft.com/office/drawing/2014/main" id="{2DA84432-A094-9644-A4DB-EACB2BE1A711}"/>
-              </a:ext>
-            </a:extLst>
-          </p:cNvPr>
-          <p:cNvSpPr txBox="1"/>
-          <p:nvPr/>
-        </p:nvSpPr>
-        <p:spPr>
-          <a:xfrm>
-            <a:off x="7337502" y="579863"/>
-            <a:ext cx="184731" cy="369332"/>
+          <p:cNvPr id="11" name="Rectangle 10">
+            <a:extLst>
+              <a:ext uri="{FF2B5EF4-FFF2-40B4-BE49-F238E27FC236}">
+                <a16:creationId xmlns:a16="http://schemas.microsoft.com/office/drawing/2014/main" id="{6C937CA2-3D32-E54D-A2E9-E9C1E3458A57}"/>
+              </a:ext>
+            </a:extLst>
+          </p:cNvPr>
+          <p:cNvSpPr/>
+          <p:nvPr/>
+        </p:nvSpPr>
+        <p:spPr>
+          <a:xfrm>
+            <a:off x="7942073" y="4948518"/>
+            <a:ext cx="673787" cy="788894"/>
           </a:xfrm>
           <a:prstGeom prst="rect">
             <a:avLst/>
           </a:prstGeom>
-          <a:noFill/>
-        </p:spPr>
-        <p:txBody>
-          <a:bodyPr wrap="none" rtlCol="0">
-            <a:spAutoFit/>
-          </a:bodyPr>
-          <a:lstStyle/>
-          <a:p>
-            <a:endParaRPr lang="en-US" dirty="0"/>
+          <a:solidFill>
+            <a:schemeClr val="bg1"/>
+          </a:solidFill>
+          <a:ln>
+            <a:noFill/>
+          </a:ln>
+        </p:spPr>
+        <p:style>
+          <a:lnRef idx="2">
+            <a:schemeClr val="accent1">
+              <a:shade val="50000"/>
+            </a:schemeClr>
+          </a:lnRef>
+          <a:fillRef idx="1">
+            <a:schemeClr val="accent1"/>
+          </a:fillRef>
+          <a:effectRef idx="0">
+            <a:schemeClr val="accent1"/>
+          </a:effectRef>
+          <a:fontRef idx="minor">
+            <a:schemeClr val="lt1"/>
+          </a:fontRef>
+        </p:style>
+        <p:txBody>
+          <a:bodyPr rtlCol="0" anchor="ctr"/>
+          <a:lstStyle/>
+          <a:p>
+            <a:pPr algn="ctr"/>
+            <a:endParaRPr lang="en-US"/>
           </a:p>
         </p:txBody>
       </p:sp>
     </p:spTree>
     <p:extLst>
       <p:ext uri="{BB962C8B-B14F-4D97-AF65-F5344CB8AC3E}">
-        <p14:creationId xmlns:p14="http://schemas.microsoft.com/office/powerpoint/2010/main" val="2318476336"/>
+        <p14:creationId xmlns:p14="http://schemas.microsoft.com/office/powerpoint/2010/main" val="2867606689"/>
       </p:ext>
     </p:extLst>
   </p:cSld>
@@ -5417,49 +6876,6 @@
       </p:pic>
       <p:sp>
         <p:nvSpPr>
-          <p:cNvPr id="3" name="TextBox 2">
-            <a:extLst>
-              <a:ext uri="{FF2B5EF4-FFF2-40B4-BE49-F238E27FC236}">
-                <a16:creationId xmlns:a16="http://schemas.microsoft.com/office/drawing/2014/main" id="{D489F746-A7E2-9F4E-B2C0-557071CC0B90}"/>
-              </a:ext>
-            </a:extLst>
-          </p:cNvPr>
-          <p:cNvSpPr txBox="1"/>
-          <p:nvPr/>
-        </p:nvSpPr>
-        <p:spPr>
-          <a:xfrm>
-            <a:off x="872666" y="2644170"/>
-            <a:ext cx="3046347" cy="1569660"/>
-          </a:xfrm>
-          <a:prstGeom prst="rect">
-            <a:avLst/>
-          </a:prstGeom>
-          <a:noFill/>
-        </p:spPr>
-        <p:txBody>
-          <a:bodyPr wrap="none" rtlCol="0">
-            <a:spAutoFit/>
-          </a:bodyPr>
-          <a:lstStyle/>
-          <a:p>
-            <a:pPr algn="ctr"/>
-            <a:r>
-              <a:rPr lang="en-US" sz="4800" dirty="0"/>
-              <a:t>Multi-Layer</a:t>
-            </a:r>
-          </a:p>
-          <a:p>
-            <a:pPr algn="ctr"/>
-            <a:r>
-              <a:rPr lang="en-US" sz="4800" dirty="0"/>
-              <a:t>Perceptron</a:t>
-            </a:r>
-          </a:p>
-        </p:txBody>
-      </p:sp>
-      <p:sp>
-        <p:nvSpPr>
           <p:cNvPr id="2" name="Rectangle 1">
             <a:extLst>
               <a:ext uri="{FF2B5EF4-FFF2-40B4-BE49-F238E27FC236}">
@@ -5510,6 +6926,45 @@
           </a:p>
         </p:txBody>
       </p:sp>
+      <p:cxnSp>
+        <p:nvCxnSpPr>
+          <p:cNvPr id="6" name="Straight Arrow Connector 5">
+            <a:extLst>
+              <a:ext uri="{FF2B5EF4-FFF2-40B4-BE49-F238E27FC236}">
+                <a16:creationId xmlns:a16="http://schemas.microsoft.com/office/drawing/2014/main" id="{55B29DE5-CBB0-A844-840F-DFF076F89F97}"/>
+              </a:ext>
+            </a:extLst>
+          </p:cNvPr>
+          <p:cNvCxnSpPr/>
+          <p:nvPr/>
+        </p:nvCxnSpPr>
+        <p:spPr>
+          <a:xfrm>
+            <a:off x="5819721" y="1048215"/>
+            <a:ext cx="4906536" cy="0"/>
+          </a:xfrm>
+          <a:prstGeom prst="straightConnector1">
+            <a:avLst/>
+          </a:prstGeom>
+          <a:ln w="127000">
+            <a:tailEnd type="triangle"/>
+          </a:ln>
+        </p:spPr>
+        <p:style>
+          <a:lnRef idx="1">
+            <a:schemeClr val="accent1"/>
+          </a:lnRef>
+          <a:fillRef idx="0">
+            <a:schemeClr val="accent1"/>
+          </a:fillRef>
+          <a:effectRef idx="0">
+            <a:schemeClr val="accent1"/>
+          </a:effectRef>
+          <a:fontRef idx="minor">
+            <a:schemeClr val="tx1"/>
+          </a:fontRef>
+        </p:style>
+      </p:cxnSp>
       <p:sp>
         <p:nvSpPr>
           <p:cNvPr id="7" name="TextBox 6">
@@ -5542,12 +6997,57 @@
           </a:p>
         </p:txBody>
       </p:sp>
-      <p:sp>
-        <p:nvSpPr>
-          <p:cNvPr id="4" name="TextBox 3">
-            <a:extLst>
-              <a:ext uri="{FF2B5EF4-FFF2-40B4-BE49-F238E27FC236}">
-                <a16:creationId xmlns:a16="http://schemas.microsoft.com/office/drawing/2014/main" id="{C6D1FCBB-DD65-F348-A4D7-A0E3BDA98967}"/>
+      <p:pic>
+        <p:nvPicPr>
+          <p:cNvPr id="9" name="Picture 2" descr="Chihuahua or muffin? My search for the best computer vision API">
+            <a:extLst>
+              <a:ext uri="{FF2B5EF4-FFF2-40B4-BE49-F238E27FC236}">
+                <a16:creationId xmlns:a16="http://schemas.microsoft.com/office/drawing/2014/main" id="{653185A5-118F-5142-8F51-634A1E85D6CE}"/>
+              </a:ext>
+            </a:extLst>
+          </p:cNvPr>
+          <p:cNvPicPr>
+            <a:picLocks noChangeAspect="1" noChangeArrowheads="1"/>
+          </p:cNvPicPr>
+          <p:nvPr/>
+        </p:nvPicPr>
+        <p:blipFill rotWithShape="1">
+          <a:blip r:embed="rId3">
+            <a:extLst>
+              <a:ext uri="{28A0092B-C50C-407E-A947-70E740481C1C}">
+                <a14:useLocalDpi xmlns:a14="http://schemas.microsoft.com/office/drawing/2010/main" val="0"/>
+              </a:ext>
+            </a:extLst>
+          </a:blip>
+          <a:srcRect l="25129" t="24773" r="50147" b="50000"/>
+          <a:stretch/>
+        </p:blipFill>
+        <p:spPr bwMode="auto">
+          <a:xfrm>
+            <a:off x="2030271" y="2387705"/>
+            <a:ext cx="2240186" cy="2297151"/>
+          </a:xfrm>
+          <a:prstGeom prst="rect">
+            <a:avLst/>
+          </a:prstGeom>
+          <a:noFill/>
+          <a:extLst>
+            <a:ext uri="{909E8E84-426E-40DD-AFC4-6F175D3DCCD1}">
+              <a14:hiddenFill xmlns:a14="http://schemas.microsoft.com/office/drawing/2010/main">
+                <a:solidFill>
+                  <a:srgbClr val="FFFFFF"/>
+                </a:solidFill>
+              </a14:hiddenFill>
+            </a:ext>
+          </a:extLst>
+        </p:spPr>
+      </p:pic>
+      <p:sp>
+        <p:nvSpPr>
+          <p:cNvPr id="10" name="TextBox 9">
+            <a:extLst>
+              <a:ext uri="{FF2B5EF4-FFF2-40B4-BE49-F238E27FC236}">
+                <a16:creationId xmlns:a16="http://schemas.microsoft.com/office/drawing/2014/main" id="{141D0731-602F-714A-8ADD-2004CC9FBD0D}"/>
               </a:ext>
             </a:extLst>
           </p:cNvPr>
@@ -5556,8 +7056,8 @@
         </p:nvSpPr>
         <p:spPr>
           <a:xfrm>
-            <a:off x="10504445" y="3141740"/>
-            <a:ext cx="1442224" cy="1200329"/>
+            <a:off x="10326034" y="3166949"/>
+            <a:ext cx="1181734" cy="369332"/>
           </a:xfrm>
           <a:prstGeom prst="rect">
             <a:avLst/>
@@ -5565,27 +7065,236 @@
           <a:noFill/>
         </p:spPr>
         <p:txBody>
-          <a:bodyPr wrap="square" rtlCol="0">
+          <a:bodyPr wrap="none" rtlCol="0">
             <a:spAutoFit/>
           </a:bodyPr>
           <a:lstStyle/>
           <a:p>
-            <a:pPr algn="ctr"/>
             <a:r>
-              <a:rPr lang="en-US" sz="2400" dirty="0">
+              <a:rPr lang="en-US" b="1" dirty="0">
                 <a:solidFill>
                   <a:schemeClr val="accent1"/>
                 </a:solidFill>
               </a:rPr>
-              <a:t>How wrong were we?</a:t>
+              <a:t>chihuahua</a:t>
             </a:r>
+          </a:p>
+        </p:txBody>
+      </p:sp>
+      <p:sp>
+        <p:nvSpPr>
+          <p:cNvPr id="11" name="TextBox 10">
+            <a:extLst>
+              <a:ext uri="{FF2B5EF4-FFF2-40B4-BE49-F238E27FC236}">
+                <a16:creationId xmlns:a16="http://schemas.microsoft.com/office/drawing/2014/main" id="{213A0356-542E-6342-ADD2-8A16EB776065}"/>
+              </a:ext>
+            </a:extLst>
+          </p:cNvPr>
+          <p:cNvSpPr txBox="1"/>
+          <p:nvPr/>
+        </p:nvSpPr>
+        <p:spPr>
+          <a:xfrm>
+            <a:off x="10306717" y="3902927"/>
+            <a:ext cx="822661" cy="369332"/>
+          </a:xfrm>
+          <a:prstGeom prst="rect">
+            <a:avLst/>
+          </a:prstGeom>
+          <a:noFill/>
+        </p:spPr>
+        <p:txBody>
+          <a:bodyPr wrap="none" rtlCol="0">
+            <a:spAutoFit/>
+          </a:bodyPr>
+          <a:lstStyle/>
+          <a:p>
+            <a:r>
+              <a:rPr lang="en-US" b="1" dirty="0">
+                <a:solidFill>
+                  <a:schemeClr val="accent1"/>
+                </a:solidFill>
+              </a:rPr>
+              <a:t>muffin</a:t>
+            </a:r>
+          </a:p>
+        </p:txBody>
+      </p:sp>
+      <p:cxnSp>
+        <p:nvCxnSpPr>
+          <p:cNvPr id="12" name="Straight Arrow Connector 11">
+            <a:extLst>
+              <a:ext uri="{FF2B5EF4-FFF2-40B4-BE49-F238E27FC236}">
+                <a16:creationId xmlns:a16="http://schemas.microsoft.com/office/drawing/2014/main" id="{9322B82F-8F9F-D54B-BD6D-6EF25E3050F1}"/>
+              </a:ext>
+            </a:extLst>
+          </p:cNvPr>
+          <p:cNvCxnSpPr>
+            <a:cxnSpLocks/>
+          </p:cNvCxnSpPr>
+          <p:nvPr/>
+        </p:nvCxnSpPr>
+        <p:spPr>
+          <a:xfrm>
+            <a:off x="4459272" y="3670096"/>
+            <a:ext cx="1076543" cy="0"/>
+          </a:xfrm>
+          <a:prstGeom prst="straightConnector1">
+            <a:avLst/>
+          </a:prstGeom>
+          <a:ln w="127000">
+            <a:tailEnd type="triangle"/>
+          </a:ln>
+        </p:spPr>
+        <p:style>
+          <a:lnRef idx="1">
+            <a:schemeClr val="accent1"/>
+          </a:lnRef>
+          <a:fillRef idx="0">
+            <a:schemeClr val="accent1"/>
+          </a:fillRef>
+          <a:effectRef idx="0">
+            <a:schemeClr val="accent1"/>
+          </a:effectRef>
+          <a:fontRef idx="minor">
+            <a:schemeClr val="tx1"/>
+          </a:fontRef>
+        </p:style>
+      </p:cxnSp>
+      <p:sp>
+        <p:nvSpPr>
+          <p:cNvPr id="13" name="TextBox 12">
+            <a:extLst>
+              <a:ext uri="{FF2B5EF4-FFF2-40B4-BE49-F238E27FC236}">
+                <a16:creationId xmlns:a16="http://schemas.microsoft.com/office/drawing/2014/main" id="{F0035105-A103-2A4B-8434-1CBD1E61211A}"/>
+              </a:ext>
+            </a:extLst>
+          </p:cNvPr>
+          <p:cNvSpPr txBox="1"/>
+          <p:nvPr/>
+        </p:nvSpPr>
+        <p:spPr>
+          <a:xfrm>
+            <a:off x="9797130" y="3185616"/>
+            <a:ext cx="362600" cy="369332"/>
+          </a:xfrm>
+          <a:prstGeom prst="rect">
+            <a:avLst/>
+          </a:prstGeom>
+          <a:noFill/>
+        </p:spPr>
+        <p:txBody>
+          <a:bodyPr wrap="none" rtlCol="0">
+            <a:spAutoFit/>
+          </a:bodyPr>
+          <a:lstStyle/>
+          <a:p>
+            <a:r>
+              <a:rPr lang="en-US" b="1" dirty="0">
+                <a:solidFill>
+                  <a:schemeClr val="accent1"/>
+                </a:solidFill>
+              </a:rPr>
+              <a:t>.7</a:t>
+            </a:r>
+          </a:p>
+        </p:txBody>
+      </p:sp>
+      <p:sp>
+        <p:nvSpPr>
+          <p:cNvPr id="14" name="TextBox 13">
+            <a:extLst>
+              <a:ext uri="{FF2B5EF4-FFF2-40B4-BE49-F238E27FC236}">
+                <a16:creationId xmlns:a16="http://schemas.microsoft.com/office/drawing/2014/main" id="{ED6AB3BD-78D8-0E40-BBBF-EA83A2F6C231}"/>
+              </a:ext>
+            </a:extLst>
+          </p:cNvPr>
+          <p:cNvSpPr txBox="1"/>
+          <p:nvPr/>
+        </p:nvSpPr>
+        <p:spPr>
+          <a:xfrm>
+            <a:off x="9817450" y="3937456"/>
+            <a:ext cx="362600" cy="369332"/>
+          </a:xfrm>
+          <a:prstGeom prst="rect">
+            <a:avLst/>
+          </a:prstGeom>
+          <a:noFill/>
+        </p:spPr>
+        <p:txBody>
+          <a:bodyPr wrap="none" rtlCol="0">
+            <a:spAutoFit/>
+          </a:bodyPr>
+          <a:lstStyle/>
+          <a:p>
+            <a:r>
+              <a:rPr lang="en-US" b="1" dirty="0">
+                <a:solidFill>
+                  <a:schemeClr val="accent1"/>
+                </a:solidFill>
+              </a:rPr>
+              <a:t>.3</a:t>
+            </a:r>
+          </a:p>
+        </p:txBody>
+      </p:sp>
+      <p:sp>
+        <p:nvSpPr>
+          <p:cNvPr id="15" name="Rectangle 14">
+            <a:extLst>
+              <a:ext uri="{FF2B5EF4-FFF2-40B4-BE49-F238E27FC236}">
+                <a16:creationId xmlns:a16="http://schemas.microsoft.com/office/drawing/2014/main" id="{9B8F3AE9-61D9-964F-9B30-9C5A85C8791F}"/>
+              </a:ext>
+            </a:extLst>
+          </p:cNvPr>
+          <p:cNvSpPr/>
+          <p:nvPr/>
+        </p:nvSpPr>
+        <p:spPr>
+          <a:xfrm>
+            <a:off x="7942073" y="4948518"/>
+            <a:ext cx="673787" cy="788894"/>
+          </a:xfrm>
+          <a:prstGeom prst="rect">
+            <a:avLst/>
+          </a:prstGeom>
+          <a:solidFill>
+            <a:schemeClr val="bg1"/>
+          </a:solidFill>
+          <a:ln>
+            <a:noFill/>
+          </a:ln>
+        </p:spPr>
+        <p:style>
+          <a:lnRef idx="2">
+            <a:schemeClr val="accent1">
+              <a:shade val="50000"/>
+            </a:schemeClr>
+          </a:lnRef>
+          <a:fillRef idx="1">
+            <a:schemeClr val="accent1"/>
+          </a:fillRef>
+          <a:effectRef idx="0">
+            <a:schemeClr val="accent1"/>
+          </a:effectRef>
+          <a:fontRef idx="minor">
+            <a:schemeClr val="lt1"/>
+          </a:fontRef>
+        </p:style>
+        <p:txBody>
+          <a:bodyPr rtlCol="0" anchor="ctr"/>
+          <a:lstStyle/>
+          <a:p>
+            <a:pPr algn="ctr"/>
+            <a:endParaRPr lang="en-US"/>
           </a:p>
         </p:txBody>
       </p:sp>
     </p:spTree>
     <p:extLst>
       <p:ext uri="{BB962C8B-B14F-4D97-AF65-F5344CB8AC3E}">
-        <p14:creationId xmlns:p14="http://schemas.microsoft.com/office/powerpoint/2010/main" val="2466336746"/>
+        <p14:creationId xmlns:p14="http://schemas.microsoft.com/office/powerpoint/2010/main" val="2318476336"/>
       </p:ext>
     </p:extLst>
   </p:cSld>
@@ -5627,7 +7336,7 @@
           <p:nvPr/>
         </p:nvPicPr>
         <p:blipFill rotWithShape="1">
-          <a:blip r:embed="rId2">
+          <a:blip r:embed="rId3">
             <a:extLst>
               <a:ext uri="{28A0092B-C50C-407E-A947-70E740481C1C}">
                 <a14:useLocalDpi xmlns:a14="http://schemas.microsoft.com/office/drawing/2010/main" val="0"/>
@@ -5659,49 +7368,6 @@
       </p:pic>
       <p:sp>
         <p:nvSpPr>
-          <p:cNvPr id="3" name="TextBox 2">
-            <a:extLst>
-              <a:ext uri="{FF2B5EF4-FFF2-40B4-BE49-F238E27FC236}">
-                <a16:creationId xmlns:a16="http://schemas.microsoft.com/office/drawing/2014/main" id="{D489F746-A7E2-9F4E-B2C0-557071CC0B90}"/>
-              </a:ext>
-            </a:extLst>
-          </p:cNvPr>
-          <p:cNvSpPr txBox="1"/>
-          <p:nvPr/>
-        </p:nvSpPr>
-        <p:spPr>
-          <a:xfrm>
-            <a:off x="872666" y="2644170"/>
-            <a:ext cx="3046347" cy="1569660"/>
-          </a:xfrm>
-          <a:prstGeom prst="rect">
-            <a:avLst/>
-          </a:prstGeom>
-          <a:noFill/>
-        </p:spPr>
-        <p:txBody>
-          <a:bodyPr wrap="none" rtlCol="0">
-            <a:spAutoFit/>
-          </a:bodyPr>
-          <a:lstStyle/>
-          <a:p>
-            <a:pPr algn="ctr"/>
-            <a:r>
-              <a:rPr lang="en-US" sz="4800" dirty="0"/>
-              <a:t>Multi-Layer</a:t>
-            </a:r>
-          </a:p>
-          <a:p>
-            <a:pPr algn="ctr"/>
-            <a:r>
-              <a:rPr lang="en-US" sz="4800" dirty="0"/>
-              <a:t>Perceptron</a:t>
-            </a:r>
-          </a:p>
-        </p:txBody>
-      </p:sp>
-      <p:sp>
-        <p:nvSpPr>
           <p:cNvPr id="2" name="Rectangle 1">
             <a:extLst>
               <a:ext uri="{FF2B5EF4-FFF2-40B4-BE49-F238E27FC236}">
@@ -5824,12 +7490,57 @@
           </a:p>
         </p:txBody>
       </p:sp>
+      <p:pic>
+        <p:nvPicPr>
+          <p:cNvPr id="8" name="Picture 2" descr="Chihuahua or muffin? My search for the best computer vision API">
+            <a:extLst>
+              <a:ext uri="{FF2B5EF4-FFF2-40B4-BE49-F238E27FC236}">
+                <a16:creationId xmlns:a16="http://schemas.microsoft.com/office/drawing/2014/main" id="{4D2B6CF6-59A5-9444-ACE6-5EF7E9754552}"/>
+              </a:ext>
+            </a:extLst>
+          </p:cNvPr>
+          <p:cNvPicPr>
+            <a:picLocks noChangeAspect="1" noChangeArrowheads="1"/>
+          </p:cNvPicPr>
+          <p:nvPr/>
+        </p:nvPicPr>
+        <p:blipFill rotWithShape="1">
+          <a:blip r:embed="rId4">
+            <a:extLst>
+              <a:ext uri="{28A0092B-C50C-407E-A947-70E740481C1C}">
+                <a14:useLocalDpi xmlns:a14="http://schemas.microsoft.com/office/drawing/2010/main" val="0"/>
+              </a:ext>
+            </a:extLst>
+          </a:blip>
+          <a:srcRect l="25129" t="24773" r="50147" b="50000"/>
+          <a:stretch/>
+        </p:blipFill>
+        <p:spPr bwMode="auto">
+          <a:xfrm>
+            <a:off x="2030271" y="2387705"/>
+            <a:ext cx="2240186" cy="2297151"/>
+          </a:xfrm>
+          <a:prstGeom prst="rect">
+            <a:avLst/>
+          </a:prstGeom>
+          <a:noFill/>
+          <a:extLst>
+            <a:ext uri="{909E8E84-426E-40DD-AFC4-6F175D3DCCD1}">
+              <a14:hiddenFill xmlns:a14="http://schemas.microsoft.com/office/drawing/2010/main">
+                <a:solidFill>
+                  <a:srgbClr val="FFFFFF"/>
+                </a:solidFill>
+              </a14:hiddenFill>
+            </a:ext>
+          </a:extLst>
+        </p:spPr>
+      </p:pic>
       <p:cxnSp>
         <p:nvCxnSpPr>
-          <p:cNvPr id="8" name="Straight Arrow Connector 7">
-            <a:extLst>
-              <a:ext uri="{FF2B5EF4-FFF2-40B4-BE49-F238E27FC236}">
-                <a16:creationId xmlns:a16="http://schemas.microsoft.com/office/drawing/2014/main" id="{3137D53F-9F87-914F-93B2-C72D1B58F62A}"/>
+          <p:cNvPr id="11" name="Straight Arrow Connector 10">
+            <a:extLst>
+              <a:ext uri="{FF2B5EF4-FFF2-40B4-BE49-F238E27FC236}">
+                <a16:creationId xmlns:a16="http://schemas.microsoft.com/office/drawing/2014/main" id="{51A8A5F8-9BD4-FA4D-93A2-A95ABDF84F5E}"/>
               </a:ext>
             </a:extLst>
           </p:cNvPr>
@@ -5839,9 +7550,9 @@
           <p:nvPr/>
         </p:nvCxnSpPr>
         <p:spPr>
-          <a:xfrm flipH="1">
-            <a:off x="5819721" y="6133167"/>
-            <a:ext cx="4906536" cy="0"/>
+          <a:xfrm>
+            <a:off x="4459272" y="3670096"/>
+            <a:ext cx="1076543" cy="0"/>
           </a:xfrm>
           <a:prstGeom prst="straightConnector1">
             <a:avLst/>
@@ -5865,10 +7576,140 @@
           </a:fontRef>
         </p:style>
       </p:cxnSp>
+      <p:sp>
+        <p:nvSpPr>
+          <p:cNvPr id="12" name="TextBox 11">
+            <a:extLst>
+              <a:ext uri="{FF2B5EF4-FFF2-40B4-BE49-F238E27FC236}">
+                <a16:creationId xmlns:a16="http://schemas.microsoft.com/office/drawing/2014/main" id="{31428D84-326F-034D-B053-A122CF61D52C}"/>
+              </a:ext>
+            </a:extLst>
+          </p:cNvPr>
+          <p:cNvSpPr txBox="1"/>
+          <p:nvPr/>
+        </p:nvSpPr>
+        <p:spPr>
+          <a:xfrm>
+            <a:off x="9797130" y="3185616"/>
+            <a:ext cx="362600" cy="369332"/>
+          </a:xfrm>
+          <a:prstGeom prst="rect">
+            <a:avLst/>
+          </a:prstGeom>
+          <a:noFill/>
+        </p:spPr>
+        <p:txBody>
+          <a:bodyPr wrap="none" rtlCol="0">
+            <a:spAutoFit/>
+          </a:bodyPr>
+          <a:lstStyle/>
+          <a:p>
+            <a:r>
+              <a:rPr lang="en-US" b="1" dirty="0">
+                <a:solidFill>
+                  <a:schemeClr val="accent1"/>
+                </a:solidFill>
+              </a:rPr>
+              <a:t>.7</a:t>
+            </a:r>
+          </a:p>
+        </p:txBody>
+      </p:sp>
+      <p:sp>
+        <p:nvSpPr>
+          <p:cNvPr id="13" name="TextBox 12">
+            <a:extLst>
+              <a:ext uri="{FF2B5EF4-FFF2-40B4-BE49-F238E27FC236}">
+                <a16:creationId xmlns:a16="http://schemas.microsoft.com/office/drawing/2014/main" id="{CF95CE09-F6ED-7041-91BD-C8C283444305}"/>
+              </a:ext>
+            </a:extLst>
+          </p:cNvPr>
+          <p:cNvSpPr txBox="1"/>
+          <p:nvPr/>
+        </p:nvSpPr>
+        <p:spPr>
+          <a:xfrm>
+            <a:off x="9817450" y="3937456"/>
+            <a:ext cx="362600" cy="369332"/>
+          </a:xfrm>
+          <a:prstGeom prst="rect">
+            <a:avLst/>
+          </a:prstGeom>
+          <a:noFill/>
+        </p:spPr>
+        <p:txBody>
+          <a:bodyPr wrap="none" rtlCol="0">
+            <a:spAutoFit/>
+          </a:bodyPr>
+          <a:lstStyle/>
+          <a:p>
+            <a:r>
+              <a:rPr lang="en-US" b="1" dirty="0">
+                <a:solidFill>
+                  <a:schemeClr val="accent1"/>
+                </a:solidFill>
+              </a:rPr>
+              <a:t>.3</a:t>
+            </a:r>
+          </a:p>
+        </p:txBody>
+      </p:sp>
+      <p:sp>
+        <p:nvSpPr>
+          <p:cNvPr id="14" name="Rectangle 13">
+            <a:extLst>
+              <a:ext uri="{FF2B5EF4-FFF2-40B4-BE49-F238E27FC236}">
+                <a16:creationId xmlns:a16="http://schemas.microsoft.com/office/drawing/2014/main" id="{177E7A10-B3C8-D844-AA70-742A3BB93D5A}"/>
+              </a:ext>
+            </a:extLst>
+          </p:cNvPr>
+          <p:cNvSpPr/>
+          <p:nvPr/>
+        </p:nvSpPr>
+        <p:spPr>
+          <a:xfrm>
+            <a:off x="7942073" y="4948518"/>
+            <a:ext cx="673787" cy="788894"/>
+          </a:xfrm>
+          <a:prstGeom prst="rect">
+            <a:avLst/>
+          </a:prstGeom>
+          <a:solidFill>
+            <a:schemeClr val="bg1"/>
+          </a:solidFill>
+          <a:ln>
+            <a:noFill/>
+          </a:ln>
+        </p:spPr>
+        <p:style>
+          <a:lnRef idx="2">
+            <a:schemeClr val="accent1">
+              <a:shade val="50000"/>
+            </a:schemeClr>
+          </a:lnRef>
+          <a:fillRef idx="1">
+            <a:schemeClr val="accent1"/>
+          </a:fillRef>
+          <a:effectRef idx="0">
+            <a:schemeClr val="accent1"/>
+          </a:effectRef>
+          <a:fontRef idx="minor">
+            <a:schemeClr val="lt1"/>
+          </a:fontRef>
+        </p:style>
+        <p:txBody>
+          <a:bodyPr rtlCol="0" anchor="ctr"/>
+          <a:lstStyle/>
+          <a:p>
+            <a:pPr algn="ctr"/>
+            <a:endParaRPr lang="en-US"/>
+          </a:p>
+        </p:txBody>
+      </p:sp>
     </p:spTree>
     <p:extLst>
       <p:ext uri="{BB962C8B-B14F-4D97-AF65-F5344CB8AC3E}">
-        <p14:creationId xmlns:p14="http://schemas.microsoft.com/office/powerpoint/2010/main" val="3218664904"/>
+        <p14:creationId xmlns:p14="http://schemas.microsoft.com/office/powerpoint/2010/main" val="2466336746"/>
       </p:ext>
     </p:extLst>
   </p:cSld>
@@ -5942,49 +7783,6 @@
       </p:pic>
       <p:sp>
         <p:nvSpPr>
-          <p:cNvPr id="3" name="TextBox 2">
-            <a:extLst>
-              <a:ext uri="{FF2B5EF4-FFF2-40B4-BE49-F238E27FC236}">
-                <a16:creationId xmlns:a16="http://schemas.microsoft.com/office/drawing/2014/main" id="{D489F746-A7E2-9F4E-B2C0-557071CC0B90}"/>
-              </a:ext>
-            </a:extLst>
-          </p:cNvPr>
-          <p:cNvSpPr txBox="1"/>
-          <p:nvPr/>
-        </p:nvSpPr>
-        <p:spPr>
-          <a:xfrm>
-            <a:off x="872666" y="2644170"/>
-            <a:ext cx="3046347" cy="1569660"/>
-          </a:xfrm>
-          <a:prstGeom prst="rect">
-            <a:avLst/>
-          </a:prstGeom>
-          <a:noFill/>
-        </p:spPr>
-        <p:txBody>
-          <a:bodyPr wrap="none" rtlCol="0">
-            <a:spAutoFit/>
-          </a:bodyPr>
-          <a:lstStyle/>
-          <a:p>
-            <a:pPr algn="ctr"/>
-            <a:r>
-              <a:rPr lang="en-US" sz="4800" dirty="0"/>
-              <a:t>Multi-Layer</a:t>
-            </a:r>
-          </a:p>
-          <a:p>
-            <a:pPr algn="ctr"/>
-            <a:r>
-              <a:rPr lang="en-US" sz="4800" dirty="0"/>
-              <a:t>Perceptron</a:t>
-            </a:r>
-          </a:p>
-        </p:txBody>
-      </p:sp>
-      <p:sp>
-        <p:nvSpPr>
           <p:cNvPr id="2" name="Rectangle 1">
             <a:extLst>
               <a:ext uri="{FF2B5EF4-FFF2-40B4-BE49-F238E27FC236}">
@@ -6035,22 +7833,141 @@
           </a:p>
         </p:txBody>
       </p:sp>
+      <p:sp>
+        <p:nvSpPr>
+          <p:cNvPr id="7" name="TextBox 6">
+            <a:extLst>
+              <a:ext uri="{FF2B5EF4-FFF2-40B4-BE49-F238E27FC236}">
+                <a16:creationId xmlns:a16="http://schemas.microsoft.com/office/drawing/2014/main" id="{2DA84432-A094-9644-A4DB-EACB2BE1A711}"/>
+              </a:ext>
+            </a:extLst>
+          </p:cNvPr>
+          <p:cNvSpPr txBox="1"/>
+          <p:nvPr/>
+        </p:nvSpPr>
+        <p:spPr>
+          <a:xfrm>
+            <a:off x="7337502" y="579863"/>
+            <a:ext cx="184731" cy="369332"/>
+          </a:xfrm>
+          <a:prstGeom prst="rect">
+            <a:avLst/>
+          </a:prstGeom>
+          <a:noFill/>
+        </p:spPr>
+        <p:txBody>
+          <a:bodyPr wrap="none" rtlCol="0">
+            <a:spAutoFit/>
+          </a:bodyPr>
+          <a:lstStyle/>
+          <a:p>
+            <a:endParaRPr lang="en-US" dirty="0"/>
+          </a:p>
+        </p:txBody>
+      </p:sp>
+      <p:sp>
+        <p:nvSpPr>
+          <p:cNvPr id="4" name="TextBox 3">
+            <a:extLst>
+              <a:ext uri="{FF2B5EF4-FFF2-40B4-BE49-F238E27FC236}">
+                <a16:creationId xmlns:a16="http://schemas.microsoft.com/office/drawing/2014/main" id="{C6D1FCBB-DD65-F348-A4D7-A0E3BDA98967}"/>
+              </a:ext>
+            </a:extLst>
+          </p:cNvPr>
+          <p:cNvSpPr txBox="1"/>
+          <p:nvPr/>
+        </p:nvSpPr>
+        <p:spPr>
+          <a:xfrm>
+            <a:off x="10504445" y="3141740"/>
+            <a:ext cx="1442224" cy="1200329"/>
+          </a:xfrm>
+          <a:prstGeom prst="rect">
+            <a:avLst/>
+          </a:prstGeom>
+          <a:noFill/>
+        </p:spPr>
+        <p:txBody>
+          <a:bodyPr wrap="square" rtlCol="0">
+            <a:spAutoFit/>
+          </a:bodyPr>
+          <a:lstStyle/>
+          <a:p>
+            <a:pPr algn="ctr"/>
+            <a:r>
+              <a:rPr lang="en-US" sz="2400" dirty="0">
+                <a:solidFill>
+                  <a:schemeClr val="accent1"/>
+                </a:solidFill>
+              </a:rPr>
+              <a:t>How wrong were we?</a:t>
+            </a:r>
+          </a:p>
+        </p:txBody>
+      </p:sp>
+      <p:pic>
+        <p:nvPicPr>
+          <p:cNvPr id="9" name="Picture 2" descr="Chihuahua or muffin? My search for the best computer vision API">
+            <a:extLst>
+              <a:ext uri="{FF2B5EF4-FFF2-40B4-BE49-F238E27FC236}">
+                <a16:creationId xmlns:a16="http://schemas.microsoft.com/office/drawing/2014/main" id="{617050DA-B657-AD4A-BD01-9FDDC2CC8335}"/>
+              </a:ext>
+            </a:extLst>
+          </p:cNvPr>
+          <p:cNvPicPr>
+            <a:picLocks noChangeAspect="1" noChangeArrowheads="1"/>
+          </p:cNvPicPr>
+          <p:nvPr/>
+        </p:nvPicPr>
+        <p:blipFill rotWithShape="1">
+          <a:blip r:embed="rId3">
+            <a:extLst>
+              <a:ext uri="{28A0092B-C50C-407E-A947-70E740481C1C}">
+                <a14:useLocalDpi xmlns:a14="http://schemas.microsoft.com/office/drawing/2010/main" val="0"/>
+              </a:ext>
+            </a:extLst>
+          </a:blip>
+          <a:srcRect l="25129" t="24773" r="50147" b="50000"/>
+          <a:stretch/>
+        </p:blipFill>
+        <p:spPr bwMode="auto">
+          <a:xfrm>
+            <a:off x="2030271" y="2387705"/>
+            <a:ext cx="2240186" cy="2297151"/>
+          </a:xfrm>
+          <a:prstGeom prst="rect">
+            <a:avLst/>
+          </a:prstGeom>
+          <a:noFill/>
+          <a:extLst>
+            <a:ext uri="{909E8E84-426E-40DD-AFC4-6F175D3DCCD1}">
+              <a14:hiddenFill xmlns:a14="http://schemas.microsoft.com/office/drawing/2010/main">
+                <a:solidFill>
+                  <a:srgbClr val="FFFFFF"/>
+                </a:solidFill>
+              </a14:hiddenFill>
+            </a:ext>
+          </a:extLst>
+        </p:spPr>
+      </p:pic>
       <p:cxnSp>
         <p:nvCxnSpPr>
-          <p:cNvPr id="6" name="Straight Arrow Connector 5">
-            <a:extLst>
-              <a:ext uri="{FF2B5EF4-FFF2-40B4-BE49-F238E27FC236}">
-                <a16:creationId xmlns:a16="http://schemas.microsoft.com/office/drawing/2014/main" id="{55B29DE5-CBB0-A844-840F-DFF076F89F97}"/>
-              </a:ext>
-            </a:extLst>
-          </p:cNvPr>
-          <p:cNvCxnSpPr/>
+          <p:cNvPr id="12" name="Straight Arrow Connector 11">
+            <a:extLst>
+              <a:ext uri="{FF2B5EF4-FFF2-40B4-BE49-F238E27FC236}">
+                <a16:creationId xmlns:a16="http://schemas.microsoft.com/office/drawing/2014/main" id="{408007DA-D7B7-B747-B926-B11B99FCFB76}"/>
+              </a:ext>
+            </a:extLst>
+          </p:cNvPr>
+          <p:cNvCxnSpPr>
+            <a:cxnSpLocks/>
+          </p:cNvCxnSpPr>
           <p:nvPr/>
         </p:nvCxnSpPr>
         <p:spPr>
           <a:xfrm>
-            <a:off x="5819721" y="1048215"/>
-            <a:ext cx="4906536" cy="0"/>
+            <a:off x="4459272" y="3670096"/>
+            <a:ext cx="1076543" cy="0"/>
           </a:xfrm>
           <a:prstGeom prst="straightConnector1">
             <a:avLst/>
@@ -6076,10 +7993,10 @@
       </p:cxnSp>
       <p:sp>
         <p:nvSpPr>
-          <p:cNvPr id="7" name="TextBox 6">
-            <a:extLst>
-              <a:ext uri="{FF2B5EF4-FFF2-40B4-BE49-F238E27FC236}">
-                <a16:creationId xmlns:a16="http://schemas.microsoft.com/office/drawing/2014/main" id="{2DA84432-A094-9644-A4DB-EACB2BE1A711}"/>
+          <p:cNvPr id="13" name="TextBox 12">
+            <a:extLst>
+              <a:ext uri="{FF2B5EF4-FFF2-40B4-BE49-F238E27FC236}">
+                <a16:creationId xmlns:a16="http://schemas.microsoft.com/office/drawing/2014/main" id="{BAAF4FD6-5DB5-C144-B75F-C316C6941E83}"/>
               </a:ext>
             </a:extLst>
           </p:cNvPr>
@@ -6088,8 +8005,8 @@
         </p:nvSpPr>
         <p:spPr>
           <a:xfrm>
-            <a:off x="7337502" y="579863"/>
-            <a:ext cx="184731" cy="369332"/>
+            <a:off x="9797130" y="3185616"/>
+            <a:ext cx="362600" cy="369332"/>
           </a:xfrm>
           <a:prstGeom prst="rect">
             <a:avLst/>
@@ -6102,14 +8019,304 @@
           </a:bodyPr>
           <a:lstStyle/>
           <a:p>
-            <a:endParaRPr lang="en-US" dirty="0"/>
+            <a:r>
+              <a:rPr lang="en-US" b="1" dirty="0">
+                <a:solidFill>
+                  <a:schemeClr val="accent1"/>
+                </a:solidFill>
+              </a:rPr>
+              <a:t>.7</a:t>
+            </a:r>
+          </a:p>
+        </p:txBody>
+      </p:sp>
+      <p:sp>
+        <p:nvSpPr>
+          <p:cNvPr id="14" name="TextBox 13">
+            <a:extLst>
+              <a:ext uri="{FF2B5EF4-FFF2-40B4-BE49-F238E27FC236}">
+                <a16:creationId xmlns:a16="http://schemas.microsoft.com/office/drawing/2014/main" id="{9486951C-5F8A-AA44-B7EF-3313745F4E18}"/>
+              </a:ext>
+            </a:extLst>
+          </p:cNvPr>
+          <p:cNvSpPr txBox="1"/>
+          <p:nvPr/>
+        </p:nvSpPr>
+        <p:spPr>
+          <a:xfrm>
+            <a:off x="9817450" y="3937456"/>
+            <a:ext cx="362600" cy="369332"/>
+          </a:xfrm>
+          <a:prstGeom prst="rect">
+            <a:avLst/>
+          </a:prstGeom>
+          <a:noFill/>
+        </p:spPr>
+        <p:txBody>
+          <a:bodyPr wrap="none" rtlCol="0">
+            <a:spAutoFit/>
+          </a:bodyPr>
+          <a:lstStyle/>
+          <a:p>
+            <a:r>
+              <a:rPr lang="en-US" b="1" dirty="0">
+                <a:solidFill>
+                  <a:schemeClr val="accent1"/>
+                </a:solidFill>
+              </a:rPr>
+              <a:t>.3</a:t>
+            </a:r>
+          </a:p>
+        </p:txBody>
+      </p:sp>
+      <mc:AlternateContent xmlns:mc="http://schemas.openxmlformats.org/markup-compatibility/2006">
+        <mc:Choice xmlns:a14="http://schemas.microsoft.com/office/drawing/2010/main" Requires="a14">
+          <p:sp>
+            <p:nvSpPr>
+              <p:cNvPr id="5" name="TextBox 4">
+                <a:extLst>
+                  <a:ext uri="{FF2B5EF4-FFF2-40B4-BE49-F238E27FC236}">
+                    <a16:creationId xmlns:a16="http://schemas.microsoft.com/office/drawing/2014/main" id="{6CC3B6CD-10C0-C04B-B510-60D1CD0B7FB8}"/>
+                  </a:ext>
+                </a:extLst>
+              </p:cNvPr>
+              <p:cNvSpPr txBox="1"/>
+              <p:nvPr/>
+            </p:nvSpPr>
+            <p:spPr>
+              <a:xfrm>
+                <a:off x="10439541" y="4591286"/>
+                <a:ext cx="1720663" cy="707886"/>
+              </a:xfrm>
+              <a:prstGeom prst="rect">
+                <a:avLst/>
+              </a:prstGeom>
+              <a:noFill/>
+            </p:spPr>
+            <p:txBody>
+              <a:bodyPr wrap="none" rtlCol="0">
+                <a:spAutoFit/>
+              </a:bodyPr>
+              <a:lstStyle/>
+              <a:p>
+                <a14:m>
+                  <m:oMathPara xmlns:m="http://schemas.openxmlformats.org/officeDocument/2006/math">
+                    <m:oMathParaPr>
+                      <m:jc m:val="centerGroup"/>
+                    </m:oMathParaPr>
+                    <m:oMath xmlns:m="http://schemas.openxmlformats.org/officeDocument/2006/math">
+                      <m:r>
+                        <a:rPr lang="en-US" sz="2000" b="0" i="1" smtClean="0">
+                          <a:solidFill>
+                            <a:schemeClr val="accent1"/>
+                          </a:solidFill>
+                          <a:latin typeface="Cambria Math" panose="02040503050406030204" pitchFamily="18" charset="0"/>
+                        </a:rPr>
+                        <m:t>𝑎𝑏𝑠</m:t>
+                      </m:r>
+                      <m:r>
+                        <a:rPr lang="en-US" sz="2000" b="0" i="1" smtClean="0">
+                          <a:solidFill>
+                            <a:schemeClr val="accent1"/>
+                          </a:solidFill>
+                          <a:latin typeface="Cambria Math" panose="02040503050406030204" pitchFamily="18" charset="0"/>
+                        </a:rPr>
+                        <m:t>( </m:t>
+                      </m:r>
+                      <m:d>
+                        <m:dPr>
+                          <m:ctrlPr>
+                            <a:rPr lang="en-US" sz="2000" b="0" i="1" smtClean="0">
+                              <a:solidFill>
+                                <a:schemeClr val="accent1"/>
+                              </a:solidFill>
+                              <a:latin typeface="Cambria Math" panose="02040503050406030204" pitchFamily="18" charset="0"/>
+                            </a:rPr>
+                          </m:ctrlPr>
+                        </m:dPr>
+                        <m:e>
+                          <m:r>
+                            <a:rPr lang="en-US" sz="2000" b="0" i="1" smtClean="0">
+                              <a:solidFill>
+                                <a:schemeClr val="accent1"/>
+                              </a:solidFill>
+                              <a:latin typeface="Cambria Math" panose="02040503050406030204" pitchFamily="18" charset="0"/>
+                            </a:rPr>
+                            <m:t>.7 −0</m:t>
+                          </m:r>
+                        </m:e>
+                      </m:d>
+                    </m:oMath>
+                  </m:oMathPara>
+                </a14:m>
+                <a:endParaRPr lang="en-US" sz="2000" b="0" i="1" dirty="0">
+                  <a:solidFill>
+                    <a:schemeClr val="accent1"/>
+                  </a:solidFill>
+                  <a:latin typeface="Cambria Math" panose="02040503050406030204" pitchFamily="18" charset="0"/>
+                </a:endParaRPr>
+              </a:p>
+              <a:p>
+                <a14:m>
+                  <m:oMathPara xmlns:m="http://schemas.openxmlformats.org/officeDocument/2006/math">
+                    <m:oMathParaPr>
+                      <m:jc m:val="centerGroup"/>
+                    </m:oMathParaPr>
+                    <m:oMath xmlns:m="http://schemas.openxmlformats.org/officeDocument/2006/math">
+                      <m:r>
+                        <a:rPr lang="en-US" sz="2000" b="0" i="1" smtClean="0">
+                          <a:solidFill>
+                            <a:schemeClr val="accent1"/>
+                          </a:solidFill>
+                          <a:latin typeface="Cambria Math" panose="02040503050406030204" pitchFamily="18" charset="0"/>
+                        </a:rPr>
+                        <m:t>+</m:t>
+                      </m:r>
+                      <m:d>
+                        <m:dPr>
+                          <m:ctrlPr>
+                            <a:rPr lang="en-US" sz="2000" b="0" i="1" smtClean="0">
+                              <a:solidFill>
+                                <a:schemeClr val="accent1"/>
+                              </a:solidFill>
+                              <a:latin typeface="Cambria Math" panose="02040503050406030204" pitchFamily="18" charset="0"/>
+                            </a:rPr>
+                          </m:ctrlPr>
+                        </m:dPr>
+                        <m:e>
+                          <m:r>
+                            <a:rPr lang="en-US" sz="2000" b="0" i="1" smtClean="0">
+                              <a:solidFill>
+                                <a:schemeClr val="accent1"/>
+                              </a:solidFill>
+                              <a:latin typeface="Cambria Math" panose="02040503050406030204" pitchFamily="18" charset="0"/>
+                            </a:rPr>
+                            <m:t>.3 −1</m:t>
+                          </m:r>
+                        </m:e>
+                      </m:d>
+                      <m:r>
+                        <a:rPr lang="en-US" sz="2000" b="0" i="1" smtClean="0">
+                          <a:solidFill>
+                            <a:schemeClr val="accent1"/>
+                          </a:solidFill>
+                          <a:latin typeface="Cambria Math" panose="02040503050406030204" pitchFamily="18" charset="0"/>
+                        </a:rPr>
+                        <m:t>)</m:t>
+                      </m:r>
+                    </m:oMath>
+                  </m:oMathPara>
+                </a14:m>
+                <a:endParaRPr lang="en-US" sz="2000" dirty="0">
+                  <a:solidFill>
+                    <a:schemeClr val="accent1"/>
+                  </a:solidFill>
+                </a:endParaRPr>
+              </a:p>
+            </p:txBody>
+          </p:sp>
+        </mc:Choice>
+        <mc:Fallback>
+          <p:sp>
+            <p:nvSpPr>
+              <p:cNvPr id="5" name="TextBox 4">
+                <a:extLst>
+                  <a:ext uri="{FF2B5EF4-FFF2-40B4-BE49-F238E27FC236}">
+                    <a16:creationId xmlns:a16="http://schemas.microsoft.com/office/drawing/2014/main" id="{6CC3B6CD-10C0-C04B-B510-60D1CD0B7FB8}"/>
+                  </a:ext>
+                </a:extLst>
+              </p:cNvPr>
+              <p:cNvSpPr txBox="1">
+                <a:spLocks noRot="1" noChangeAspect="1" noMove="1" noResize="1" noEditPoints="1" noAdjustHandles="1" noChangeArrowheads="1" noChangeShapeType="1" noTextEdit="1"/>
+              </p:cNvSpPr>
+              <p:nvPr/>
+            </p:nvSpPr>
+            <p:spPr>
+              <a:xfrm>
+                <a:off x="10439541" y="4591286"/>
+                <a:ext cx="1720663" cy="707886"/>
+              </a:xfrm>
+              <a:prstGeom prst="rect">
+                <a:avLst/>
+              </a:prstGeom>
+              <a:blipFill>
+                <a:blip r:embed="rId4"/>
+                <a:stretch>
+                  <a:fillRect b="-8772"/>
+                </a:stretch>
+              </a:blipFill>
+            </p:spPr>
+            <p:txBody>
+              <a:bodyPr/>
+              <a:lstStyle/>
+              <a:p>
+                <a:r>
+                  <a:rPr lang="en-US">
+                    <a:noFill/>
+                  </a:rPr>
+                  <a:t> </a:t>
+                </a:r>
+              </a:p>
+            </p:txBody>
+          </p:sp>
+        </mc:Fallback>
+      </mc:AlternateContent>
+      <p:sp>
+        <p:nvSpPr>
+          <p:cNvPr id="15" name="Rectangle 14">
+            <a:extLst>
+              <a:ext uri="{FF2B5EF4-FFF2-40B4-BE49-F238E27FC236}">
+                <a16:creationId xmlns:a16="http://schemas.microsoft.com/office/drawing/2014/main" id="{D42CC8E2-B3D0-344F-B599-BD0B6DB230C1}"/>
+              </a:ext>
+            </a:extLst>
+          </p:cNvPr>
+          <p:cNvSpPr/>
+          <p:nvPr/>
+        </p:nvSpPr>
+        <p:spPr>
+          <a:xfrm>
+            <a:off x="7942073" y="4948518"/>
+            <a:ext cx="673787" cy="788894"/>
+          </a:xfrm>
+          <a:prstGeom prst="rect">
+            <a:avLst/>
+          </a:prstGeom>
+          <a:solidFill>
+            <a:schemeClr val="bg1"/>
+          </a:solidFill>
+          <a:ln>
+            <a:noFill/>
+          </a:ln>
+        </p:spPr>
+        <p:style>
+          <a:lnRef idx="2">
+            <a:schemeClr val="accent1">
+              <a:shade val="50000"/>
+            </a:schemeClr>
+          </a:lnRef>
+          <a:fillRef idx="1">
+            <a:schemeClr val="accent1"/>
+          </a:fillRef>
+          <a:effectRef idx="0">
+            <a:schemeClr val="accent1"/>
+          </a:effectRef>
+          <a:fontRef idx="minor">
+            <a:schemeClr val="lt1"/>
+          </a:fontRef>
+        </p:style>
+        <p:txBody>
+          <a:bodyPr rtlCol="0" anchor="ctr"/>
+          <a:lstStyle/>
+          <a:p>
+            <a:pPr algn="ctr"/>
+            <a:endParaRPr lang="en-US"/>
           </a:p>
         </p:txBody>
       </p:sp>
     </p:spTree>
     <p:extLst>
       <p:ext uri="{BB962C8B-B14F-4D97-AF65-F5344CB8AC3E}">
-        <p14:creationId xmlns:p14="http://schemas.microsoft.com/office/powerpoint/2010/main" val="550507760"/>
+        <p14:creationId xmlns:p14="http://schemas.microsoft.com/office/powerpoint/2010/main" val="3218664904"/>
       </p:ext>
     </p:extLst>
   </p:cSld>
@@ -6138,222 +8345,135 @@
       </p:grpSpPr>
       <p:sp>
         <p:nvSpPr>
-          <p:cNvPr id="4" name="Oval 3">
-            <a:extLst>
-              <a:ext uri="{FF2B5EF4-FFF2-40B4-BE49-F238E27FC236}">
-                <a16:creationId xmlns:a16="http://schemas.microsoft.com/office/drawing/2014/main" id="{1482DB33-D632-9B4C-B227-425176913BB0}"/>
-              </a:ext>
-            </a:extLst>
-          </p:cNvPr>
-          <p:cNvSpPr/>
-          <p:nvPr/>
-        </p:nvSpPr>
-        <p:spPr>
-          <a:xfrm>
-            <a:off x="5602936" y="2765612"/>
-            <a:ext cx="1380565" cy="1326776"/>
-          </a:xfrm>
-          <a:prstGeom prst="ellipse">
-            <a:avLst/>
-          </a:prstGeom>
-          <a:solidFill>
-            <a:schemeClr val="bg1"/>
-          </a:solidFill>
-          <a:ln w="111125"/>
-        </p:spPr>
-        <p:style>
-          <a:lnRef idx="2">
-            <a:schemeClr val="accent1">
-              <a:shade val="50000"/>
-            </a:schemeClr>
-          </a:lnRef>
-          <a:fillRef idx="1">
-            <a:schemeClr val="accent1"/>
-          </a:fillRef>
-          <a:effectRef idx="0">
-            <a:schemeClr val="accent1"/>
-          </a:effectRef>
-          <a:fontRef idx="minor">
-            <a:schemeClr val="lt1"/>
-          </a:fontRef>
-        </p:style>
-        <p:txBody>
-          <a:bodyPr rtlCol="0" anchor="ctr"/>
-          <a:lstStyle/>
-          <a:p>
-            <a:pPr algn="ctr"/>
+          <p:cNvPr id="2" name="Title 1">
+            <a:extLst>
+              <a:ext uri="{FF2B5EF4-FFF2-40B4-BE49-F238E27FC236}">
+                <a16:creationId xmlns:a16="http://schemas.microsoft.com/office/drawing/2014/main" id="{0042AD97-2058-B84B-82FF-5E94E0FBDC17}"/>
+              </a:ext>
+            </a:extLst>
+          </p:cNvPr>
+          <p:cNvSpPr>
+            <a:spLocks noGrp="1"/>
+          </p:cNvSpPr>
+          <p:nvPr>
+            <p:ph type="title"/>
+          </p:nvPr>
+        </p:nvSpPr>
+        <p:spPr/>
+        <p:txBody>
+          <a:bodyPr/>
+          <a:lstStyle/>
+          <a:p>
             <a:endParaRPr lang="en-US"/>
           </a:p>
         </p:txBody>
       </p:sp>
-      <p:cxnSp>
-        <p:nvCxnSpPr>
-          <p:cNvPr id="6" name="Straight Arrow Connector 5">
-            <a:extLst>
-              <a:ext uri="{FF2B5EF4-FFF2-40B4-BE49-F238E27FC236}">
-                <a16:creationId xmlns:a16="http://schemas.microsoft.com/office/drawing/2014/main" id="{C4495401-4D1E-E341-B38F-42CAB14D46F9}"/>
-              </a:ext>
-            </a:extLst>
-          </p:cNvPr>
-          <p:cNvCxnSpPr>
-            <a:cxnSpLocks/>
-          </p:cNvCxnSpPr>
-          <p:nvPr/>
-        </p:nvCxnSpPr>
-        <p:spPr>
-          <a:xfrm>
-            <a:off x="7306223" y="3429000"/>
-            <a:ext cx="2339789" cy="0"/>
-          </a:xfrm>
-          <a:prstGeom prst="straightConnector1">
-            <a:avLst/>
-          </a:prstGeom>
-          <a:ln w="127000">
-            <a:tailEnd type="triangle"/>
-          </a:ln>
-        </p:spPr>
-        <p:style>
-          <a:lnRef idx="1">
-            <a:schemeClr val="accent1"/>
-          </a:lnRef>
-          <a:fillRef idx="0">
-            <a:schemeClr val="accent1"/>
-          </a:fillRef>
-          <a:effectRef idx="0">
-            <a:schemeClr val="accent1"/>
-          </a:effectRef>
-          <a:fontRef idx="minor">
-            <a:schemeClr val="tx1"/>
-          </a:fontRef>
-        </p:style>
-      </p:cxnSp>
-      <p:cxnSp>
-        <p:nvCxnSpPr>
-          <p:cNvPr id="7" name="Straight Arrow Connector 6">
-            <a:extLst>
-              <a:ext uri="{FF2B5EF4-FFF2-40B4-BE49-F238E27FC236}">
-                <a16:creationId xmlns:a16="http://schemas.microsoft.com/office/drawing/2014/main" id="{54782A1D-015F-2741-AD46-4477C775D70F}"/>
-              </a:ext>
-            </a:extLst>
-          </p:cNvPr>
-          <p:cNvCxnSpPr>
-            <a:cxnSpLocks/>
-          </p:cNvCxnSpPr>
-          <p:nvPr/>
-        </p:nvCxnSpPr>
-        <p:spPr>
-          <a:xfrm>
-            <a:off x="3047999" y="2026024"/>
-            <a:ext cx="2541968" cy="933890"/>
-          </a:xfrm>
-          <a:prstGeom prst="straightConnector1">
-            <a:avLst/>
-          </a:prstGeom>
-          <a:ln w="127000">
-            <a:tailEnd type="triangle"/>
-          </a:ln>
-        </p:spPr>
-        <p:style>
-          <a:lnRef idx="1">
-            <a:schemeClr val="accent1"/>
-          </a:lnRef>
-          <a:fillRef idx="0">
-            <a:schemeClr val="accent1"/>
-          </a:fillRef>
-          <a:effectRef idx="0">
-            <a:schemeClr val="accent1"/>
-          </a:effectRef>
-          <a:fontRef idx="minor">
-            <a:schemeClr val="tx1"/>
-          </a:fontRef>
-        </p:style>
-      </p:cxnSp>
-      <p:cxnSp>
-        <p:nvCxnSpPr>
-          <p:cNvPr id="9" name="Straight Arrow Connector 8">
-            <a:extLst>
-              <a:ext uri="{FF2B5EF4-FFF2-40B4-BE49-F238E27FC236}">
-                <a16:creationId xmlns:a16="http://schemas.microsoft.com/office/drawing/2014/main" id="{444BF683-5D9C-654A-A5DD-2C93006DC73F}"/>
-              </a:ext>
-            </a:extLst>
-          </p:cNvPr>
-          <p:cNvCxnSpPr>
-            <a:cxnSpLocks/>
-          </p:cNvCxnSpPr>
-          <p:nvPr/>
-        </p:nvCxnSpPr>
-        <p:spPr>
-          <a:xfrm>
-            <a:off x="2821407" y="3429000"/>
-            <a:ext cx="2643057" cy="0"/>
-          </a:xfrm>
-          <a:prstGeom prst="straightConnector1">
-            <a:avLst/>
-          </a:prstGeom>
-          <a:ln w="127000">
-            <a:tailEnd type="triangle"/>
-          </a:ln>
-        </p:spPr>
-        <p:style>
-          <a:lnRef idx="1">
-            <a:schemeClr val="accent1"/>
-          </a:lnRef>
-          <a:fillRef idx="0">
-            <a:schemeClr val="accent1"/>
-          </a:fillRef>
-          <a:effectRef idx="0">
-            <a:schemeClr val="accent1"/>
-          </a:effectRef>
-          <a:fontRef idx="minor">
-            <a:schemeClr val="tx1"/>
-          </a:fontRef>
-        </p:style>
-      </p:cxnSp>
-      <p:cxnSp>
-        <p:nvCxnSpPr>
-          <p:cNvPr id="11" name="Straight Arrow Connector 10">
-            <a:extLst>
-              <a:ext uri="{FF2B5EF4-FFF2-40B4-BE49-F238E27FC236}">
-                <a16:creationId xmlns:a16="http://schemas.microsoft.com/office/drawing/2014/main" id="{18058F99-C1D7-7544-9200-B97AB3C32546}"/>
-              </a:ext>
-            </a:extLst>
-          </p:cNvPr>
-          <p:cNvCxnSpPr>
-            <a:cxnSpLocks/>
-          </p:cNvCxnSpPr>
-          <p:nvPr/>
-        </p:nvCxnSpPr>
-        <p:spPr>
-          <a:xfrm flipV="1">
-            <a:off x="3065928" y="3868272"/>
-            <a:ext cx="2592512" cy="963704"/>
-          </a:xfrm>
-          <a:prstGeom prst="straightConnector1">
-            <a:avLst/>
-          </a:prstGeom>
-          <a:ln w="127000">
-            <a:tailEnd type="triangle"/>
-          </a:ln>
-        </p:spPr>
-        <p:style>
-          <a:lnRef idx="1">
-            <a:schemeClr val="accent1"/>
-          </a:lnRef>
-          <a:fillRef idx="0">
-            <a:schemeClr val="accent1"/>
-          </a:fillRef>
-          <a:effectRef idx="0">
-            <a:schemeClr val="accent1"/>
-          </a:effectRef>
-          <a:fontRef idx="minor">
-            <a:schemeClr val="tx1"/>
-          </a:fontRef>
-        </p:style>
-      </p:cxnSp>
+      <p:sp>
+        <p:nvSpPr>
+          <p:cNvPr id="3" name="Content Placeholder 2">
+            <a:extLst>
+              <a:ext uri="{FF2B5EF4-FFF2-40B4-BE49-F238E27FC236}">
+                <a16:creationId xmlns:a16="http://schemas.microsoft.com/office/drawing/2014/main" id="{639998DE-A0AC-EA42-880B-4822817468DA}"/>
+              </a:ext>
+            </a:extLst>
+          </p:cNvPr>
+          <p:cNvSpPr>
+            <a:spLocks noGrp="1"/>
+          </p:cNvSpPr>
+          <p:nvPr>
+            <p:ph idx="1"/>
+          </p:nvPr>
+        </p:nvSpPr>
+        <p:spPr/>
+        <p:txBody>
+          <a:bodyPr/>
+          <a:lstStyle/>
+          <a:p>
+            <a:endParaRPr lang="en-US"/>
+          </a:p>
+        </p:txBody>
+      </p:sp>
+      <p:pic>
+        <p:nvPicPr>
+          <p:cNvPr id="4100" name="Picture 4" descr="Why are neuron axons long and spindly? Study shows they're optimizing  signaling efficiency">
+            <a:extLst>
+              <a:ext uri="{FF2B5EF4-FFF2-40B4-BE49-F238E27FC236}">
+                <a16:creationId xmlns:a16="http://schemas.microsoft.com/office/drawing/2014/main" id="{32478ABC-ABC5-B549-BD45-C6A0537969B2}"/>
+              </a:ext>
+            </a:extLst>
+          </p:cNvPr>
+          <p:cNvPicPr>
+            <a:picLocks noChangeAspect="1" noChangeArrowheads="1"/>
+          </p:cNvPicPr>
+          <p:nvPr/>
+        </p:nvPicPr>
+        <p:blipFill>
+          <a:blip r:embed="rId2">
+            <a:extLst>
+              <a:ext uri="{28A0092B-C50C-407E-A947-70E740481C1C}">
+                <a14:useLocalDpi xmlns:a14="http://schemas.microsoft.com/office/drawing/2010/main" val="0"/>
+              </a:ext>
+            </a:extLst>
+          </a:blip>
+          <a:srcRect/>
+          <a:stretch>
+            <a:fillRect/>
+          </a:stretch>
+        </p:blipFill>
+        <p:spPr bwMode="auto">
+          <a:xfrm>
+            <a:off x="0" y="0"/>
+            <a:ext cx="12192000" cy="6858000"/>
+          </a:xfrm>
+          <a:prstGeom prst="rect">
+            <a:avLst/>
+          </a:prstGeom>
+          <a:noFill/>
+          <a:extLst>
+            <a:ext uri="{909E8E84-426E-40DD-AFC4-6F175D3DCCD1}">
+              <a14:hiddenFill xmlns:a14="http://schemas.microsoft.com/office/drawing/2010/main">
+                <a:solidFill>
+                  <a:srgbClr val="FFFFFF"/>
+                </a:solidFill>
+              </a14:hiddenFill>
+            </a:ext>
+          </a:extLst>
+        </p:spPr>
+      </p:pic>
+      <p:pic>
+        <p:nvPicPr>
+          <p:cNvPr id="4" name="Picture 3">
+            <a:extLst>
+              <a:ext uri="{FF2B5EF4-FFF2-40B4-BE49-F238E27FC236}">
+                <a16:creationId xmlns:a16="http://schemas.microsoft.com/office/drawing/2014/main" id="{E908C6DB-268E-CB42-8444-B9DDB2A0D1EC}"/>
+              </a:ext>
+            </a:extLst>
+          </p:cNvPr>
+          <p:cNvPicPr>
+            <a:picLocks noChangeAspect="1"/>
+          </p:cNvPicPr>
+          <p:nvPr/>
+        </p:nvPicPr>
+        <p:blipFill>
+          <a:blip r:embed="rId3"/>
+          <a:stretch>
+            <a:fillRect/>
+          </a:stretch>
+        </p:blipFill>
+        <p:spPr>
+          <a:xfrm>
+            <a:off x="7937500" y="0"/>
+            <a:ext cx="4254500" cy="6858000"/>
+          </a:xfrm>
+          <a:prstGeom prst="rect">
+            <a:avLst/>
+          </a:prstGeom>
+        </p:spPr>
+      </p:pic>
     </p:spTree>
     <p:extLst>
       <p:ext uri="{BB962C8B-B14F-4D97-AF65-F5344CB8AC3E}">
-        <p14:creationId xmlns:p14="http://schemas.microsoft.com/office/powerpoint/2010/main" val="662444970"/>
+        <p14:creationId xmlns:p14="http://schemas.microsoft.com/office/powerpoint/2010/main" val="2813890348"/>
       </p:ext>
     </p:extLst>
   </p:cSld>
@@ -6427,49 +8547,6 @@
       </p:pic>
       <p:sp>
         <p:nvSpPr>
-          <p:cNvPr id="3" name="TextBox 2">
-            <a:extLst>
-              <a:ext uri="{FF2B5EF4-FFF2-40B4-BE49-F238E27FC236}">
-                <a16:creationId xmlns:a16="http://schemas.microsoft.com/office/drawing/2014/main" id="{D489F746-A7E2-9F4E-B2C0-557071CC0B90}"/>
-              </a:ext>
-            </a:extLst>
-          </p:cNvPr>
-          <p:cNvSpPr txBox="1"/>
-          <p:nvPr/>
-        </p:nvSpPr>
-        <p:spPr>
-          <a:xfrm>
-            <a:off x="872666" y="2644170"/>
-            <a:ext cx="3046347" cy="1569660"/>
-          </a:xfrm>
-          <a:prstGeom prst="rect">
-            <a:avLst/>
-          </a:prstGeom>
-          <a:noFill/>
-        </p:spPr>
-        <p:txBody>
-          <a:bodyPr wrap="none" rtlCol="0">
-            <a:spAutoFit/>
-          </a:bodyPr>
-          <a:lstStyle/>
-          <a:p>
-            <a:pPr algn="ctr"/>
-            <a:r>
-              <a:rPr lang="en-US" sz="4800" dirty="0"/>
-              <a:t>Multi-Layer</a:t>
-            </a:r>
-          </a:p>
-          <a:p>
-            <a:pPr algn="ctr"/>
-            <a:r>
-              <a:rPr lang="en-US" sz="4800" dirty="0"/>
-              <a:t>Perceptron</a:t>
-            </a:r>
-          </a:p>
-        </p:txBody>
-      </p:sp>
-      <p:sp>
-        <p:nvSpPr>
           <p:cNvPr id="2" name="Rectangle 1">
             <a:extLst>
               <a:ext uri="{FF2B5EF4-FFF2-40B4-BE49-F238E27FC236}">
@@ -6592,10 +8669,461 @@
           </a:p>
         </p:txBody>
       </p:sp>
+      <p:cxnSp>
+        <p:nvCxnSpPr>
+          <p:cNvPr id="8" name="Straight Arrow Connector 7">
+            <a:extLst>
+              <a:ext uri="{FF2B5EF4-FFF2-40B4-BE49-F238E27FC236}">
+                <a16:creationId xmlns:a16="http://schemas.microsoft.com/office/drawing/2014/main" id="{3137D53F-9F87-914F-93B2-C72D1B58F62A}"/>
+              </a:ext>
+            </a:extLst>
+          </p:cNvPr>
+          <p:cNvCxnSpPr>
+            <a:cxnSpLocks/>
+          </p:cNvCxnSpPr>
+          <p:nvPr/>
+        </p:nvCxnSpPr>
+        <p:spPr>
+          <a:xfrm flipH="1">
+            <a:off x="5819721" y="6133167"/>
+            <a:ext cx="4906536" cy="0"/>
+          </a:xfrm>
+          <a:prstGeom prst="straightConnector1">
+            <a:avLst/>
+          </a:prstGeom>
+          <a:ln w="127000">
+            <a:tailEnd type="triangle"/>
+          </a:ln>
+        </p:spPr>
+        <p:style>
+          <a:lnRef idx="1">
+            <a:schemeClr val="accent1"/>
+          </a:lnRef>
+          <a:fillRef idx="0">
+            <a:schemeClr val="accent1"/>
+          </a:fillRef>
+          <a:effectRef idx="0">
+            <a:schemeClr val="accent1"/>
+          </a:effectRef>
+          <a:fontRef idx="minor">
+            <a:schemeClr val="tx1"/>
+          </a:fontRef>
+        </p:style>
+      </p:cxnSp>
+      <p:pic>
+        <p:nvPicPr>
+          <p:cNvPr id="9" name="Picture 2" descr="Chihuahua or muffin? My search for the best computer vision API">
+            <a:extLst>
+              <a:ext uri="{FF2B5EF4-FFF2-40B4-BE49-F238E27FC236}">
+                <a16:creationId xmlns:a16="http://schemas.microsoft.com/office/drawing/2014/main" id="{617050DA-B657-AD4A-BD01-9FDDC2CC8335}"/>
+              </a:ext>
+            </a:extLst>
+          </p:cNvPr>
+          <p:cNvPicPr>
+            <a:picLocks noChangeAspect="1" noChangeArrowheads="1"/>
+          </p:cNvPicPr>
+          <p:nvPr/>
+        </p:nvPicPr>
+        <p:blipFill rotWithShape="1">
+          <a:blip r:embed="rId3">
+            <a:extLst>
+              <a:ext uri="{28A0092B-C50C-407E-A947-70E740481C1C}">
+                <a14:useLocalDpi xmlns:a14="http://schemas.microsoft.com/office/drawing/2010/main" val="0"/>
+              </a:ext>
+            </a:extLst>
+          </a:blip>
+          <a:srcRect l="25129" t="24773" r="50147" b="50000"/>
+          <a:stretch/>
+        </p:blipFill>
+        <p:spPr bwMode="auto">
+          <a:xfrm>
+            <a:off x="2030271" y="2387705"/>
+            <a:ext cx="2240186" cy="2297151"/>
+          </a:xfrm>
+          <a:prstGeom prst="rect">
+            <a:avLst/>
+          </a:prstGeom>
+          <a:noFill/>
+          <a:extLst>
+            <a:ext uri="{909E8E84-426E-40DD-AFC4-6F175D3DCCD1}">
+              <a14:hiddenFill xmlns:a14="http://schemas.microsoft.com/office/drawing/2010/main">
+                <a:solidFill>
+                  <a:srgbClr val="FFFFFF"/>
+                </a:solidFill>
+              </a14:hiddenFill>
+            </a:ext>
+          </a:extLst>
+        </p:spPr>
+      </p:pic>
+      <p:cxnSp>
+        <p:nvCxnSpPr>
+          <p:cNvPr id="12" name="Straight Arrow Connector 11">
+            <a:extLst>
+              <a:ext uri="{FF2B5EF4-FFF2-40B4-BE49-F238E27FC236}">
+                <a16:creationId xmlns:a16="http://schemas.microsoft.com/office/drawing/2014/main" id="{408007DA-D7B7-B747-B926-B11B99FCFB76}"/>
+              </a:ext>
+            </a:extLst>
+          </p:cNvPr>
+          <p:cNvCxnSpPr>
+            <a:cxnSpLocks/>
+          </p:cNvCxnSpPr>
+          <p:nvPr/>
+        </p:nvCxnSpPr>
+        <p:spPr>
+          <a:xfrm>
+            <a:off x="4459272" y="3670096"/>
+            <a:ext cx="1076543" cy="0"/>
+          </a:xfrm>
+          <a:prstGeom prst="straightConnector1">
+            <a:avLst/>
+          </a:prstGeom>
+          <a:ln w="127000">
+            <a:tailEnd type="triangle"/>
+          </a:ln>
+        </p:spPr>
+        <p:style>
+          <a:lnRef idx="1">
+            <a:schemeClr val="accent1"/>
+          </a:lnRef>
+          <a:fillRef idx="0">
+            <a:schemeClr val="accent1"/>
+          </a:fillRef>
+          <a:effectRef idx="0">
+            <a:schemeClr val="accent1"/>
+          </a:effectRef>
+          <a:fontRef idx="minor">
+            <a:schemeClr val="tx1"/>
+          </a:fontRef>
+        </p:style>
+      </p:cxnSp>
+      <p:sp>
+        <p:nvSpPr>
+          <p:cNvPr id="13" name="TextBox 12">
+            <a:extLst>
+              <a:ext uri="{FF2B5EF4-FFF2-40B4-BE49-F238E27FC236}">
+                <a16:creationId xmlns:a16="http://schemas.microsoft.com/office/drawing/2014/main" id="{BAAF4FD6-5DB5-C144-B75F-C316C6941E83}"/>
+              </a:ext>
+            </a:extLst>
+          </p:cNvPr>
+          <p:cNvSpPr txBox="1"/>
+          <p:nvPr/>
+        </p:nvSpPr>
+        <p:spPr>
+          <a:xfrm>
+            <a:off x="9797130" y="3185616"/>
+            <a:ext cx="362600" cy="369332"/>
+          </a:xfrm>
+          <a:prstGeom prst="rect">
+            <a:avLst/>
+          </a:prstGeom>
+          <a:noFill/>
+        </p:spPr>
+        <p:txBody>
+          <a:bodyPr wrap="none" rtlCol="0">
+            <a:spAutoFit/>
+          </a:bodyPr>
+          <a:lstStyle/>
+          <a:p>
+            <a:r>
+              <a:rPr lang="en-US" b="1" dirty="0">
+                <a:solidFill>
+                  <a:schemeClr val="accent1"/>
+                </a:solidFill>
+              </a:rPr>
+              <a:t>.7</a:t>
+            </a:r>
+          </a:p>
+        </p:txBody>
+      </p:sp>
+      <p:sp>
+        <p:nvSpPr>
+          <p:cNvPr id="14" name="TextBox 13">
+            <a:extLst>
+              <a:ext uri="{FF2B5EF4-FFF2-40B4-BE49-F238E27FC236}">
+                <a16:creationId xmlns:a16="http://schemas.microsoft.com/office/drawing/2014/main" id="{9486951C-5F8A-AA44-B7EF-3313745F4E18}"/>
+              </a:ext>
+            </a:extLst>
+          </p:cNvPr>
+          <p:cNvSpPr txBox="1"/>
+          <p:nvPr/>
+        </p:nvSpPr>
+        <p:spPr>
+          <a:xfrm>
+            <a:off x="9817450" y="3937456"/>
+            <a:ext cx="362600" cy="369332"/>
+          </a:xfrm>
+          <a:prstGeom prst="rect">
+            <a:avLst/>
+          </a:prstGeom>
+          <a:noFill/>
+        </p:spPr>
+        <p:txBody>
+          <a:bodyPr wrap="none" rtlCol="0">
+            <a:spAutoFit/>
+          </a:bodyPr>
+          <a:lstStyle/>
+          <a:p>
+            <a:r>
+              <a:rPr lang="en-US" b="1" dirty="0">
+                <a:solidFill>
+                  <a:schemeClr val="accent1"/>
+                </a:solidFill>
+              </a:rPr>
+              <a:t>.3</a:t>
+            </a:r>
+          </a:p>
+        </p:txBody>
+      </p:sp>
+      <mc:AlternateContent xmlns:mc="http://schemas.openxmlformats.org/markup-compatibility/2006">
+        <mc:Choice xmlns:a14="http://schemas.microsoft.com/office/drawing/2010/main" Requires="a14">
+          <p:sp>
+            <p:nvSpPr>
+              <p:cNvPr id="5" name="TextBox 4">
+                <a:extLst>
+                  <a:ext uri="{FF2B5EF4-FFF2-40B4-BE49-F238E27FC236}">
+                    <a16:creationId xmlns:a16="http://schemas.microsoft.com/office/drawing/2014/main" id="{6CC3B6CD-10C0-C04B-B510-60D1CD0B7FB8}"/>
+                  </a:ext>
+                </a:extLst>
+              </p:cNvPr>
+              <p:cNvSpPr txBox="1"/>
+              <p:nvPr/>
+            </p:nvSpPr>
+            <p:spPr>
+              <a:xfrm>
+                <a:off x="10439541" y="4591286"/>
+                <a:ext cx="1720663" cy="707886"/>
+              </a:xfrm>
+              <a:prstGeom prst="rect">
+                <a:avLst/>
+              </a:prstGeom>
+              <a:noFill/>
+            </p:spPr>
+            <p:txBody>
+              <a:bodyPr wrap="none" rtlCol="0">
+                <a:spAutoFit/>
+              </a:bodyPr>
+              <a:lstStyle/>
+              <a:p>
+                <a:pPr/>
+                <a14:m>
+                  <m:oMathPara xmlns:m="http://schemas.openxmlformats.org/officeDocument/2006/math">
+                    <m:oMathParaPr>
+                      <m:jc m:val="centerGroup"/>
+                    </m:oMathParaPr>
+                    <m:oMath xmlns:m="http://schemas.openxmlformats.org/officeDocument/2006/math">
+                      <m:r>
+                        <a:rPr lang="en-US" sz="2000" b="0" i="1" smtClean="0">
+                          <a:solidFill>
+                            <a:schemeClr val="accent1"/>
+                          </a:solidFill>
+                          <a:latin typeface="Cambria Math" panose="02040503050406030204" pitchFamily="18" charset="0"/>
+                        </a:rPr>
+                        <m:t>𝑎𝑏𝑠</m:t>
+                      </m:r>
+                      <m:r>
+                        <a:rPr lang="en-US" sz="2000" b="0" i="1" smtClean="0">
+                          <a:solidFill>
+                            <a:schemeClr val="accent1"/>
+                          </a:solidFill>
+                          <a:latin typeface="Cambria Math" panose="02040503050406030204" pitchFamily="18" charset="0"/>
+                        </a:rPr>
+                        <m:t>( </m:t>
+                      </m:r>
+                      <m:d>
+                        <m:dPr>
+                          <m:ctrlPr>
+                            <a:rPr lang="en-US" sz="2000" b="0" i="1" smtClean="0">
+                              <a:solidFill>
+                                <a:schemeClr val="accent1"/>
+                              </a:solidFill>
+                              <a:latin typeface="Cambria Math" panose="02040503050406030204" pitchFamily="18" charset="0"/>
+                            </a:rPr>
+                          </m:ctrlPr>
+                        </m:dPr>
+                        <m:e>
+                          <m:r>
+                            <a:rPr lang="en-US" sz="2000" b="0" i="1" smtClean="0">
+                              <a:solidFill>
+                                <a:schemeClr val="accent1"/>
+                              </a:solidFill>
+                              <a:latin typeface="Cambria Math" panose="02040503050406030204" pitchFamily="18" charset="0"/>
+                            </a:rPr>
+                            <m:t>.7 −0</m:t>
+                          </m:r>
+                        </m:e>
+                      </m:d>
+                    </m:oMath>
+                  </m:oMathPara>
+                </a14:m>
+                <a:endParaRPr lang="en-US" sz="2000" b="0" i="1" dirty="0">
+                  <a:solidFill>
+                    <a:schemeClr val="accent1"/>
+                  </a:solidFill>
+                  <a:latin typeface="Cambria Math" panose="02040503050406030204" pitchFamily="18" charset="0"/>
+                </a:endParaRPr>
+              </a:p>
+              <a:p>
+                <a:pPr/>
+                <a14:m>
+                  <m:oMathPara xmlns:m="http://schemas.openxmlformats.org/officeDocument/2006/math">
+                    <m:oMathParaPr>
+                      <m:jc m:val="centerGroup"/>
+                    </m:oMathParaPr>
+                    <m:oMath xmlns:m="http://schemas.openxmlformats.org/officeDocument/2006/math">
+                      <m:r>
+                        <a:rPr lang="en-US" sz="2000" b="0" i="1" smtClean="0">
+                          <a:solidFill>
+                            <a:schemeClr val="accent1"/>
+                          </a:solidFill>
+                          <a:latin typeface="Cambria Math" panose="02040503050406030204" pitchFamily="18" charset="0"/>
+                        </a:rPr>
+                        <m:t>+</m:t>
+                      </m:r>
+                      <m:d>
+                        <m:dPr>
+                          <m:ctrlPr>
+                            <a:rPr lang="en-US" sz="2000" b="0" i="1" smtClean="0">
+                              <a:solidFill>
+                                <a:schemeClr val="accent1"/>
+                              </a:solidFill>
+                              <a:latin typeface="Cambria Math" panose="02040503050406030204" pitchFamily="18" charset="0"/>
+                            </a:rPr>
+                          </m:ctrlPr>
+                        </m:dPr>
+                        <m:e>
+                          <m:r>
+                            <a:rPr lang="en-US" sz="2000" b="0" i="1" smtClean="0">
+                              <a:solidFill>
+                                <a:schemeClr val="accent1"/>
+                              </a:solidFill>
+                              <a:latin typeface="Cambria Math" panose="02040503050406030204" pitchFamily="18" charset="0"/>
+                            </a:rPr>
+                            <m:t>.3 −1</m:t>
+                          </m:r>
+                        </m:e>
+                      </m:d>
+                      <m:r>
+                        <a:rPr lang="en-US" sz="2000" b="0" i="1" smtClean="0">
+                          <a:solidFill>
+                            <a:schemeClr val="accent1"/>
+                          </a:solidFill>
+                          <a:latin typeface="Cambria Math" panose="02040503050406030204" pitchFamily="18" charset="0"/>
+                        </a:rPr>
+                        <m:t>)</m:t>
+                      </m:r>
+                    </m:oMath>
+                  </m:oMathPara>
+                </a14:m>
+                <a:endParaRPr lang="en-US" sz="2000" dirty="0">
+                  <a:solidFill>
+                    <a:schemeClr val="accent1"/>
+                  </a:solidFill>
+                </a:endParaRPr>
+              </a:p>
+            </p:txBody>
+          </p:sp>
+        </mc:Choice>
+        <mc:Fallback>
+          <p:sp>
+            <p:nvSpPr>
+              <p:cNvPr id="5" name="TextBox 4">
+                <a:extLst>
+                  <a:ext uri="{FF2B5EF4-FFF2-40B4-BE49-F238E27FC236}">
+                    <a16:creationId xmlns:a16="http://schemas.microsoft.com/office/drawing/2014/main" id="{6CC3B6CD-10C0-C04B-B510-60D1CD0B7FB8}"/>
+                  </a:ext>
+                </a:extLst>
+              </p:cNvPr>
+              <p:cNvSpPr txBox="1">
+                <a:spLocks noRot="1" noChangeAspect="1" noMove="1" noResize="1" noEditPoints="1" noAdjustHandles="1" noChangeArrowheads="1" noChangeShapeType="1" noTextEdit="1"/>
+              </p:cNvSpPr>
+              <p:nvPr/>
+            </p:nvSpPr>
+            <p:spPr>
+              <a:xfrm>
+                <a:off x="10439541" y="4591286"/>
+                <a:ext cx="1720663" cy="707886"/>
+              </a:xfrm>
+              <a:prstGeom prst="rect">
+                <a:avLst/>
+              </a:prstGeom>
+              <a:blipFill>
+                <a:blip r:embed="rId4"/>
+                <a:stretch>
+                  <a:fillRect b="-8772"/>
+                </a:stretch>
+              </a:blipFill>
+            </p:spPr>
+            <p:txBody>
+              <a:bodyPr/>
+              <a:lstStyle/>
+              <a:p>
+                <a:r>
+                  <a:rPr lang="en-US">
+                    <a:noFill/>
+                  </a:rPr>
+                  <a:t> </a:t>
+                </a:r>
+              </a:p>
+            </p:txBody>
+          </p:sp>
+        </mc:Fallback>
+      </mc:AlternateContent>
+      <p:sp>
+        <p:nvSpPr>
+          <p:cNvPr id="15" name="Rectangle 14">
+            <a:extLst>
+              <a:ext uri="{FF2B5EF4-FFF2-40B4-BE49-F238E27FC236}">
+                <a16:creationId xmlns:a16="http://schemas.microsoft.com/office/drawing/2014/main" id="{9AA29BFF-86F3-8749-9BBE-2CCFDF239038}"/>
+              </a:ext>
+            </a:extLst>
+          </p:cNvPr>
+          <p:cNvSpPr/>
+          <p:nvPr/>
+        </p:nvSpPr>
+        <p:spPr>
+          <a:xfrm>
+            <a:off x="7942073" y="4948518"/>
+            <a:ext cx="673787" cy="788894"/>
+          </a:xfrm>
+          <a:prstGeom prst="rect">
+            <a:avLst/>
+          </a:prstGeom>
+          <a:solidFill>
+            <a:schemeClr val="bg1"/>
+          </a:solidFill>
+          <a:ln>
+            <a:noFill/>
+          </a:ln>
+        </p:spPr>
+        <p:style>
+          <a:lnRef idx="2">
+            <a:schemeClr val="accent1">
+              <a:shade val="50000"/>
+            </a:schemeClr>
+          </a:lnRef>
+          <a:fillRef idx="1">
+            <a:schemeClr val="accent1"/>
+          </a:fillRef>
+          <a:effectRef idx="0">
+            <a:schemeClr val="accent1"/>
+          </a:effectRef>
+          <a:fontRef idx="minor">
+            <a:schemeClr val="lt1"/>
+          </a:fontRef>
+        </p:style>
+        <p:txBody>
+          <a:bodyPr rtlCol="0" anchor="ctr"/>
+          <a:lstStyle/>
+          <a:p>
+            <a:pPr algn="ctr"/>
+            <a:endParaRPr lang="en-US"/>
+          </a:p>
+        </p:txBody>
+      </p:sp>
     </p:spTree>
     <p:extLst>
       <p:ext uri="{BB962C8B-B14F-4D97-AF65-F5344CB8AC3E}">
-        <p14:creationId xmlns:p14="http://schemas.microsoft.com/office/powerpoint/2010/main" val="815800310"/>
+        <p14:creationId xmlns:p14="http://schemas.microsoft.com/office/powerpoint/2010/main" val="4245882618"/>
       </p:ext>
     </p:extLst>
   </p:cSld>
@@ -6669,49 +9197,6 @@
       </p:pic>
       <p:sp>
         <p:nvSpPr>
-          <p:cNvPr id="3" name="TextBox 2">
-            <a:extLst>
-              <a:ext uri="{FF2B5EF4-FFF2-40B4-BE49-F238E27FC236}">
-                <a16:creationId xmlns:a16="http://schemas.microsoft.com/office/drawing/2014/main" id="{D489F746-A7E2-9F4E-B2C0-557071CC0B90}"/>
-              </a:ext>
-            </a:extLst>
-          </p:cNvPr>
-          <p:cNvSpPr txBox="1"/>
-          <p:nvPr/>
-        </p:nvSpPr>
-        <p:spPr>
-          <a:xfrm>
-            <a:off x="872666" y="2644170"/>
-            <a:ext cx="3046347" cy="1569660"/>
-          </a:xfrm>
-          <a:prstGeom prst="rect">
-            <a:avLst/>
-          </a:prstGeom>
-          <a:noFill/>
-        </p:spPr>
-        <p:txBody>
-          <a:bodyPr wrap="none" rtlCol="0">
-            <a:spAutoFit/>
-          </a:bodyPr>
-          <a:lstStyle/>
-          <a:p>
-            <a:pPr algn="ctr"/>
-            <a:r>
-              <a:rPr lang="en-US" sz="4800" dirty="0"/>
-              <a:t>Multi-Layer</a:t>
-            </a:r>
-          </a:p>
-          <a:p>
-            <a:pPr algn="ctr"/>
-            <a:r>
-              <a:rPr lang="en-US" sz="4800" dirty="0"/>
-              <a:t>Perceptron</a:t>
-            </a:r>
-          </a:p>
-        </p:txBody>
-      </p:sp>
-      <p:sp>
-        <p:nvSpPr>
           <p:cNvPr id="2" name="Rectangle 1">
             <a:extLst>
               <a:ext uri="{FF2B5EF4-FFF2-40B4-BE49-F238E27FC236}">
@@ -6762,95 +9247,21 @@
           </a:p>
         </p:txBody>
       </p:sp>
-      <p:sp>
-        <p:nvSpPr>
-          <p:cNvPr id="7" name="TextBox 6">
-            <a:extLst>
-              <a:ext uri="{FF2B5EF4-FFF2-40B4-BE49-F238E27FC236}">
-                <a16:creationId xmlns:a16="http://schemas.microsoft.com/office/drawing/2014/main" id="{2DA84432-A094-9644-A4DB-EACB2BE1A711}"/>
-              </a:ext>
-            </a:extLst>
-          </p:cNvPr>
-          <p:cNvSpPr txBox="1"/>
-          <p:nvPr/>
-        </p:nvSpPr>
-        <p:spPr>
-          <a:xfrm>
-            <a:off x="7337502" y="579863"/>
-            <a:ext cx="184731" cy="369332"/>
-          </a:xfrm>
-          <a:prstGeom prst="rect">
-            <a:avLst/>
-          </a:prstGeom>
-          <a:noFill/>
-        </p:spPr>
-        <p:txBody>
-          <a:bodyPr wrap="none" rtlCol="0">
-            <a:spAutoFit/>
-          </a:bodyPr>
-          <a:lstStyle/>
-          <a:p>
-            <a:endParaRPr lang="en-US" dirty="0"/>
-          </a:p>
-        </p:txBody>
-      </p:sp>
-      <p:sp>
-        <p:nvSpPr>
-          <p:cNvPr id="4" name="TextBox 3">
-            <a:extLst>
-              <a:ext uri="{FF2B5EF4-FFF2-40B4-BE49-F238E27FC236}">
-                <a16:creationId xmlns:a16="http://schemas.microsoft.com/office/drawing/2014/main" id="{C6D1FCBB-DD65-F348-A4D7-A0E3BDA98967}"/>
-              </a:ext>
-            </a:extLst>
-          </p:cNvPr>
-          <p:cNvSpPr txBox="1"/>
-          <p:nvPr/>
-        </p:nvSpPr>
-        <p:spPr>
-          <a:xfrm>
-            <a:off x="10504445" y="3141740"/>
-            <a:ext cx="1442224" cy="1200329"/>
-          </a:xfrm>
-          <a:prstGeom prst="rect">
-            <a:avLst/>
-          </a:prstGeom>
-          <a:noFill/>
-        </p:spPr>
-        <p:txBody>
-          <a:bodyPr wrap="square" rtlCol="0">
-            <a:spAutoFit/>
-          </a:bodyPr>
-          <a:lstStyle/>
-          <a:p>
-            <a:pPr algn="ctr"/>
-            <a:r>
-              <a:rPr lang="en-US" sz="2400" dirty="0">
-                <a:solidFill>
-                  <a:schemeClr val="accent1"/>
-                </a:solidFill>
-              </a:rPr>
-              <a:t>How wrong were we?</a:t>
-            </a:r>
-          </a:p>
-        </p:txBody>
-      </p:sp>
       <p:cxnSp>
         <p:nvCxnSpPr>
-          <p:cNvPr id="8" name="Straight Arrow Connector 7">
-            <a:extLst>
-              <a:ext uri="{FF2B5EF4-FFF2-40B4-BE49-F238E27FC236}">
-                <a16:creationId xmlns:a16="http://schemas.microsoft.com/office/drawing/2014/main" id="{3137D53F-9F87-914F-93B2-C72D1B58F62A}"/>
-              </a:ext>
-            </a:extLst>
-          </p:cNvPr>
-          <p:cNvCxnSpPr>
-            <a:cxnSpLocks/>
-          </p:cNvCxnSpPr>
+          <p:cNvPr id="6" name="Straight Arrow Connector 5">
+            <a:extLst>
+              <a:ext uri="{FF2B5EF4-FFF2-40B4-BE49-F238E27FC236}">
+                <a16:creationId xmlns:a16="http://schemas.microsoft.com/office/drawing/2014/main" id="{55B29DE5-CBB0-A844-840F-DFF076F89F97}"/>
+              </a:ext>
+            </a:extLst>
+          </p:cNvPr>
+          <p:cNvCxnSpPr/>
           <p:nvPr/>
         </p:nvCxnSpPr>
         <p:spPr>
-          <a:xfrm flipH="1">
-            <a:off x="5819721" y="6133167"/>
+          <a:xfrm>
+            <a:off x="5819721" y="1048215"/>
             <a:ext cx="4906536" cy="0"/>
           </a:xfrm>
           <a:prstGeom prst="straightConnector1">
@@ -6875,10 +9286,336 @@
           </a:fontRef>
         </p:style>
       </p:cxnSp>
+      <p:sp>
+        <p:nvSpPr>
+          <p:cNvPr id="7" name="TextBox 6">
+            <a:extLst>
+              <a:ext uri="{FF2B5EF4-FFF2-40B4-BE49-F238E27FC236}">
+                <a16:creationId xmlns:a16="http://schemas.microsoft.com/office/drawing/2014/main" id="{2DA84432-A094-9644-A4DB-EACB2BE1A711}"/>
+              </a:ext>
+            </a:extLst>
+          </p:cNvPr>
+          <p:cNvSpPr txBox="1"/>
+          <p:nvPr/>
+        </p:nvSpPr>
+        <p:spPr>
+          <a:xfrm>
+            <a:off x="7337502" y="579863"/>
+            <a:ext cx="184731" cy="369332"/>
+          </a:xfrm>
+          <a:prstGeom prst="rect">
+            <a:avLst/>
+          </a:prstGeom>
+          <a:noFill/>
+        </p:spPr>
+        <p:txBody>
+          <a:bodyPr wrap="none" rtlCol="0">
+            <a:spAutoFit/>
+          </a:bodyPr>
+          <a:lstStyle/>
+          <a:p>
+            <a:endParaRPr lang="en-US" dirty="0"/>
+          </a:p>
+        </p:txBody>
+      </p:sp>
+      <p:pic>
+        <p:nvPicPr>
+          <p:cNvPr id="8" name="Picture 2" descr="Chihuahua or muffin? My search for the best computer vision API">
+            <a:extLst>
+              <a:ext uri="{FF2B5EF4-FFF2-40B4-BE49-F238E27FC236}">
+                <a16:creationId xmlns:a16="http://schemas.microsoft.com/office/drawing/2014/main" id="{E9690DB6-5FC4-FE4D-97AD-803BDB7BAF99}"/>
+              </a:ext>
+            </a:extLst>
+          </p:cNvPr>
+          <p:cNvPicPr>
+            <a:picLocks noChangeAspect="1" noChangeArrowheads="1"/>
+          </p:cNvPicPr>
+          <p:nvPr/>
+        </p:nvPicPr>
+        <p:blipFill rotWithShape="1">
+          <a:blip r:embed="rId3">
+            <a:extLst>
+              <a:ext uri="{28A0092B-C50C-407E-A947-70E740481C1C}">
+                <a14:useLocalDpi xmlns:a14="http://schemas.microsoft.com/office/drawing/2010/main" val="0"/>
+              </a:ext>
+            </a:extLst>
+          </a:blip>
+          <a:srcRect l="25129" t="24773" r="50147" b="50000"/>
+          <a:stretch/>
+        </p:blipFill>
+        <p:spPr bwMode="auto">
+          <a:xfrm>
+            <a:off x="2011950" y="2406372"/>
+            <a:ext cx="2240186" cy="2297151"/>
+          </a:xfrm>
+          <a:prstGeom prst="rect">
+            <a:avLst/>
+          </a:prstGeom>
+          <a:noFill/>
+          <a:extLst>
+            <a:ext uri="{909E8E84-426E-40DD-AFC4-6F175D3DCCD1}">
+              <a14:hiddenFill xmlns:a14="http://schemas.microsoft.com/office/drawing/2010/main">
+                <a:solidFill>
+                  <a:srgbClr val="FFFFFF"/>
+                </a:solidFill>
+              </a14:hiddenFill>
+            </a:ext>
+          </a:extLst>
+        </p:spPr>
+      </p:pic>
+      <p:sp>
+        <p:nvSpPr>
+          <p:cNvPr id="9" name="TextBox 8">
+            <a:extLst>
+              <a:ext uri="{FF2B5EF4-FFF2-40B4-BE49-F238E27FC236}">
+                <a16:creationId xmlns:a16="http://schemas.microsoft.com/office/drawing/2014/main" id="{3250865E-1ED6-194F-BFCF-3E12D1DEC5CA}"/>
+              </a:ext>
+            </a:extLst>
+          </p:cNvPr>
+          <p:cNvSpPr txBox="1"/>
+          <p:nvPr/>
+        </p:nvSpPr>
+        <p:spPr>
+          <a:xfrm>
+            <a:off x="10326034" y="3166949"/>
+            <a:ext cx="1181734" cy="369332"/>
+          </a:xfrm>
+          <a:prstGeom prst="rect">
+            <a:avLst/>
+          </a:prstGeom>
+          <a:noFill/>
+        </p:spPr>
+        <p:txBody>
+          <a:bodyPr wrap="none" rtlCol="0">
+            <a:spAutoFit/>
+          </a:bodyPr>
+          <a:lstStyle/>
+          <a:p>
+            <a:r>
+              <a:rPr lang="en-US" b="1" dirty="0">
+                <a:solidFill>
+                  <a:schemeClr val="accent1"/>
+                </a:solidFill>
+              </a:rPr>
+              <a:t>chihuahua</a:t>
+            </a:r>
+          </a:p>
+        </p:txBody>
+      </p:sp>
+      <p:sp>
+        <p:nvSpPr>
+          <p:cNvPr id="10" name="TextBox 9">
+            <a:extLst>
+              <a:ext uri="{FF2B5EF4-FFF2-40B4-BE49-F238E27FC236}">
+                <a16:creationId xmlns:a16="http://schemas.microsoft.com/office/drawing/2014/main" id="{D3FCEB1F-1C6A-6646-B2A0-BF81D5CBDE34}"/>
+              </a:ext>
+            </a:extLst>
+          </p:cNvPr>
+          <p:cNvSpPr txBox="1"/>
+          <p:nvPr/>
+        </p:nvSpPr>
+        <p:spPr>
+          <a:xfrm>
+            <a:off x="10306717" y="3902927"/>
+            <a:ext cx="822661" cy="369332"/>
+          </a:xfrm>
+          <a:prstGeom prst="rect">
+            <a:avLst/>
+          </a:prstGeom>
+          <a:noFill/>
+        </p:spPr>
+        <p:txBody>
+          <a:bodyPr wrap="none" rtlCol="0">
+            <a:spAutoFit/>
+          </a:bodyPr>
+          <a:lstStyle/>
+          <a:p>
+            <a:r>
+              <a:rPr lang="en-US" b="1" dirty="0">
+                <a:solidFill>
+                  <a:schemeClr val="accent1"/>
+                </a:solidFill>
+              </a:rPr>
+              <a:t>muffin</a:t>
+            </a:r>
+          </a:p>
+        </p:txBody>
+      </p:sp>
+      <p:cxnSp>
+        <p:nvCxnSpPr>
+          <p:cNvPr id="11" name="Straight Arrow Connector 10">
+            <a:extLst>
+              <a:ext uri="{FF2B5EF4-FFF2-40B4-BE49-F238E27FC236}">
+                <a16:creationId xmlns:a16="http://schemas.microsoft.com/office/drawing/2014/main" id="{A8CA4AF1-DD6C-5640-8EF3-683F6876B897}"/>
+              </a:ext>
+            </a:extLst>
+          </p:cNvPr>
+          <p:cNvCxnSpPr>
+            <a:cxnSpLocks/>
+          </p:cNvCxnSpPr>
+          <p:nvPr/>
+        </p:nvCxnSpPr>
+        <p:spPr>
+          <a:xfrm>
+            <a:off x="4459272" y="3670096"/>
+            <a:ext cx="1076543" cy="0"/>
+          </a:xfrm>
+          <a:prstGeom prst="straightConnector1">
+            <a:avLst/>
+          </a:prstGeom>
+          <a:ln w="127000">
+            <a:tailEnd type="triangle"/>
+          </a:ln>
+        </p:spPr>
+        <p:style>
+          <a:lnRef idx="1">
+            <a:schemeClr val="accent1"/>
+          </a:lnRef>
+          <a:fillRef idx="0">
+            <a:schemeClr val="accent1"/>
+          </a:fillRef>
+          <a:effectRef idx="0">
+            <a:schemeClr val="accent1"/>
+          </a:effectRef>
+          <a:fontRef idx="minor">
+            <a:schemeClr val="tx1"/>
+          </a:fontRef>
+        </p:style>
+      </p:cxnSp>
+      <p:sp>
+        <p:nvSpPr>
+          <p:cNvPr id="12" name="TextBox 11">
+            <a:extLst>
+              <a:ext uri="{FF2B5EF4-FFF2-40B4-BE49-F238E27FC236}">
+                <a16:creationId xmlns:a16="http://schemas.microsoft.com/office/drawing/2014/main" id="{EF173FE7-3470-1348-813B-D09C966DB89F}"/>
+              </a:ext>
+            </a:extLst>
+          </p:cNvPr>
+          <p:cNvSpPr txBox="1"/>
+          <p:nvPr/>
+        </p:nvSpPr>
+        <p:spPr>
+          <a:xfrm>
+            <a:off x="9797130" y="3185616"/>
+            <a:ext cx="362600" cy="369332"/>
+          </a:xfrm>
+          <a:prstGeom prst="rect">
+            <a:avLst/>
+          </a:prstGeom>
+          <a:noFill/>
+        </p:spPr>
+        <p:txBody>
+          <a:bodyPr wrap="none" rtlCol="0">
+            <a:spAutoFit/>
+          </a:bodyPr>
+          <a:lstStyle/>
+          <a:p>
+            <a:r>
+              <a:rPr lang="en-US" b="1" dirty="0">
+                <a:solidFill>
+                  <a:schemeClr val="accent1"/>
+                </a:solidFill>
+              </a:rPr>
+              <a:t>.3</a:t>
+            </a:r>
+          </a:p>
+        </p:txBody>
+      </p:sp>
+      <p:sp>
+        <p:nvSpPr>
+          <p:cNvPr id="13" name="TextBox 12">
+            <a:extLst>
+              <a:ext uri="{FF2B5EF4-FFF2-40B4-BE49-F238E27FC236}">
+                <a16:creationId xmlns:a16="http://schemas.microsoft.com/office/drawing/2014/main" id="{537C7A02-1D58-164C-9668-8BEE853BC58E}"/>
+              </a:ext>
+            </a:extLst>
+          </p:cNvPr>
+          <p:cNvSpPr txBox="1"/>
+          <p:nvPr/>
+        </p:nvSpPr>
+        <p:spPr>
+          <a:xfrm>
+            <a:off x="9817450" y="3937456"/>
+            <a:ext cx="362600" cy="369332"/>
+          </a:xfrm>
+          <a:prstGeom prst="rect">
+            <a:avLst/>
+          </a:prstGeom>
+          <a:noFill/>
+        </p:spPr>
+        <p:txBody>
+          <a:bodyPr wrap="none" rtlCol="0">
+            <a:spAutoFit/>
+          </a:bodyPr>
+          <a:lstStyle/>
+          <a:p>
+            <a:r>
+              <a:rPr lang="en-US" b="1" dirty="0">
+                <a:solidFill>
+                  <a:schemeClr val="accent1"/>
+                </a:solidFill>
+              </a:rPr>
+              <a:t>.7</a:t>
+            </a:r>
+          </a:p>
+        </p:txBody>
+      </p:sp>
+      <p:sp>
+        <p:nvSpPr>
+          <p:cNvPr id="14" name="Rectangle 13">
+            <a:extLst>
+              <a:ext uri="{FF2B5EF4-FFF2-40B4-BE49-F238E27FC236}">
+                <a16:creationId xmlns:a16="http://schemas.microsoft.com/office/drawing/2014/main" id="{A138DE15-BA0C-6A49-B0C1-82053486F781}"/>
+              </a:ext>
+            </a:extLst>
+          </p:cNvPr>
+          <p:cNvSpPr/>
+          <p:nvPr/>
+        </p:nvSpPr>
+        <p:spPr>
+          <a:xfrm>
+            <a:off x="7942073" y="4948518"/>
+            <a:ext cx="673787" cy="788894"/>
+          </a:xfrm>
+          <a:prstGeom prst="rect">
+            <a:avLst/>
+          </a:prstGeom>
+          <a:solidFill>
+            <a:schemeClr val="bg1"/>
+          </a:solidFill>
+          <a:ln>
+            <a:noFill/>
+          </a:ln>
+        </p:spPr>
+        <p:style>
+          <a:lnRef idx="2">
+            <a:schemeClr val="accent1">
+              <a:shade val="50000"/>
+            </a:schemeClr>
+          </a:lnRef>
+          <a:fillRef idx="1">
+            <a:schemeClr val="accent1"/>
+          </a:fillRef>
+          <a:effectRef idx="0">
+            <a:schemeClr val="accent1"/>
+          </a:effectRef>
+          <a:fontRef idx="minor">
+            <a:schemeClr val="lt1"/>
+          </a:fontRef>
+        </p:style>
+        <p:txBody>
+          <a:bodyPr rtlCol="0" anchor="ctr"/>
+          <a:lstStyle/>
+          <a:p>
+            <a:pPr algn="ctr"/>
+            <a:endParaRPr lang="en-US"/>
+          </a:p>
+        </p:txBody>
+      </p:sp>
     </p:spTree>
     <p:extLst>
       <p:ext uri="{BB962C8B-B14F-4D97-AF65-F5344CB8AC3E}">
-        <p14:creationId xmlns:p14="http://schemas.microsoft.com/office/powerpoint/2010/main" val="3322797402"/>
+        <p14:creationId xmlns:p14="http://schemas.microsoft.com/office/powerpoint/2010/main" val="550507760"/>
       </p:ext>
     </p:extLst>
   </p:cSld>
@@ -6952,49 +9689,6 @@
       </p:pic>
       <p:sp>
         <p:nvSpPr>
-          <p:cNvPr id="3" name="TextBox 2">
-            <a:extLst>
-              <a:ext uri="{FF2B5EF4-FFF2-40B4-BE49-F238E27FC236}">
-                <a16:creationId xmlns:a16="http://schemas.microsoft.com/office/drawing/2014/main" id="{D489F746-A7E2-9F4E-B2C0-557071CC0B90}"/>
-              </a:ext>
-            </a:extLst>
-          </p:cNvPr>
-          <p:cNvSpPr txBox="1"/>
-          <p:nvPr/>
-        </p:nvSpPr>
-        <p:spPr>
-          <a:xfrm>
-            <a:off x="872666" y="2644170"/>
-            <a:ext cx="3046347" cy="1569660"/>
-          </a:xfrm>
-          <a:prstGeom prst="rect">
-            <a:avLst/>
-          </a:prstGeom>
-          <a:noFill/>
-        </p:spPr>
-        <p:txBody>
-          <a:bodyPr wrap="none" rtlCol="0">
-            <a:spAutoFit/>
-          </a:bodyPr>
-          <a:lstStyle/>
-          <a:p>
-            <a:pPr algn="ctr"/>
-            <a:r>
-              <a:rPr lang="en-US" sz="4800" dirty="0"/>
-              <a:t>Multi-Layer</a:t>
-            </a:r>
-          </a:p>
-          <a:p>
-            <a:pPr algn="ctr"/>
-            <a:r>
-              <a:rPr lang="en-US" sz="4800" dirty="0"/>
-              <a:t>Perceptron</a:t>
-            </a:r>
-          </a:p>
-        </p:txBody>
-      </p:sp>
-      <p:sp>
-        <p:nvSpPr>
           <p:cNvPr id="2" name="Rectangle 1">
             <a:extLst>
               <a:ext uri="{FF2B5EF4-FFF2-40B4-BE49-F238E27FC236}">
@@ -7045,22 +9739,141 @@
           </a:p>
         </p:txBody>
       </p:sp>
+      <p:sp>
+        <p:nvSpPr>
+          <p:cNvPr id="7" name="TextBox 6">
+            <a:extLst>
+              <a:ext uri="{FF2B5EF4-FFF2-40B4-BE49-F238E27FC236}">
+                <a16:creationId xmlns:a16="http://schemas.microsoft.com/office/drawing/2014/main" id="{2DA84432-A094-9644-A4DB-EACB2BE1A711}"/>
+              </a:ext>
+            </a:extLst>
+          </p:cNvPr>
+          <p:cNvSpPr txBox="1"/>
+          <p:nvPr/>
+        </p:nvSpPr>
+        <p:spPr>
+          <a:xfrm>
+            <a:off x="7337502" y="579863"/>
+            <a:ext cx="184731" cy="369332"/>
+          </a:xfrm>
+          <a:prstGeom prst="rect">
+            <a:avLst/>
+          </a:prstGeom>
+          <a:noFill/>
+        </p:spPr>
+        <p:txBody>
+          <a:bodyPr wrap="none" rtlCol="0">
+            <a:spAutoFit/>
+          </a:bodyPr>
+          <a:lstStyle/>
+          <a:p>
+            <a:endParaRPr lang="en-US" dirty="0"/>
+          </a:p>
+        </p:txBody>
+      </p:sp>
+      <p:sp>
+        <p:nvSpPr>
+          <p:cNvPr id="4" name="TextBox 3">
+            <a:extLst>
+              <a:ext uri="{FF2B5EF4-FFF2-40B4-BE49-F238E27FC236}">
+                <a16:creationId xmlns:a16="http://schemas.microsoft.com/office/drawing/2014/main" id="{C6D1FCBB-DD65-F348-A4D7-A0E3BDA98967}"/>
+              </a:ext>
+            </a:extLst>
+          </p:cNvPr>
+          <p:cNvSpPr txBox="1"/>
+          <p:nvPr/>
+        </p:nvSpPr>
+        <p:spPr>
+          <a:xfrm>
+            <a:off x="10504445" y="3141740"/>
+            <a:ext cx="1442224" cy="1200329"/>
+          </a:xfrm>
+          <a:prstGeom prst="rect">
+            <a:avLst/>
+          </a:prstGeom>
+          <a:noFill/>
+        </p:spPr>
+        <p:txBody>
+          <a:bodyPr wrap="square" rtlCol="0">
+            <a:spAutoFit/>
+          </a:bodyPr>
+          <a:lstStyle/>
+          <a:p>
+            <a:pPr algn="ctr"/>
+            <a:r>
+              <a:rPr lang="en-US" sz="2400" dirty="0">
+                <a:solidFill>
+                  <a:schemeClr val="accent1"/>
+                </a:solidFill>
+              </a:rPr>
+              <a:t>How wrong were we?</a:t>
+            </a:r>
+          </a:p>
+        </p:txBody>
+      </p:sp>
+      <p:pic>
+        <p:nvPicPr>
+          <p:cNvPr id="8" name="Picture 2" descr="Chihuahua or muffin? My search for the best computer vision API">
+            <a:extLst>
+              <a:ext uri="{FF2B5EF4-FFF2-40B4-BE49-F238E27FC236}">
+                <a16:creationId xmlns:a16="http://schemas.microsoft.com/office/drawing/2014/main" id="{F77F637D-BBE3-6644-82E9-32B4063E75AE}"/>
+              </a:ext>
+            </a:extLst>
+          </p:cNvPr>
+          <p:cNvPicPr>
+            <a:picLocks noChangeAspect="1" noChangeArrowheads="1"/>
+          </p:cNvPicPr>
+          <p:nvPr/>
+        </p:nvPicPr>
+        <p:blipFill rotWithShape="1">
+          <a:blip r:embed="rId3">
+            <a:extLst>
+              <a:ext uri="{28A0092B-C50C-407E-A947-70E740481C1C}">
+                <a14:useLocalDpi xmlns:a14="http://schemas.microsoft.com/office/drawing/2010/main" val="0"/>
+              </a:ext>
+            </a:extLst>
+          </a:blip>
+          <a:srcRect l="25129" t="24773" r="50147" b="50000"/>
+          <a:stretch/>
+        </p:blipFill>
+        <p:spPr bwMode="auto">
+          <a:xfrm>
+            <a:off x="2030271" y="2387705"/>
+            <a:ext cx="2240186" cy="2297151"/>
+          </a:xfrm>
+          <a:prstGeom prst="rect">
+            <a:avLst/>
+          </a:prstGeom>
+          <a:noFill/>
+          <a:extLst>
+            <a:ext uri="{909E8E84-426E-40DD-AFC4-6F175D3DCCD1}">
+              <a14:hiddenFill xmlns:a14="http://schemas.microsoft.com/office/drawing/2010/main">
+                <a:solidFill>
+                  <a:srgbClr val="FFFFFF"/>
+                </a:solidFill>
+              </a14:hiddenFill>
+            </a:ext>
+          </a:extLst>
+        </p:spPr>
+      </p:pic>
       <p:cxnSp>
         <p:nvCxnSpPr>
-          <p:cNvPr id="6" name="Straight Arrow Connector 5">
-            <a:extLst>
-              <a:ext uri="{FF2B5EF4-FFF2-40B4-BE49-F238E27FC236}">
-                <a16:creationId xmlns:a16="http://schemas.microsoft.com/office/drawing/2014/main" id="{55B29DE5-CBB0-A844-840F-DFF076F89F97}"/>
-              </a:ext>
-            </a:extLst>
-          </p:cNvPr>
-          <p:cNvCxnSpPr/>
+          <p:cNvPr id="9" name="Straight Arrow Connector 8">
+            <a:extLst>
+              <a:ext uri="{FF2B5EF4-FFF2-40B4-BE49-F238E27FC236}">
+                <a16:creationId xmlns:a16="http://schemas.microsoft.com/office/drawing/2014/main" id="{75EDEABC-180B-1C46-AA89-681370BF3460}"/>
+              </a:ext>
+            </a:extLst>
+          </p:cNvPr>
+          <p:cNvCxnSpPr>
+            <a:cxnSpLocks/>
+          </p:cNvCxnSpPr>
           <p:nvPr/>
         </p:nvCxnSpPr>
         <p:spPr>
           <a:xfrm>
-            <a:off x="5819721" y="1048215"/>
-            <a:ext cx="4906536" cy="0"/>
+            <a:off x="4459272" y="3670096"/>
+            <a:ext cx="1076543" cy="0"/>
           </a:xfrm>
           <a:prstGeom prst="straightConnector1">
             <a:avLst/>
@@ -7084,12 +9897,242 @@
           </a:fontRef>
         </p:style>
       </p:cxnSp>
-      <p:sp>
-        <p:nvSpPr>
-          <p:cNvPr id="7" name="TextBox 6">
-            <a:extLst>
-              <a:ext uri="{FF2B5EF4-FFF2-40B4-BE49-F238E27FC236}">
-                <a16:creationId xmlns:a16="http://schemas.microsoft.com/office/drawing/2014/main" id="{2DA84432-A094-9644-A4DB-EACB2BE1A711}"/>
+      <mc:AlternateContent xmlns:mc="http://schemas.openxmlformats.org/markup-compatibility/2006">
+        <mc:Choice xmlns:a14="http://schemas.microsoft.com/office/drawing/2010/main" Requires="a14">
+          <p:sp>
+            <p:nvSpPr>
+              <p:cNvPr id="10" name="TextBox 9">
+                <a:extLst>
+                  <a:ext uri="{FF2B5EF4-FFF2-40B4-BE49-F238E27FC236}">
+                    <a16:creationId xmlns:a16="http://schemas.microsoft.com/office/drawing/2014/main" id="{D8E89698-3FFB-7948-9DC7-051071BED12B}"/>
+                  </a:ext>
+                </a:extLst>
+              </p:cNvPr>
+              <p:cNvSpPr txBox="1"/>
+              <p:nvPr/>
+            </p:nvSpPr>
+            <p:spPr>
+              <a:xfrm>
+                <a:off x="10439541" y="4591286"/>
+                <a:ext cx="1720663" cy="707886"/>
+              </a:xfrm>
+              <a:prstGeom prst="rect">
+                <a:avLst/>
+              </a:prstGeom>
+              <a:noFill/>
+            </p:spPr>
+            <p:txBody>
+              <a:bodyPr wrap="none" rtlCol="0">
+                <a:spAutoFit/>
+              </a:bodyPr>
+              <a:lstStyle/>
+              <a:p>
+                <a:pPr/>
+                <a14:m>
+                  <m:oMathPara xmlns:m="http://schemas.openxmlformats.org/officeDocument/2006/math">
+                    <m:oMathParaPr>
+                      <m:jc m:val="centerGroup"/>
+                    </m:oMathParaPr>
+                    <m:oMath xmlns:m="http://schemas.openxmlformats.org/officeDocument/2006/math">
+                      <m:r>
+                        <a:rPr lang="en-US" sz="2000" b="0" i="1" smtClean="0">
+                          <a:solidFill>
+                            <a:schemeClr val="accent1"/>
+                          </a:solidFill>
+                          <a:latin typeface="Cambria Math" panose="02040503050406030204" pitchFamily="18" charset="0"/>
+                        </a:rPr>
+                        <m:t>𝑎𝑏𝑠</m:t>
+                      </m:r>
+                      <m:r>
+                        <a:rPr lang="en-US" sz="2000" b="0" i="1" smtClean="0">
+                          <a:solidFill>
+                            <a:schemeClr val="accent1"/>
+                          </a:solidFill>
+                          <a:latin typeface="Cambria Math" panose="02040503050406030204" pitchFamily="18" charset="0"/>
+                        </a:rPr>
+                        <m:t>( </m:t>
+                      </m:r>
+                      <m:d>
+                        <m:dPr>
+                          <m:ctrlPr>
+                            <a:rPr lang="en-US" sz="2000" b="0" i="1" smtClean="0">
+                              <a:solidFill>
+                                <a:schemeClr val="accent1"/>
+                              </a:solidFill>
+                              <a:latin typeface="Cambria Math" panose="02040503050406030204" pitchFamily="18" charset="0"/>
+                            </a:rPr>
+                          </m:ctrlPr>
+                        </m:dPr>
+                        <m:e>
+                          <m:r>
+                            <a:rPr lang="en-US" sz="2000" b="0" i="1" smtClean="0">
+                              <a:solidFill>
+                                <a:schemeClr val="accent1"/>
+                              </a:solidFill>
+                              <a:latin typeface="Cambria Math" panose="02040503050406030204" pitchFamily="18" charset="0"/>
+                            </a:rPr>
+                            <m:t>.</m:t>
+                          </m:r>
+                          <m:r>
+                            <a:rPr lang="en-US" sz="2000" b="0" i="1" smtClean="0">
+                              <a:solidFill>
+                                <a:schemeClr val="accent1"/>
+                              </a:solidFill>
+                              <a:latin typeface="Cambria Math" panose="02040503050406030204" pitchFamily="18" charset="0"/>
+                            </a:rPr>
+                            <m:t>3</m:t>
+                          </m:r>
+                          <m:r>
+                            <a:rPr lang="en-US" sz="2000" b="0" i="1" smtClean="0">
+                              <a:solidFill>
+                                <a:schemeClr val="accent1"/>
+                              </a:solidFill>
+                              <a:latin typeface="Cambria Math" panose="02040503050406030204" pitchFamily="18" charset="0"/>
+                            </a:rPr>
+                            <m:t> −0</m:t>
+                          </m:r>
+                        </m:e>
+                      </m:d>
+                    </m:oMath>
+                  </m:oMathPara>
+                </a14:m>
+                <a:endParaRPr lang="en-US" sz="2000" b="0" i="1" dirty="0">
+                  <a:solidFill>
+                    <a:schemeClr val="accent1"/>
+                  </a:solidFill>
+                  <a:latin typeface="Cambria Math" panose="02040503050406030204" pitchFamily="18" charset="0"/>
+                </a:endParaRPr>
+              </a:p>
+              <a:p>
+                <a:pPr/>
+                <a14:m>
+                  <m:oMathPara xmlns:m="http://schemas.openxmlformats.org/officeDocument/2006/math">
+                    <m:oMathParaPr>
+                      <m:jc m:val="centerGroup"/>
+                    </m:oMathParaPr>
+                    <m:oMath xmlns:m="http://schemas.openxmlformats.org/officeDocument/2006/math">
+                      <m:r>
+                        <a:rPr lang="en-US" sz="2000" b="0" i="1" smtClean="0">
+                          <a:solidFill>
+                            <a:schemeClr val="accent1"/>
+                          </a:solidFill>
+                          <a:latin typeface="Cambria Math" panose="02040503050406030204" pitchFamily="18" charset="0"/>
+                        </a:rPr>
+                        <m:t>+</m:t>
+                      </m:r>
+                      <m:d>
+                        <m:dPr>
+                          <m:ctrlPr>
+                            <a:rPr lang="en-US" sz="2000" b="0" i="1" smtClean="0">
+                              <a:solidFill>
+                                <a:schemeClr val="accent1"/>
+                              </a:solidFill>
+                              <a:latin typeface="Cambria Math" panose="02040503050406030204" pitchFamily="18" charset="0"/>
+                            </a:rPr>
+                          </m:ctrlPr>
+                        </m:dPr>
+                        <m:e>
+                          <m:r>
+                            <a:rPr lang="en-US" sz="2000" b="0" i="1" smtClean="0">
+                              <a:solidFill>
+                                <a:schemeClr val="accent1"/>
+                              </a:solidFill>
+                              <a:latin typeface="Cambria Math" panose="02040503050406030204" pitchFamily="18" charset="0"/>
+                            </a:rPr>
+                            <m:t>.</m:t>
+                          </m:r>
+                          <m:r>
+                            <a:rPr lang="en-US" sz="2000" b="0" i="1" smtClean="0">
+                              <a:solidFill>
+                                <a:schemeClr val="accent1"/>
+                              </a:solidFill>
+                              <a:latin typeface="Cambria Math" panose="02040503050406030204" pitchFamily="18" charset="0"/>
+                            </a:rPr>
+                            <m:t>7</m:t>
+                          </m:r>
+                          <m:r>
+                            <a:rPr lang="en-US" sz="2000" b="0" i="1" smtClean="0">
+                              <a:solidFill>
+                                <a:schemeClr val="accent1"/>
+                              </a:solidFill>
+                              <a:latin typeface="Cambria Math" panose="02040503050406030204" pitchFamily="18" charset="0"/>
+                            </a:rPr>
+                            <m:t> −1</m:t>
+                          </m:r>
+                        </m:e>
+                      </m:d>
+                      <m:r>
+                        <a:rPr lang="en-US" sz="2000" b="0" i="1" smtClean="0">
+                          <a:solidFill>
+                            <a:schemeClr val="accent1"/>
+                          </a:solidFill>
+                          <a:latin typeface="Cambria Math" panose="02040503050406030204" pitchFamily="18" charset="0"/>
+                        </a:rPr>
+                        <m:t>)</m:t>
+                      </m:r>
+                    </m:oMath>
+                  </m:oMathPara>
+                </a14:m>
+                <a:endParaRPr lang="en-US" sz="2000" dirty="0">
+                  <a:solidFill>
+                    <a:schemeClr val="accent1"/>
+                  </a:solidFill>
+                </a:endParaRPr>
+              </a:p>
+            </p:txBody>
+          </p:sp>
+        </mc:Choice>
+        <mc:Fallback>
+          <p:sp>
+            <p:nvSpPr>
+              <p:cNvPr id="10" name="TextBox 9">
+                <a:extLst>
+                  <a:ext uri="{FF2B5EF4-FFF2-40B4-BE49-F238E27FC236}">
+                    <a16:creationId xmlns:a16="http://schemas.microsoft.com/office/drawing/2014/main" id="{D8E89698-3FFB-7948-9DC7-051071BED12B}"/>
+                  </a:ext>
+                </a:extLst>
+              </p:cNvPr>
+              <p:cNvSpPr txBox="1">
+                <a:spLocks noRot="1" noChangeAspect="1" noMove="1" noResize="1" noEditPoints="1" noAdjustHandles="1" noChangeArrowheads="1" noChangeShapeType="1" noTextEdit="1"/>
+              </p:cNvSpPr>
+              <p:nvPr/>
+            </p:nvSpPr>
+            <p:spPr>
+              <a:xfrm>
+                <a:off x="10439541" y="4591286"/>
+                <a:ext cx="1720663" cy="707886"/>
+              </a:xfrm>
+              <a:prstGeom prst="rect">
+                <a:avLst/>
+              </a:prstGeom>
+              <a:blipFill>
+                <a:blip r:embed="rId4"/>
+                <a:stretch>
+                  <a:fillRect b="-8772"/>
+                </a:stretch>
+              </a:blipFill>
+            </p:spPr>
+            <p:txBody>
+              <a:bodyPr/>
+              <a:lstStyle/>
+              <a:p>
+                <a:r>
+                  <a:rPr lang="en-US">
+                    <a:noFill/>
+                  </a:rPr>
+                  <a:t> </a:t>
+                </a:r>
+              </a:p>
+            </p:txBody>
+          </p:sp>
+        </mc:Fallback>
+      </mc:AlternateContent>
+      <p:sp>
+        <p:nvSpPr>
+          <p:cNvPr id="11" name="TextBox 10">
+            <a:extLst>
+              <a:ext uri="{FF2B5EF4-FFF2-40B4-BE49-F238E27FC236}">
+                <a16:creationId xmlns:a16="http://schemas.microsoft.com/office/drawing/2014/main" id="{98489566-DD96-0A4B-90FC-E261B37FFE48}"/>
               </a:ext>
             </a:extLst>
           </p:cNvPr>
@@ -7098,8 +10141,8 @@
         </p:nvSpPr>
         <p:spPr>
           <a:xfrm>
-            <a:off x="7337502" y="579863"/>
-            <a:ext cx="184731" cy="369332"/>
+            <a:off x="9797130" y="3185616"/>
+            <a:ext cx="362600" cy="369332"/>
           </a:xfrm>
           <a:prstGeom prst="rect">
             <a:avLst/>
@@ -7112,14 +10155,112 @@
           </a:bodyPr>
           <a:lstStyle/>
           <a:p>
-            <a:endParaRPr lang="en-US" dirty="0"/>
+            <a:r>
+              <a:rPr lang="en-US" b="1" dirty="0">
+                <a:solidFill>
+                  <a:schemeClr val="accent1"/>
+                </a:solidFill>
+              </a:rPr>
+              <a:t>.3</a:t>
+            </a:r>
+          </a:p>
+        </p:txBody>
+      </p:sp>
+      <p:sp>
+        <p:nvSpPr>
+          <p:cNvPr id="12" name="TextBox 11">
+            <a:extLst>
+              <a:ext uri="{FF2B5EF4-FFF2-40B4-BE49-F238E27FC236}">
+                <a16:creationId xmlns:a16="http://schemas.microsoft.com/office/drawing/2014/main" id="{BBF3F042-1FF2-AF48-A13A-82500997AD12}"/>
+              </a:ext>
+            </a:extLst>
+          </p:cNvPr>
+          <p:cNvSpPr txBox="1"/>
+          <p:nvPr/>
+        </p:nvSpPr>
+        <p:spPr>
+          <a:xfrm>
+            <a:off x="9817450" y="3937456"/>
+            <a:ext cx="362600" cy="369332"/>
+          </a:xfrm>
+          <a:prstGeom prst="rect">
+            <a:avLst/>
+          </a:prstGeom>
+          <a:noFill/>
+        </p:spPr>
+        <p:txBody>
+          <a:bodyPr wrap="none" rtlCol="0">
+            <a:spAutoFit/>
+          </a:bodyPr>
+          <a:lstStyle/>
+          <a:p>
+            <a:r>
+              <a:rPr lang="en-US" b="1" dirty="0">
+                <a:solidFill>
+                  <a:schemeClr val="accent1"/>
+                </a:solidFill>
+              </a:rPr>
+              <a:t>.7</a:t>
+            </a:r>
+          </a:p>
+        </p:txBody>
+      </p:sp>
+      <p:sp>
+        <p:nvSpPr>
+          <p:cNvPr id="13" name="Rectangle 12">
+            <a:extLst>
+              <a:ext uri="{FF2B5EF4-FFF2-40B4-BE49-F238E27FC236}">
+                <a16:creationId xmlns:a16="http://schemas.microsoft.com/office/drawing/2014/main" id="{FC4C7600-D463-7C42-8E59-D12873C6725F}"/>
+              </a:ext>
+            </a:extLst>
+          </p:cNvPr>
+          <p:cNvSpPr/>
+          <p:nvPr/>
+        </p:nvSpPr>
+        <p:spPr>
+          <a:xfrm>
+            <a:off x="7942073" y="4948518"/>
+            <a:ext cx="673787" cy="788894"/>
+          </a:xfrm>
+          <a:prstGeom prst="rect">
+            <a:avLst/>
+          </a:prstGeom>
+          <a:solidFill>
+            <a:schemeClr val="bg1"/>
+          </a:solidFill>
+          <a:ln>
+            <a:noFill/>
+          </a:ln>
+        </p:spPr>
+        <p:style>
+          <a:lnRef idx="2">
+            <a:schemeClr val="accent1">
+              <a:shade val="50000"/>
+            </a:schemeClr>
+          </a:lnRef>
+          <a:fillRef idx="1">
+            <a:schemeClr val="accent1"/>
+          </a:fillRef>
+          <a:effectRef idx="0">
+            <a:schemeClr val="accent1"/>
+          </a:effectRef>
+          <a:fontRef idx="minor">
+            <a:schemeClr val="lt1"/>
+          </a:fontRef>
+        </p:style>
+        <p:txBody>
+          <a:bodyPr rtlCol="0" anchor="ctr"/>
+          <a:lstStyle/>
+          <a:p>
+            <a:pPr algn="ctr"/>
+            <a:endParaRPr lang="en-US"/>
           </a:p>
         </p:txBody>
       </p:sp>
     </p:spTree>
     <p:extLst>
       <p:ext uri="{BB962C8B-B14F-4D97-AF65-F5344CB8AC3E}">
-        <p14:creationId xmlns:p14="http://schemas.microsoft.com/office/powerpoint/2010/main" val="3808119172"/>
+        <p14:creationId xmlns:p14="http://schemas.microsoft.com/office/powerpoint/2010/main" val="815800310"/>
       </p:ext>
     </p:extLst>
   </p:cSld>
@@ -7193,49 +10334,6 @@
       </p:pic>
       <p:sp>
         <p:nvSpPr>
-          <p:cNvPr id="3" name="TextBox 2">
-            <a:extLst>
-              <a:ext uri="{FF2B5EF4-FFF2-40B4-BE49-F238E27FC236}">
-                <a16:creationId xmlns:a16="http://schemas.microsoft.com/office/drawing/2014/main" id="{D489F746-A7E2-9F4E-B2C0-557071CC0B90}"/>
-              </a:ext>
-            </a:extLst>
-          </p:cNvPr>
-          <p:cNvSpPr txBox="1"/>
-          <p:nvPr/>
-        </p:nvSpPr>
-        <p:spPr>
-          <a:xfrm>
-            <a:off x="872666" y="2644170"/>
-            <a:ext cx="3046347" cy="1569660"/>
-          </a:xfrm>
-          <a:prstGeom prst="rect">
-            <a:avLst/>
-          </a:prstGeom>
-          <a:noFill/>
-        </p:spPr>
-        <p:txBody>
-          <a:bodyPr wrap="none" rtlCol="0">
-            <a:spAutoFit/>
-          </a:bodyPr>
-          <a:lstStyle/>
-          <a:p>
-            <a:pPr algn="ctr"/>
-            <a:r>
-              <a:rPr lang="en-US" sz="4800" dirty="0"/>
-              <a:t>Multi-Layer</a:t>
-            </a:r>
-          </a:p>
-          <a:p>
-            <a:pPr algn="ctr"/>
-            <a:r>
-              <a:rPr lang="en-US" sz="4800" dirty="0"/>
-              <a:t>Perceptron</a:t>
-            </a:r>
-          </a:p>
-        </p:txBody>
-      </p:sp>
-      <p:sp>
-        <p:nvSpPr>
           <p:cNvPr id="2" name="Rectangle 1">
             <a:extLst>
               <a:ext uri="{FF2B5EF4-FFF2-40B4-BE49-F238E27FC236}">
@@ -7358,10 +10456,456 @@
           </a:p>
         </p:txBody>
       </p:sp>
+      <p:cxnSp>
+        <p:nvCxnSpPr>
+          <p:cNvPr id="8" name="Straight Arrow Connector 7">
+            <a:extLst>
+              <a:ext uri="{FF2B5EF4-FFF2-40B4-BE49-F238E27FC236}">
+                <a16:creationId xmlns:a16="http://schemas.microsoft.com/office/drawing/2014/main" id="{3137D53F-9F87-914F-93B2-C72D1B58F62A}"/>
+              </a:ext>
+            </a:extLst>
+          </p:cNvPr>
+          <p:cNvCxnSpPr>
+            <a:cxnSpLocks/>
+          </p:cNvCxnSpPr>
+          <p:nvPr/>
+        </p:nvCxnSpPr>
+        <p:spPr>
+          <a:xfrm flipH="1">
+            <a:off x="5819721" y="6133167"/>
+            <a:ext cx="4906536" cy="0"/>
+          </a:xfrm>
+          <a:prstGeom prst="straightConnector1">
+            <a:avLst/>
+          </a:prstGeom>
+          <a:ln w="127000">
+            <a:tailEnd type="triangle"/>
+          </a:ln>
+        </p:spPr>
+        <p:style>
+          <a:lnRef idx="1">
+            <a:schemeClr val="accent1"/>
+          </a:lnRef>
+          <a:fillRef idx="0">
+            <a:schemeClr val="accent1"/>
+          </a:fillRef>
+          <a:effectRef idx="0">
+            <a:schemeClr val="accent1"/>
+          </a:effectRef>
+          <a:fontRef idx="minor">
+            <a:schemeClr val="tx1"/>
+          </a:fontRef>
+        </p:style>
+      </p:cxnSp>
+      <mc:AlternateContent xmlns:mc="http://schemas.openxmlformats.org/markup-compatibility/2006">
+        <mc:Choice xmlns:a14="http://schemas.microsoft.com/office/drawing/2010/main" Requires="a14">
+          <p:sp>
+            <p:nvSpPr>
+              <p:cNvPr id="9" name="TextBox 8">
+                <a:extLst>
+                  <a:ext uri="{FF2B5EF4-FFF2-40B4-BE49-F238E27FC236}">
+                    <a16:creationId xmlns:a16="http://schemas.microsoft.com/office/drawing/2014/main" id="{3C53F6B8-EFC3-9845-8579-1EA203953376}"/>
+                  </a:ext>
+                </a:extLst>
+              </p:cNvPr>
+              <p:cNvSpPr txBox="1"/>
+              <p:nvPr/>
+            </p:nvSpPr>
+            <p:spPr>
+              <a:xfrm>
+                <a:off x="10439541" y="4591286"/>
+                <a:ext cx="1720663" cy="707886"/>
+              </a:xfrm>
+              <a:prstGeom prst="rect">
+                <a:avLst/>
+              </a:prstGeom>
+              <a:noFill/>
+            </p:spPr>
+            <p:txBody>
+              <a:bodyPr wrap="none" rtlCol="0">
+                <a:spAutoFit/>
+              </a:bodyPr>
+              <a:lstStyle/>
+              <a:p>
+                <a:pPr/>
+                <a14:m>
+                  <m:oMathPara xmlns:m="http://schemas.openxmlformats.org/officeDocument/2006/math">
+                    <m:oMathParaPr>
+                      <m:jc m:val="centerGroup"/>
+                    </m:oMathParaPr>
+                    <m:oMath xmlns:m="http://schemas.openxmlformats.org/officeDocument/2006/math">
+                      <m:r>
+                        <a:rPr lang="en-US" sz="2000" b="0" i="1" smtClean="0">
+                          <a:solidFill>
+                            <a:schemeClr val="accent1"/>
+                          </a:solidFill>
+                          <a:latin typeface="Cambria Math" panose="02040503050406030204" pitchFamily="18" charset="0"/>
+                        </a:rPr>
+                        <m:t>𝑎𝑏𝑠</m:t>
+                      </m:r>
+                      <m:r>
+                        <a:rPr lang="en-US" sz="2000" b="0" i="1" smtClean="0">
+                          <a:solidFill>
+                            <a:schemeClr val="accent1"/>
+                          </a:solidFill>
+                          <a:latin typeface="Cambria Math" panose="02040503050406030204" pitchFamily="18" charset="0"/>
+                        </a:rPr>
+                        <m:t>( </m:t>
+                      </m:r>
+                      <m:d>
+                        <m:dPr>
+                          <m:ctrlPr>
+                            <a:rPr lang="en-US" sz="2000" b="0" i="1" smtClean="0">
+                              <a:solidFill>
+                                <a:schemeClr val="accent1"/>
+                              </a:solidFill>
+                              <a:latin typeface="Cambria Math" panose="02040503050406030204" pitchFamily="18" charset="0"/>
+                            </a:rPr>
+                          </m:ctrlPr>
+                        </m:dPr>
+                        <m:e>
+                          <m:r>
+                            <a:rPr lang="en-US" sz="2000" b="0" i="1" smtClean="0">
+                              <a:solidFill>
+                                <a:schemeClr val="accent1"/>
+                              </a:solidFill>
+                              <a:latin typeface="Cambria Math" panose="02040503050406030204" pitchFamily="18" charset="0"/>
+                            </a:rPr>
+                            <m:t>.</m:t>
+                          </m:r>
+                          <m:r>
+                            <a:rPr lang="en-US" sz="2000" b="0" i="1" smtClean="0">
+                              <a:solidFill>
+                                <a:schemeClr val="accent1"/>
+                              </a:solidFill>
+                              <a:latin typeface="Cambria Math" panose="02040503050406030204" pitchFamily="18" charset="0"/>
+                            </a:rPr>
+                            <m:t>3</m:t>
+                          </m:r>
+                          <m:r>
+                            <a:rPr lang="en-US" sz="2000" b="0" i="1" smtClean="0">
+                              <a:solidFill>
+                                <a:schemeClr val="accent1"/>
+                              </a:solidFill>
+                              <a:latin typeface="Cambria Math" panose="02040503050406030204" pitchFamily="18" charset="0"/>
+                            </a:rPr>
+                            <m:t> −0</m:t>
+                          </m:r>
+                        </m:e>
+                      </m:d>
+                    </m:oMath>
+                  </m:oMathPara>
+                </a14:m>
+                <a:endParaRPr lang="en-US" sz="2000" b="0" i="1" dirty="0">
+                  <a:solidFill>
+                    <a:schemeClr val="accent1"/>
+                  </a:solidFill>
+                  <a:latin typeface="Cambria Math" panose="02040503050406030204" pitchFamily="18" charset="0"/>
+                </a:endParaRPr>
+              </a:p>
+              <a:p>
+                <a:pPr/>
+                <a14:m>
+                  <m:oMathPara xmlns:m="http://schemas.openxmlformats.org/officeDocument/2006/math">
+                    <m:oMathParaPr>
+                      <m:jc m:val="centerGroup"/>
+                    </m:oMathParaPr>
+                    <m:oMath xmlns:m="http://schemas.openxmlformats.org/officeDocument/2006/math">
+                      <m:r>
+                        <a:rPr lang="en-US" sz="2000" b="0" i="1" smtClean="0">
+                          <a:solidFill>
+                            <a:schemeClr val="accent1"/>
+                          </a:solidFill>
+                          <a:latin typeface="Cambria Math" panose="02040503050406030204" pitchFamily="18" charset="0"/>
+                        </a:rPr>
+                        <m:t>+</m:t>
+                      </m:r>
+                      <m:d>
+                        <m:dPr>
+                          <m:ctrlPr>
+                            <a:rPr lang="en-US" sz="2000" b="0" i="1" smtClean="0">
+                              <a:solidFill>
+                                <a:schemeClr val="accent1"/>
+                              </a:solidFill>
+                              <a:latin typeface="Cambria Math" panose="02040503050406030204" pitchFamily="18" charset="0"/>
+                            </a:rPr>
+                          </m:ctrlPr>
+                        </m:dPr>
+                        <m:e>
+                          <m:r>
+                            <a:rPr lang="en-US" sz="2000" b="0" i="1" smtClean="0">
+                              <a:solidFill>
+                                <a:schemeClr val="accent1"/>
+                              </a:solidFill>
+                              <a:latin typeface="Cambria Math" panose="02040503050406030204" pitchFamily="18" charset="0"/>
+                            </a:rPr>
+                            <m:t>.</m:t>
+                          </m:r>
+                          <m:r>
+                            <a:rPr lang="en-US" sz="2000" b="0" i="1" smtClean="0">
+                              <a:solidFill>
+                                <a:schemeClr val="accent1"/>
+                              </a:solidFill>
+                              <a:latin typeface="Cambria Math" panose="02040503050406030204" pitchFamily="18" charset="0"/>
+                            </a:rPr>
+                            <m:t>7</m:t>
+                          </m:r>
+                          <m:r>
+                            <a:rPr lang="en-US" sz="2000" b="0" i="1" smtClean="0">
+                              <a:solidFill>
+                                <a:schemeClr val="accent1"/>
+                              </a:solidFill>
+                              <a:latin typeface="Cambria Math" panose="02040503050406030204" pitchFamily="18" charset="0"/>
+                            </a:rPr>
+                            <m:t> −1</m:t>
+                          </m:r>
+                        </m:e>
+                      </m:d>
+                      <m:r>
+                        <a:rPr lang="en-US" sz="2000" b="0" i="1" smtClean="0">
+                          <a:solidFill>
+                            <a:schemeClr val="accent1"/>
+                          </a:solidFill>
+                          <a:latin typeface="Cambria Math" panose="02040503050406030204" pitchFamily="18" charset="0"/>
+                        </a:rPr>
+                        <m:t>)</m:t>
+                      </m:r>
+                    </m:oMath>
+                  </m:oMathPara>
+                </a14:m>
+                <a:endParaRPr lang="en-US" sz="2000" dirty="0">
+                  <a:solidFill>
+                    <a:schemeClr val="accent1"/>
+                  </a:solidFill>
+                </a:endParaRPr>
+              </a:p>
+            </p:txBody>
+          </p:sp>
+        </mc:Choice>
+        <mc:Fallback>
+          <p:sp>
+            <p:nvSpPr>
+              <p:cNvPr id="9" name="TextBox 8">
+                <a:extLst>
+                  <a:ext uri="{FF2B5EF4-FFF2-40B4-BE49-F238E27FC236}">
+                    <a16:creationId xmlns:a16="http://schemas.microsoft.com/office/drawing/2014/main" id="{3C53F6B8-EFC3-9845-8579-1EA203953376}"/>
+                  </a:ext>
+                </a:extLst>
+              </p:cNvPr>
+              <p:cNvSpPr txBox="1">
+                <a:spLocks noRot="1" noChangeAspect="1" noMove="1" noResize="1" noEditPoints="1" noAdjustHandles="1" noChangeArrowheads="1" noChangeShapeType="1" noTextEdit="1"/>
+              </p:cNvSpPr>
+              <p:nvPr/>
+            </p:nvSpPr>
+            <p:spPr>
+              <a:xfrm>
+                <a:off x="10439541" y="4591286"/>
+                <a:ext cx="1720663" cy="707886"/>
+              </a:xfrm>
+              <a:prstGeom prst="rect">
+                <a:avLst/>
+              </a:prstGeom>
+              <a:blipFill>
+                <a:blip r:embed="rId3"/>
+                <a:stretch>
+                  <a:fillRect b="-8772"/>
+                </a:stretch>
+              </a:blipFill>
+            </p:spPr>
+            <p:txBody>
+              <a:bodyPr/>
+              <a:lstStyle/>
+              <a:p>
+                <a:r>
+                  <a:rPr lang="en-US">
+                    <a:noFill/>
+                  </a:rPr>
+                  <a:t> </a:t>
+                </a:r>
+              </a:p>
+            </p:txBody>
+          </p:sp>
+        </mc:Fallback>
+      </mc:AlternateContent>
+      <p:sp>
+        <p:nvSpPr>
+          <p:cNvPr id="10" name="TextBox 9">
+            <a:extLst>
+              <a:ext uri="{FF2B5EF4-FFF2-40B4-BE49-F238E27FC236}">
+                <a16:creationId xmlns:a16="http://schemas.microsoft.com/office/drawing/2014/main" id="{135F46DB-FEFB-9E47-9007-6623E70F1B7B}"/>
+              </a:ext>
+            </a:extLst>
+          </p:cNvPr>
+          <p:cNvSpPr txBox="1"/>
+          <p:nvPr/>
+        </p:nvSpPr>
+        <p:spPr>
+          <a:xfrm>
+            <a:off x="9797130" y="3185616"/>
+            <a:ext cx="362600" cy="369332"/>
+          </a:xfrm>
+          <a:prstGeom prst="rect">
+            <a:avLst/>
+          </a:prstGeom>
+          <a:noFill/>
+        </p:spPr>
+        <p:txBody>
+          <a:bodyPr wrap="none" rtlCol="0">
+            <a:spAutoFit/>
+          </a:bodyPr>
+          <a:lstStyle/>
+          <a:p>
+            <a:r>
+              <a:rPr lang="en-US" b="1" dirty="0">
+                <a:solidFill>
+                  <a:schemeClr val="accent1"/>
+                </a:solidFill>
+              </a:rPr>
+              <a:t>.3</a:t>
+            </a:r>
+          </a:p>
+        </p:txBody>
+      </p:sp>
+      <p:sp>
+        <p:nvSpPr>
+          <p:cNvPr id="11" name="TextBox 10">
+            <a:extLst>
+              <a:ext uri="{FF2B5EF4-FFF2-40B4-BE49-F238E27FC236}">
+                <a16:creationId xmlns:a16="http://schemas.microsoft.com/office/drawing/2014/main" id="{2C4E0337-39DE-1440-AEA7-28A3D8DA398B}"/>
+              </a:ext>
+            </a:extLst>
+          </p:cNvPr>
+          <p:cNvSpPr txBox="1"/>
+          <p:nvPr/>
+        </p:nvSpPr>
+        <p:spPr>
+          <a:xfrm>
+            <a:off x="9817450" y="3937456"/>
+            <a:ext cx="362600" cy="369332"/>
+          </a:xfrm>
+          <a:prstGeom prst="rect">
+            <a:avLst/>
+          </a:prstGeom>
+          <a:noFill/>
+        </p:spPr>
+        <p:txBody>
+          <a:bodyPr wrap="none" rtlCol="0">
+            <a:spAutoFit/>
+          </a:bodyPr>
+          <a:lstStyle/>
+          <a:p>
+            <a:r>
+              <a:rPr lang="en-US" b="1" dirty="0">
+                <a:solidFill>
+                  <a:schemeClr val="accent1"/>
+                </a:solidFill>
+              </a:rPr>
+              <a:t>.7</a:t>
+            </a:r>
+          </a:p>
+        </p:txBody>
+      </p:sp>
+      <p:pic>
+        <p:nvPicPr>
+          <p:cNvPr id="12" name="Picture 2" descr="Chihuahua or muffin? My search for the best computer vision API">
+            <a:extLst>
+              <a:ext uri="{FF2B5EF4-FFF2-40B4-BE49-F238E27FC236}">
+                <a16:creationId xmlns:a16="http://schemas.microsoft.com/office/drawing/2014/main" id="{8E7A0FB2-F295-F84F-8263-6D3792053281}"/>
+              </a:ext>
+            </a:extLst>
+          </p:cNvPr>
+          <p:cNvPicPr>
+            <a:picLocks noChangeAspect="1" noChangeArrowheads="1"/>
+          </p:cNvPicPr>
+          <p:nvPr/>
+        </p:nvPicPr>
+        <p:blipFill rotWithShape="1">
+          <a:blip r:embed="rId4">
+            <a:extLst>
+              <a:ext uri="{28A0092B-C50C-407E-A947-70E740481C1C}">
+                <a14:useLocalDpi xmlns:a14="http://schemas.microsoft.com/office/drawing/2010/main" val="0"/>
+              </a:ext>
+            </a:extLst>
+          </a:blip>
+          <a:srcRect l="25129" t="24773" r="50147" b="50000"/>
+          <a:stretch/>
+        </p:blipFill>
+        <p:spPr bwMode="auto">
+          <a:xfrm>
+            <a:off x="2030271" y="2387705"/>
+            <a:ext cx="2240186" cy="2297151"/>
+          </a:xfrm>
+          <a:prstGeom prst="rect">
+            <a:avLst/>
+          </a:prstGeom>
+          <a:noFill/>
+          <a:extLst>
+            <a:ext uri="{909E8E84-426E-40DD-AFC4-6F175D3DCCD1}">
+              <a14:hiddenFill xmlns:a14="http://schemas.microsoft.com/office/drawing/2010/main">
+                <a:solidFill>
+                  <a:srgbClr val="FFFFFF"/>
+                </a:solidFill>
+              </a14:hiddenFill>
+            </a:ext>
+          </a:extLst>
+        </p:spPr>
+      </p:pic>
+      <p:sp>
+        <p:nvSpPr>
+          <p:cNvPr id="13" name="Rectangle 12">
+            <a:extLst>
+              <a:ext uri="{FF2B5EF4-FFF2-40B4-BE49-F238E27FC236}">
+                <a16:creationId xmlns:a16="http://schemas.microsoft.com/office/drawing/2014/main" id="{DE448C81-C93E-D240-808A-25C63085CD17}"/>
+              </a:ext>
+            </a:extLst>
+          </p:cNvPr>
+          <p:cNvSpPr/>
+          <p:nvPr/>
+        </p:nvSpPr>
+        <p:spPr>
+          <a:xfrm>
+            <a:off x="7942073" y="4948518"/>
+            <a:ext cx="673787" cy="788894"/>
+          </a:xfrm>
+          <a:prstGeom prst="rect">
+            <a:avLst/>
+          </a:prstGeom>
+          <a:solidFill>
+            <a:schemeClr val="bg1"/>
+          </a:solidFill>
+          <a:ln>
+            <a:noFill/>
+          </a:ln>
+        </p:spPr>
+        <p:style>
+          <a:lnRef idx="2">
+            <a:schemeClr val="accent1">
+              <a:shade val="50000"/>
+            </a:schemeClr>
+          </a:lnRef>
+          <a:fillRef idx="1">
+            <a:schemeClr val="accent1"/>
+          </a:fillRef>
+          <a:effectRef idx="0">
+            <a:schemeClr val="accent1"/>
+          </a:effectRef>
+          <a:fontRef idx="minor">
+            <a:schemeClr val="lt1"/>
+          </a:fontRef>
+        </p:style>
+        <p:txBody>
+          <a:bodyPr rtlCol="0" anchor="ctr"/>
+          <a:lstStyle/>
+          <a:p>
+            <a:pPr algn="ctr"/>
+            <a:endParaRPr lang="en-US"/>
+          </a:p>
+        </p:txBody>
+      </p:sp>
     </p:spTree>
     <p:extLst>
       <p:ext uri="{BB962C8B-B14F-4D97-AF65-F5344CB8AC3E}">
-        <p14:creationId xmlns:p14="http://schemas.microsoft.com/office/powerpoint/2010/main" val="735979347"/>
+        <p14:creationId xmlns:p14="http://schemas.microsoft.com/office/powerpoint/2010/main" val="3322797402"/>
       </p:ext>
     </p:extLst>
   </p:cSld>
@@ -7435,49 +10979,6 @@
       </p:pic>
       <p:sp>
         <p:nvSpPr>
-          <p:cNvPr id="3" name="TextBox 2">
-            <a:extLst>
-              <a:ext uri="{FF2B5EF4-FFF2-40B4-BE49-F238E27FC236}">
-                <a16:creationId xmlns:a16="http://schemas.microsoft.com/office/drawing/2014/main" id="{D489F746-A7E2-9F4E-B2C0-557071CC0B90}"/>
-              </a:ext>
-            </a:extLst>
-          </p:cNvPr>
-          <p:cNvSpPr txBox="1"/>
-          <p:nvPr/>
-        </p:nvSpPr>
-        <p:spPr>
-          <a:xfrm>
-            <a:off x="872666" y="2644170"/>
-            <a:ext cx="3046347" cy="1569660"/>
-          </a:xfrm>
-          <a:prstGeom prst="rect">
-            <a:avLst/>
-          </a:prstGeom>
-          <a:noFill/>
-        </p:spPr>
-        <p:txBody>
-          <a:bodyPr wrap="none" rtlCol="0">
-            <a:spAutoFit/>
-          </a:bodyPr>
-          <a:lstStyle/>
-          <a:p>
-            <a:pPr algn="ctr"/>
-            <a:r>
-              <a:rPr lang="en-US" sz="4800" dirty="0"/>
-              <a:t>Multi-Layer</a:t>
-            </a:r>
-          </a:p>
-          <a:p>
-            <a:pPr algn="ctr"/>
-            <a:r>
-              <a:rPr lang="en-US" sz="4800" dirty="0"/>
-              <a:t>Perceptron</a:t>
-            </a:r>
-          </a:p>
-        </p:txBody>
-      </p:sp>
-      <p:sp>
-        <p:nvSpPr>
           <p:cNvPr id="2" name="Rectangle 1">
             <a:extLst>
               <a:ext uri="{FF2B5EF4-FFF2-40B4-BE49-F238E27FC236}">
@@ -7528,95 +11029,21 @@
           </a:p>
         </p:txBody>
       </p:sp>
-      <p:sp>
-        <p:nvSpPr>
-          <p:cNvPr id="7" name="TextBox 6">
-            <a:extLst>
-              <a:ext uri="{FF2B5EF4-FFF2-40B4-BE49-F238E27FC236}">
-                <a16:creationId xmlns:a16="http://schemas.microsoft.com/office/drawing/2014/main" id="{2DA84432-A094-9644-A4DB-EACB2BE1A711}"/>
-              </a:ext>
-            </a:extLst>
-          </p:cNvPr>
-          <p:cNvSpPr txBox="1"/>
-          <p:nvPr/>
-        </p:nvSpPr>
-        <p:spPr>
-          <a:xfrm>
-            <a:off x="7337502" y="579863"/>
-            <a:ext cx="184731" cy="369332"/>
-          </a:xfrm>
-          <a:prstGeom prst="rect">
-            <a:avLst/>
-          </a:prstGeom>
-          <a:noFill/>
-        </p:spPr>
-        <p:txBody>
-          <a:bodyPr wrap="none" rtlCol="0">
-            <a:spAutoFit/>
-          </a:bodyPr>
-          <a:lstStyle/>
-          <a:p>
-            <a:endParaRPr lang="en-US" dirty="0"/>
-          </a:p>
-        </p:txBody>
-      </p:sp>
-      <p:sp>
-        <p:nvSpPr>
-          <p:cNvPr id="4" name="TextBox 3">
-            <a:extLst>
-              <a:ext uri="{FF2B5EF4-FFF2-40B4-BE49-F238E27FC236}">
-                <a16:creationId xmlns:a16="http://schemas.microsoft.com/office/drawing/2014/main" id="{C6D1FCBB-DD65-F348-A4D7-A0E3BDA98967}"/>
-              </a:ext>
-            </a:extLst>
-          </p:cNvPr>
-          <p:cNvSpPr txBox="1"/>
-          <p:nvPr/>
-        </p:nvSpPr>
-        <p:spPr>
-          <a:xfrm>
-            <a:off x="10504445" y="3141740"/>
-            <a:ext cx="1442224" cy="1200329"/>
-          </a:xfrm>
-          <a:prstGeom prst="rect">
-            <a:avLst/>
-          </a:prstGeom>
-          <a:noFill/>
-        </p:spPr>
-        <p:txBody>
-          <a:bodyPr wrap="square" rtlCol="0">
-            <a:spAutoFit/>
-          </a:bodyPr>
-          <a:lstStyle/>
-          <a:p>
-            <a:pPr algn="ctr"/>
-            <a:r>
-              <a:rPr lang="en-US" sz="2400" dirty="0">
-                <a:solidFill>
-                  <a:schemeClr val="accent1"/>
-                </a:solidFill>
-              </a:rPr>
-              <a:t>How wrong were we?</a:t>
-            </a:r>
-          </a:p>
-        </p:txBody>
-      </p:sp>
       <p:cxnSp>
         <p:nvCxnSpPr>
-          <p:cNvPr id="8" name="Straight Arrow Connector 7">
-            <a:extLst>
-              <a:ext uri="{FF2B5EF4-FFF2-40B4-BE49-F238E27FC236}">
-                <a16:creationId xmlns:a16="http://schemas.microsoft.com/office/drawing/2014/main" id="{3137D53F-9F87-914F-93B2-C72D1B58F62A}"/>
-              </a:ext>
-            </a:extLst>
-          </p:cNvPr>
-          <p:cNvCxnSpPr>
-            <a:cxnSpLocks/>
-          </p:cNvCxnSpPr>
+          <p:cNvPr id="6" name="Straight Arrow Connector 5">
+            <a:extLst>
+              <a:ext uri="{FF2B5EF4-FFF2-40B4-BE49-F238E27FC236}">
+                <a16:creationId xmlns:a16="http://schemas.microsoft.com/office/drawing/2014/main" id="{55B29DE5-CBB0-A844-840F-DFF076F89F97}"/>
+              </a:ext>
+            </a:extLst>
+          </p:cNvPr>
+          <p:cNvCxnSpPr/>
           <p:nvPr/>
         </p:nvCxnSpPr>
         <p:spPr>
-          <a:xfrm flipH="1">
-            <a:off x="5819721" y="6133167"/>
+          <a:xfrm>
+            <a:off x="5819721" y="1048215"/>
             <a:ext cx="4906536" cy="0"/>
           </a:xfrm>
           <a:prstGeom prst="straightConnector1">
@@ -7641,10 +11068,336 @@
           </a:fontRef>
         </p:style>
       </p:cxnSp>
+      <p:sp>
+        <p:nvSpPr>
+          <p:cNvPr id="7" name="TextBox 6">
+            <a:extLst>
+              <a:ext uri="{FF2B5EF4-FFF2-40B4-BE49-F238E27FC236}">
+                <a16:creationId xmlns:a16="http://schemas.microsoft.com/office/drawing/2014/main" id="{2DA84432-A094-9644-A4DB-EACB2BE1A711}"/>
+              </a:ext>
+            </a:extLst>
+          </p:cNvPr>
+          <p:cNvSpPr txBox="1"/>
+          <p:nvPr/>
+        </p:nvSpPr>
+        <p:spPr>
+          <a:xfrm>
+            <a:off x="7337502" y="579863"/>
+            <a:ext cx="184731" cy="369332"/>
+          </a:xfrm>
+          <a:prstGeom prst="rect">
+            <a:avLst/>
+          </a:prstGeom>
+          <a:noFill/>
+        </p:spPr>
+        <p:txBody>
+          <a:bodyPr wrap="none" rtlCol="0">
+            <a:spAutoFit/>
+          </a:bodyPr>
+          <a:lstStyle/>
+          <a:p>
+            <a:endParaRPr lang="en-US" dirty="0"/>
+          </a:p>
+        </p:txBody>
+      </p:sp>
+      <p:pic>
+        <p:nvPicPr>
+          <p:cNvPr id="9" name="Picture 2" descr="Chihuahua or muffin? My search for the best computer vision API">
+            <a:extLst>
+              <a:ext uri="{FF2B5EF4-FFF2-40B4-BE49-F238E27FC236}">
+                <a16:creationId xmlns:a16="http://schemas.microsoft.com/office/drawing/2014/main" id="{CAC17770-5AE4-6647-AACE-A0BEE328A8BE}"/>
+              </a:ext>
+            </a:extLst>
+          </p:cNvPr>
+          <p:cNvPicPr>
+            <a:picLocks noChangeAspect="1" noChangeArrowheads="1"/>
+          </p:cNvPicPr>
+          <p:nvPr/>
+        </p:nvPicPr>
+        <p:blipFill rotWithShape="1">
+          <a:blip r:embed="rId3">
+            <a:extLst>
+              <a:ext uri="{28A0092B-C50C-407E-A947-70E740481C1C}">
+                <a14:useLocalDpi xmlns:a14="http://schemas.microsoft.com/office/drawing/2010/main" val="0"/>
+              </a:ext>
+            </a:extLst>
+          </a:blip>
+          <a:srcRect l="25129" t="24773" r="50147" b="50000"/>
+          <a:stretch/>
+        </p:blipFill>
+        <p:spPr bwMode="auto">
+          <a:xfrm>
+            <a:off x="2011950" y="2406372"/>
+            <a:ext cx="2240186" cy="2297151"/>
+          </a:xfrm>
+          <a:prstGeom prst="rect">
+            <a:avLst/>
+          </a:prstGeom>
+          <a:noFill/>
+          <a:extLst>
+            <a:ext uri="{909E8E84-426E-40DD-AFC4-6F175D3DCCD1}">
+              <a14:hiddenFill xmlns:a14="http://schemas.microsoft.com/office/drawing/2010/main">
+                <a:solidFill>
+                  <a:srgbClr val="FFFFFF"/>
+                </a:solidFill>
+              </a14:hiddenFill>
+            </a:ext>
+          </a:extLst>
+        </p:spPr>
+      </p:pic>
+      <p:sp>
+        <p:nvSpPr>
+          <p:cNvPr id="10" name="TextBox 9">
+            <a:extLst>
+              <a:ext uri="{FF2B5EF4-FFF2-40B4-BE49-F238E27FC236}">
+                <a16:creationId xmlns:a16="http://schemas.microsoft.com/office/drawing/2014/main" id="{F96E44D1-D589-834A-93C9-9F7772216500}"/>
+              </a:ext>
+            </a:extLst>
+          </p:cNvPr>
+          <p:cNvSpPr txBox="1"/>
+          <p:nvPr/>
+        </p:nvSpPr>
+        <p:spPr>
+          <a:xfrm>
+            <a:off x="10326034" y="3166949"/>
+            <a:ext cx="1181734" cy="369332"/>
+          </a:xfrm>
+          <a:prstGeom prst="rect">
+            <a:avLst/>
+          </a:prstGeom>
+          <a:noFill/>
+        </p:spPr>
+        <p:txBody>
+          <a:bodyPr wrap="none" rtlCol="0">
+            <a:spAutoFit/>
+          </a:bodyPr>
+          <a:lstStyle/>
+          <a:p>
+            <a:r>
+              <a:rPr lang="en-US" b="1" dirty="0">
+                <a:solidFill>
+                  <a:schemeClr val="accent1"/>
+                </a:solidFill>
+              </a:rPr>
+              <a:t>chihuahua</a:t>
+            </a:r>
+          </a:p>
+        </p:txBody>
+      </p:sp>
+      <p:sp>
+        <p:nvSpPr>
+          <p:cNvPr id="11" name="TextBox 10">
+            <a:extLst>
+              <a:ext uri="{FF2B5EF4-FFF2-40B4-BE49-F238E27FC236}">
+                <a16:creationId xmlns:a16="http://schemas.microsoft.com/office/drawing/2014/main" id="{914F850B-7003-0942-AC61-BA3AD7179ECE}"/>
+              </a:ext>
+            </a:extLst>
+          </p:cNvPr>
+          <p:cNvSpPr txBox="1"/>
+          <p:nvPr/>
+        </p:nvSpPr>
+        <p:spPr>
+          <a:xfrm>
+            <a:off x="10306717" y="3902927"/>
+            <a:ext cx="822661" cy="369332"/>
+          </a:xfrm>
+          <a:prstGeom prst="rect">
+            <a:avLst/>
+          </a:prstGeom>
+          <a:noFill/>
+        </p:spPr>
+        <p:txBody>
+          <a:bodyPr wrap="none" rtlCol="0">
+            <a:spAutoFit/>
+          </a:bodyPr>
+          <a:lstStyle/>
+          <a:p>
+            <a:r>
+              <a:rPr lang="en-US" b="1" dirty="0">
+                <a:solidFill>
+                  <a:schemeClr val="accent1"/>
+                </a:solidFill>
+              </a:rPr>
+              <a:t>muffin</a:t>
+            </a:r>
+          </a:p>
+        </p:txBody>
+      </p:sp>
+      <p:cxnSp>
+        <p:nvCxnSpPr>
+          <p:cNvPr id="12" name="Straight Arrow Connector 11">
+            <a:extLst>
+              <a:ext uri="{FF2B5EF4-FFF2-40B4-BE49-F238E27FC236}">
+                <a16:creationId xmlns:a16="http://schemas.microsoft.com/office/drawing/2014/main" id="{AC5C5FA0-5DAA-AC4D-898D-9031A4F51F37}"/>
+              </a:ext>
+            </a:extLst>
+          </p:cNvPr>
+          <p:cNvCxnSpPr>
+            <a:cxnSpLocks/>
+          </p:cNvCxnSpPr>
+          <p:nvPr/>
+        </p:nvCxnSpPr>
+        <p:spPr>
+          <a:xfrm>
+            <a:off x="4459272" y="3670096"/>
+            <a:ext cx="1076543" cy="0"/>
+          </a:xfrm>
+          <a:prstGeom prst="straightConnector1">
+            <a:avLst/>
+          </a:prstGeom>
+          <a:ln w="127000">
+            <a:tailEnd type="triangle"/>
+          </a:ln>
+        </p:spPr>
+        <p:style>
+          <a:lnRef idx="1">
+            <a:schemeClr val="accent1"/>
+          </a:lnRef>
+          <a:fillRef idx="0">
+            <a:schemeClr val="accent1"/>
+          </a:fillRef>
+          <a:effectRef idx="0">
+            <a:schemeClr val="accent1"/>
+          </a:effectRef>
+          <a:fontRef idx="minor">
+            <a:schemeClr val="tx1"/>
+          </a:fontRef>
+        </p:style>
+      </p:cxnSp>
+      <p:sp>
+        <p:nvSpPr>
+          <p:cNvPr id="13" name="TextBox 12">
+            <a:extLst>
+              <a:ext uri="{FF2B5EF4-FFF2-40B4-BE49-F238E27FC236}">
+                <a16:creationId xmlns:a16="http://schemas.microsoft.com/office/drawing/2014/main" id="{2A26956E-E902-104F-9F1D-5DC605ADC0E5}"/>
+              </a:ext>
+            </a:extLst>
+          </p:cNvPr>
+          <p:cNvSpPr txBox="1"/>
+          <p:nvPr/>
+        </p:nvSpPr>
+        <p:spPr>
+          <a:xfrm>
+            <a:off x="9797130" y="3185616"/>
+            <a:ext cx="362600" cy="369332"/>
+          </a:xfrm>
+          <a:prstGeom prst="rect">
+            <a:avLst/>
+          </a:prstGeom>
+          <a:noFill/>
+        </p:spPr>
+        <p:txBody>
+          <a:bodyPr wrap="none" rtlCol="0">
+            <a:spAutoFit/>
+          </a:bodyPr>
+          <a:lstStyle/>
+          <a:p>
+            <a:r>
+              <a:rPr lang="en-US" b="1" dirty="0">
+                <a:solidFill>
+                  <a:schemeClr val="accent1"/>
+                </a:solidFill>
+              </a:rPr>
+              <a:t>.1</a:t>
+            </a:r>
+          </a:p>
+        </p:txBody>
+      </p:sp>
+      <p:sp>
+        <p:nvSpPr>
+          <p:cNvPr id="14" name="TextBox 13">
+            <a:extLst>
+              <a:ext uri="{FF2B5EF4-FFF2-40B4-BE49-F238E27FC236}">
+                <a16:creationId xmlns:a16="http://schemas.microsoft.com/office/drawing/2014/main" id="{921D604E-CB82-F84E-8928-A5BABBCF12A6}"/>
+              </a:ext>
+            </a:extLst>
+          </p:cNvPr>
+          <p:cNvSpPr txBox="1"/>
+          <p:nvPr/>
+        </p:nvSpPr>
+        <p:spPr>
+          <a:xfrm>
+            <a:off x="9817450" y="3937456"/>
+            <a:ext cx="362600" cy="369332"/>
+          </a:xfrm>
+          <a:prstGeom prst="rect">
+            <a:avLst/>
+          </a:prstGeom>
+          <a:noFill/>
+        </p:spPr>
+        <p:txBody>
+          <a:bodyPr wrap="none" rtlCol="0">
+            <a:spAutoFit/>
+          </a:bodyPr>
+          <a:lstStyle/>
+          <a:p>
+            <a:r>
+              <a:rPr lang="en-US" b="1" dirty="0">
+                <a:solidFill>
+                  <a:schemeClr val="accent1"/>
+                </a:solidFill>
+              </a:rPr>
+              <a:t>.9</a:t>
+            </a:r>
+          </a:p>
+        </p:txBody>
+      </p:sp>
+      <p:sp>
+        <p:nvSpPr>
+          <p:cNvPr id="15" name="Rectangle 14">
+            <a:extLst>
+              <a:ext uri="{FF2B5EF4-FFF2-40B4-BE49-F238E27FC236}">
+                <a16:creationId xmlns:a16="http://schemas.microsoft.com/office/drawing/2014/main" id="{E6793212-202D-064A-92EB-ABD20B014227}"/>
+              </a:ext>
+            </a:extLst>
+          </p:cNvPr>
+          <p:cNvSpPr/>
+          <p:nvPr/>
+        </p:nvSpPr>
+        <p:spPr>
+          <a:xfrm>
+            <a:off x="7942073" y="4948518"/>
+            <a:ext cx="673787" cy="788894"/>
+          </a:xfrm>
+          <a:prstGeom prst="rect">
+            <a:avLst/>
+          </a:prstGeom>
+          <a:solidFill>
+            <a:schemeClr val="bg1"/>
+          </a:solidFill>
+          <a:ln>
+            <a:noFill/>
+          </a:ln>
+        </p:spPr>
+        <p:style>
+          <a:lnRef idx="2">
+            <a:schemeClr val="accent1">
+              <a:shade val="50000"/>
+            </a:schemeClr>
+          </a:lnRef>
+          <a:fillRef idx="1">
+            <a:schemeClr val="accent1"/>
+          </a:fillRef>
+          <a:effectRef idx="0">
+            <a:schemeClr val="accent1"/>
+          </a:effectRef>
+          <a:fontRef idx="minor">
+            <a:schemeClr val="lt1"/>
+          </a:fontRef>
+        </p:style>
+        <p:txBody>
+          <a:bodyPr rtlCol="0" anchor="ctr"/>
+          <a:lstStyle/>
+          <a:p>
+            <a:pPr algn="ctr"/>
+            <a:endParaRPr lang="en-US"/>
+          </a:p>
+        </p:txBody>
+      </p:sp>
     </p:spTree>
     <p:extLst>
       <p:ext uri="{BB962C8B-B14F-4D97-AF65-F5344CB8AC3E}">
-        <p14:creationId xmlns:p14="http://schemas.microsoft.com/office/powerpoint/2010/main" val="2039205549"/>
+        <p14:creationId xmlns:p14="http://schemas.microsoft.com/office/powerpoint/2010/main" val="3808119172"/>
       </p:ext>
     </p:extLst>
   </p:cSld>
@@ -7673,10 +11426,10 @@
       </p:grpSpPr>
       <p:pic>
         <p:nvPicPr>
-          <p:cNvPr id="9220" name="Picture 4" descr="Deep Learning - Past, Present, and Future">
-            <a:extLst>
-              <a:ext uri="{FF2B5EF4-FFF2-40B4-BE49-F238E27FC236}">
-                <a16:creationId xmlns:a16="http://schemas.microsoft.com/office/drawing/2014/main" id="{27982C94-F007-4246-8001-D3C84EDAAC30}"/>
+          <p:cNvPr id="1028" name="Picture 4" descr="a) Architecture of a single layer perceptron. The architecture... |  Download Scientific Diagram">
+            <a:extLst>
+              <a:ext uri="{FF2B5EF4-FFF2-40B4-BE49-F238E27FC236}">
+                <a16:creationId xmlns:a16="http://schemas.microsoft.com/office/drawing/2014/main" id="{697957E0-DF7F-FC4C-811D-80C90F1C4DBB}"/>
               </a:ext>
             </a:extLst>
           </p:cNvPr>
@@ -7685,8 +11438,814 @@
           </p:cNvPicPr>
           <p:nvPr/>
         </p:nvPicPr>
+        <p:blipFill rotWithShape="1">
+          <a:blip r:embed="rId2">
+            <a:extLst>
+              <a:ext uri="{28A0092B-C50C-407E-A947-70E740481C1C}">
+                <a14:useLocalDpi xmlns:a14="http://schemas.microsoft.com/office/drawing/2010/main" val="0"/>
+              </a:ext>
+            </a:extLst>
+          </a:blip>
+          <a:srcRect l="36547"/>
+          <a:stretch/>
+        </p:blipFill>
+        <p:spPr bwMode="auto">
+          <a:xfrm>
+            <a:off x="5535815" y="1332151"/>
+            <a:ext cx="4812516" cy="4193697"/>
+          </a:xfrm>
+          <a:prstGeom prst="rect">
+            <a:avLst/>
+          </a:prstGeom>
+          <a:noFill/>
+          <a:extLst>
+            <a:ext uri="{909E8E84-426E-40DD-AFC4-6F175D3DCCD1}">
+              <a14:hiddenFill xmlns:a14="http://schemas.microsoft.com/office/drawing/2010/main">
+                <a:solidFill>
+                  <a:srgbClr val="FFFFFF"/>
+                </a:solidFill>
+              </a14:hiddenFill>
+            </a:ext>
+          </a:extLst>
+        </p:spPr>
+      </p:pic>
+      <p:sp>
+        <p:nvSpPr>
+          <p:cNvPr id="2" name="Rectangle 1">
+            <a:extLst>
+              <a:ext uri="{FF2B5EF4-FFF2-40B4-BE49-F238E27FC236}">
+                <a16:creationId xmlns:a16="http://schemas.microsoft.com/office/drawing/2014/main" id="{548C78C2-9C44-A04D-BA3E-D44E2313E3E0}"/>
+              </a:ext>
+            </a:extLst>
+          </p:cNvPr>
+          <p:cNvSpPr/>
+          <p:nvPr/>
+        </p:nvSpPr>
+        <p:spPr>
+          <a:xfrm>
+            <a:off x="8272989" y="5862918"/>
+            <a:ext cx="673787" cy="788894"/>
+          </a:xfrm>
+          <a:prstGeom prst="rect">
+            <a:avLst/>
+          </a:prstGeom>
+          <a:solidFill>
+            <a:schemeClr val="bg1"/>
+          </a:solidFill>
+          <a:ln>
+            <a:noFill/>
+          </a:ln>
+        </p:spPr>
+        <p:style>
+          <a:lnRef idx="2">
+            <a:schemeClr val="accent1">
+              <a:shade val="50000"/>
+            </a:schemeClr>
+          </a:lnRef>
+          <a:fillRef idx="1">
+            <a:schemeClr val="accent1"/>
+          </a:fillRef>
+          <a:effectRef idx="0">
+            <a:schemeClr val="accent1"/>
+          </a:effectRef>
+          <a:fontRef idx="minor">
+            <a:schemeClr val="lt1"/>
+          </a:fontRef>
+        </p:style>
+        <p:txBody>
+          <a:bodyPr rtlCol="0" anchor="ctr"/>
+          <a:lstStyle/>
+          <a:p>
+            <a:pPr algn="ctr"/>
+            <a:endParaRPr lang="en-US"/>
+          </a:p>
+        </p:txBody>
+      </p:sp>
+      <p:sp>
+        <p:nvSpPr>
+          <p:cNvPr id="7" name="TextBox 6">
+            <a:extLst>
+              <a:ext uri="{FF2B5EF4-FFF2-40B4-BE49-F238E27FC236}">
+                <a16:creationId xmlns:a16="http://schemas.microsoft.com/office/drawing/2014/main" id="{2DA84432-A094-9644-A4DB-EACB2BE1A711}"/>
+              </a:ext>
+            </a:extLst>
+          </p:cNvPr>
+          <p:cNvSpPr txBox="1"/>
+          <p:nvPr/>
+        </p:nvSpPr>
+        <p:spPr>
+          <a:xfrm>
+            <a:off x="7337502" y="579863"/>
+            <a:ext cx="184731" cy="369332"/>
+          </a:xfrm>
+          <a:prstGeom prst="rect">
+            <a:avLst/>
+          </a:prstGeom>
+          <a:noFill/>
+        </p:spPr>
+        <p:txBody>
+          <a:bodyPr wrap="none" rtlCol="0">
+            <a:spAutoFit/>
+          </a:bodyPr>
+          <a:lstStyle/>
+          <a:p>
+            <a:endParaRPr lang="en-US" dirty="0"/>
+          </a:p>
+        </p:txBody>
+      </p:sp>
+      <p:sp>
+        <p:nvSpPr>
+          <p:cNvPr id="4" name="TextBox 3">
+            <a:extLst>
+              <a:ext uri="{FF2B5EF4-FFF2-40B4-BE49-F238E27FC236}">
+                <a16:creationId xmlns:a16="http://schemas.microsoft.com/office/drawing/2014/main" id="{C6D1FCBB-DD65-F348-A4D7-A0E3BDA98967}"/>
+              </a:ext>
+            </a:extLst>
+          </p:cNvPr>
+          <p:cNvSpPr txBox="1"/>
+          <p:nvPr/>
+        </p:nvSpPr>
+        <p:spPr>
+          <a:xfrm>
+            <a:off x="10504445" y="3141740"/>
+            <a:ext cx="1442224" cy="1200329"/>
+          </a:xfrm>
+          <a:prstGeom prst="rect">
+            <a:avLst/>
+          </a:prstGeom>
+          <a:noFill/>
+        </p:spPr>
+        <p:txBody>
+          <a:bodyPr wrap="square" rtlCol="0">
+            <a:spAutoFit/>
+          </a:bodyPr>
+          <a:lstStyle/>
+          <a:p>
+            <a:pPr algn="ctr"/>
+            <a:r>
+              <a:rPr lang="en-US" sz="2400" dirty="0">
+                <a:solidFill>
+                  <a:schemeClr val="accent1"/>
+                </a:solidFill>
+              </a:rPr>
+              <a:t>How wrong were we?</a:t>
+            </a:r>
+          </a:p>
+        </p:txBody>
+      </p:sp>
+      <mc:AlternateContent xmlns:mc="http://schemas.openxmlformats.org/markup-compatibility/2006">
+        <mc:Choice xmlns:a14="http://schemas.microsoft.com/office/drawing/2010/main" Requires="a14">
+          <p:sp>
+            <p:nvSpPr>
+              <p:cNvPr id="8" name="TextBox 7">
+                <a:extLst>
+                  <a:ext uri="{FF2B5EF4-FFF2-40B4-BE49-F238E27FC236}">
+                    <a16:creationId xmlns:a16="http://schemas.microsoft.com/office/drawing/2014/main" id="{D849C8AB-4500-3F45-9D47-F27072F60745}"/>
+                  </a:ext>
+                </a:extLst>
+              </p:cNvPr>
+              <p:cNvSpPr txBox="1"/>
+              <p:nvPr/>
+            </p:nvSpPr>
+            <p:spPr>
+              <a:xfrm>
+                <a:off x="10439541" y="4591286"/>
+                <a:ext cx="1720663" cy="707886"/>
+              </a:xfrm>
+              <a:prstGeom prst="rect">
+                <a:avLst/>
+              </a:prstGeom>
+              <a:noFill/>
+            </p:spPr>
+            <p:txBody>
+              <a:bodyPr wrap="none" rtlCol="0">
+                <a:spAutoFit/>
+              </a:bodyPr>
+              <a:lstStyle/>
+              <a:p>
+                <a:pPr/>
+                <a14:m>
+                  <m:oMathPara xmlns:m="http://schemas.openxmlformats.org/officeDocument/2006/math">
+                    <m:oMathParaPr>
+                      <m:jc m:val="centerGroup"/>
+                    </m:oMathParaPr>
+                    <m:oMath xmlns:m="http://schemas.openxmlformats.org/officeDocument/2006/math">
+                      <m:r>
+                        <a:rPr lang="en-US" sz="2000" b="0" i="1" smtClean="0">
+                          <a:solidFill>
+                            <a:schemeClr val="accent1"/>
+                          </a:solidFill>
+                          <a:latin typeface="Cambria Math" panose="02040503050406030204" pitchFamily="18" charset="0"/>
+                        </a:rPr>
+                        <m:t>𝑎𝑏𝑠</m:t>
+                      </m:r>
+                      <m:r>
+                        <a:rPr lang="en-US" sz="2000" b="0" i="1" smtClean="0">
+                          <a:solidFill>
+                            <a:schemeClr val="accent1"/>
+                          </a:solidFill>
+                          <a:latin typeface="Cambria Math" panose="02040503050406030204" pitchFamily="18" charset="0"/>
+                        </a:rPr>
+                        <m:t>( </m:t>
+                      </m:r>
+                      <m:d>
+                        <m:dPr>
+                          <m:ctrlPr>
+                            <a:rPr lang="en-US" sz="2000" b="0" i="1" smtClean="0">
+                              <a:solidFill>
+                                <a:schemeClr val="accent1"/>
+                              </a:solidFill>
+                              <a:latin typeface="Cambria Math" panose="02040503050406030204" pitchFamily="18" charset="0"/>
+                            </a:rPr>
+                          </m:ctrlPr>
+                        </m:dPr>
+                        <m:e>
+                          <m:r>
+                            <a:rPr lang="en-US" sz="2000" b="0" i="1" smtClean="0">
+                              <a:solidFill>
+                                <a:schemeClr val="accent1"/>
+                              </a:solidFill>
+                              <a:latin typeface="Cambria Math" panose="02040503050406030204" pitchFamily="18" charset="0"/>
+                            </a:rPr>
+                            <m:t>.</m:t>
+                          </m:r>
+                          <m:r>
+                            <a:rPr lang="en-US" sz="2000" b="0" i="1" smtClean="0">
+                              <a:solidFill>
+                                <a:schemeClr val="accent1"/>
+                              </a:solidFill>
+                              <a:latin typeface="Cambria Math" panose="02040503050406030204" pitchFamily="18" charset="0"/>
+                            </a:rPr>
+                            <m:t>1</m:t>
+                          </m:r>
+                          <m:r>
+                            <a:rPr lang="en-US" sz="2000" b="0" i="1" smtClean="0">
+                              <a:solidFill>
+                                <a:schemeClr val="accent1"/>
+                              </a:solidFill>
+                              <a:latin typeface="Cambria Math" panose="02040503050406030204" pitchFamily="18" charset="0"/>
+                            </a:rPr>
+                            <m:t> −0</m:t>
+                          </m:r>
+                        </m:e>
+                      </m:d>
+                    </m:oMath>
+                  </m:oMathPara>
+                </a14:m>
+                <a:endParaRPr lang="en-US" sz="2000" b="0" i="1" dirty="0">
+                  <a:solidFill>
+                    <a:schemeClr val="accent1"/>
+                  </a:solidFill>
+                  <a:latin typeface="Cambria Math" panose="02040503050406030204" pitchFamily="18" charset="0"/>
+                </a:endParaRPr>
+              </a:p>
+              <a:p>
+                <a:pPr/>
+                <a14:m>
+                  <m:oMathPara xmlns:m="http://schemas.openxmlformats.org/officeDocument/2006/math">
+                    <m:oMathParaPr>
+                      <m:jc m:val="centerGroup"/>
+                    </m:oMathParaPr>
+                    <m:oMath xmlns:m="http://schemas.openxmlformats.org/officeDocument/2006/math">
+                      <m:r>
+                        <a:rPr lang="en-US" sz="2000" b="0" i="1" smtClean="0">
+                          <a:solidFill>
+                            <a:schemeClr val="accent1"/>
+                          </a:solidFill>
+                          <a:latin typeface="Cambria Math" panose="02040503050406030204" pitchFamily="18" charset="0"/>
+                        </a:rPr>
+                        <m:t>+</m:t>
+                      </m:r>
+                      <m:d>
+                        <m:dPr>
+                          <m:ctrlPr>
+                            <a:rPr lang="en-US" sz="2000" b="0" i="1" smtClean="0">
+                              <a:solidFill>
+                                <a:schemeClr val="accent1"/>
+                              </a:solidFill>
+                              <a:latin typeface="Cambria Math" panose="02040503050406030204" pitchFamily="18" charset="0"/>
+                            </a:rPr>
+                          </m:ctrlPr>
+                        </m:dPr>
+                        <m:e>
+                          <m:r>
+                            <a:rPr lang="en-US" sz="2000" b="0" i="1" smtClean="0">
+                              <a:solidFill>
+                                <a:schemeClr val="accent1"/>
+                              </a:solidFill>
+                              <a:latin typeface="Cambria Math" panose="02040503050406030204" pitchFamily="18" charset="0"/>
+                            </a:rPr>
+                            <m:t>.</m:t>
+                          </m:r>
+                          <m:r>
+                            <a:rPr lang="en-US" sz="2000" b="0" i="1" smtClean="0">
+                              <a:solidFill>
+                                <a:schemeClr val="accent1"/>
+                              </a:solidFill>
+                              <a:latin typeface="Cambria Math" panose="02040503050406030204" pitchFamily="18" charset="0"/>
+                            </a:rPr>
+                            <m:t>9</m:t>
+                          </m:r>
+                          <m:r>
+                            <a:rPr lang="en-US" sz="2000" b="0" i="1" smtClean="0">
+                              <a:solidFill>
+                                <a:schemeClr val="accent1"/>
+                              </a:solidFill>
+                              <a:latin typeface="Cambria Math" panose="02040503050406030204" pitchFamily="18" charset="0"/>
+                            </a:rPr>
+                            <m:t> −1</m:t>
+                          </m:r>
+                        </m:e>
+                      </m:d>
+                      <m:r>
+                        <a:rPr lang="en-US" sz="2000" b="0" i="1" smtClean="0">
+                          <a:solidFill>
+                            <a:schemeClr val="accent1"/>
+                          </a:solidFill>
+                          <a:latin typeface="Cambria Math" panose="02040503050406030204" pitchFamily="18" charset="0"/>
+                        </a:rPr>
+                        <m:t>)</m:t>
+                      </m:r>
+                    </m:oMath>
+                  </m:oMathPara>
+                </a14:m>
+                <a:endParaRPr lang="en-US" sz="2000" dirty="0">
+                  <a:solidFill>
+                    <a:schemeClr val="accent1"/>
+                  </a:solidFill>
+                </a:endParaRPr>
+              </a:p>
+            </p:txBody>
+          </p:sp>
+        </mc:Choice>
+        <mc:Fallback>
+          <p:sp>
+            <p:nvSpPr>
+              <p:cNvPr id="8" name="TextBox 7">
+                <a:extLst>
+                  <a:ext uri="{FF2B5EF4-FFF2-40B4-BE49-F238E27FC236}">
+                    <a16:creationId xmlns:a16="http://schemas.microsoft.com/office/drawing/2014/main" id="{D849C8AB-4500-3F45-9D47-F27072F60745}"/>
+                  </a:ext>
+                </a:extLst>
+              </p:cNvPr>
+              <p:cNvSpPr txBox="1">
+                <a:spLocks noRot="1" noChangeAspect="1" noMove="1" noResize="1" noEditPoints="1" noAdjustHandles="1" noChangeArrowheads="1" noChangeShapeType="1" noTextEdit="1"/>
+              </p:cNvSpPr>
+              <p:nvPr/>
+            </p:nvSpPr>
+            <p:spPr>
+              <a:xfrm>
+                <a:off x="10439541" y="4591286"/>
+                <a:ext cx="1720663" cy="707886"/>
+              </a:xfrm>
+              <a:prstGeom prst="rect">
+                <a:avLst/>
+              </a:prstGeom>
+              <a:blipFill>
+                <a:blip r:embed="rId3"/>
+                <a:stretch>
+                  <a:fillRect b="-8772"/>
+                </a:stretch>
+              </a:blipFill>
+            </p:spPr>
+            <p:txBody>
+              <a:bodyPr/>
+              <a:lstStyle/>
+              <a:p>
+                <a:r>
+                  <a:rPr lang="en-US">
+                    <a:noFill/>
+                  </a:rPr>
+                  <a:t> </a:t>
+                </a:r>
+              </a:p>
+            </p:txBody>
+          </p:sp>
+        </mc:Fallback>
+      </mc:AlternateContent>
+      <p:pic>
+        <p:nvPicPr>
+          <p:cNvPr id="9" name="Picture 2" descr="Chihuahua or muffin? My search for the best computer vision API">
+            <a:extLst>
+              <a:ext uri="{FF2B5EF4-FFF2-40B4-BE49-F238E27FC236}">
+                <a16:creationId xmlns:a16="http://schemas.microsoft.com/office/drawing/2014/main" id="{108094D8-E44D-8C41-97CF-83FAADA47458}"/>
+              </a:ext>
+            </a:extLst>
+          </p:cNvPr>
+          <p:cNvPicPr>
+            <a:picLocks noChangeAspect="1" noChangeArrowheads="1"/>
+          </p:cNvPicPr>
+          <p:nvPr/>
+        </p:nvPicPr>
+        <p:blipFill rotWithShape="1">
+          <a:blip r:embed="rId4">
+            <a:extLst>
+              <a:ext uri="{28A0092B-C50C-407E-A947-70E740481C1C}">
+                <a14:useLocalDpi xmlns:a14="http://schemas.microsoft.com/office/drawing/2010/main" val="0"/>
+              </a:ext>
+            </a:extLst>
+          </a:blip>
+          <a:srcRect l="25129" t="24773" r="50147" b="50000"/>
+          <a:stretch/>
+        </p:blipFill>
+        <p:spPr bwMode="auto">
+          <a:xfrm>
+            <a:off x="2011950" y="2406372"/>
+            <a:ext cx="2240186" cy="2297151"/>
+          </a:xfrm>
+          <a:prstGeom prst="rect">
+            <a:avLst/>
+          </a:prstGeom>
+          <a:noFill/>
+          <a:extLst>
+            <a:ext uri="{909E8E84-426E-40DD-AFC4-6F175D3DCCD1}">
+              <a14:hiddenFill xmlns:a14="http://schemas.microsoft.com/office/drawing/2010/main">
+                <a:solidFill>
+                  <a:srgbClr val="FFFFFF"/>
+                </a:solidFill>
+              </a14:hiddenFill>
+            </a:ext>
+          </a:extLst>
+        </p:spPr>
+      </p:pic>
+      <p:sp>
+        <p:nvSpPr>
+          <p:cNvPr id="10" name="TextBox 9">
+            <a:extLst>
+              <a:ext uri="{FF2B5EF4-FFF2-40B4-BE49-F238E27FC236}">
+                <a16:creationId xmlns:a16="http://schemas.microsoft.com/office/drawing/2014/main" id="{F90A90FC-7061-D341-A0D8-AC1D34E60C70}"/>
+              </a:ext>
+            </a:extLst>
+          </p:cNvPr>
+          <p:cNvSpPr txBox="1"/>
+          <p:nvPr/>
+        </p:nvSpPr>
+        <p:spPr>
+          <a:xfrm>
+            <a:off x="9797130" y="3185616"/>
+            <a:ext cx="362600" cy="369332"/>
+          </a:xfrm>
+          <a:prstGeom prst="rect">
+            <a:avLst/>
+          </a:prstGeom>
+          <a:noFill/>
+        </p:spPr>
+        <p:txBody>
+          <a:bodyPr wrap="none" rtlCol="0">
+            <a:spAutoFit/>
+          </a:bodyPr>
+          <a:lstStyle/>
+          <a:p>
+            <a:r>
+              <a:rPr lang="en-US" b="1" dirty="0">
+                <a:solidFill>
+                  <a:schemeClr val="accent1"/>
+                </a:solidFill>
+              </a:rPr>
+              <a:t>.1</a:t>
+            </a:r>
+          </a:p>
+        </p:txBody>
+      </p:sp>
+      <p:sp>
+        <p:nvSpPr>
+          <p:cNvPr id="11" name="TextBox 10">
+            <a:extLst>
+              <a:ext uri="{FF2B5EF4-FFF2-40B4-BE49-F238E27FC236}">
+                <a16:creationId xmlns:a16="http://schemas.microsoft.com/office/drawing/2014/main" id="{76DF6F00-5067-E340-87F1-C0490C29946D}"/>
+              </a:ext>
+            </a:extLst>
+          </p:cNvPr>
+          <p:cNvSpPr txBox="1"/>
+          <p:nvPr/>
+        </p:nvSpPr>
+        <p:spPr>
+          <a:xfrm>
+            <a:off x="9817450" y="3937456"/>
+            <a:ext cx="362600" cy="369332"/>
+          </a:xfrm>
+          <a:prstGeom prst="rect">
+            <a:avLst/>
+          </a:prstGeom>
+          <a:noFill/>
+        </p:spPr>
+        <p:txBody>
+          <a:bodyPr wrap="none" rtlCol="0">
+            <a:spAutoFit/>
+          </a:bodyPr>
+          <a:lstStyle/>
+          <a:p>
+            <a:r>
+              <a:rPr lang="en-US" b="1" dirty="0">
+                <a:solidFill>
+                  <a:schemeClr val="accent1"/>
+                </a:solidFill>
+              </a:rPr>
+              <a:t>.9</a:t>
+            </a:r>
+          </a:p>
+        </p:txBody>
+      </p:sp>
+      <p:sp>
+        <p:nvSpPr>
+          <p:cNvPr id="12" name="Rectangle 11">
+            <a:extLst>
+              <a:ext uri="{FF2B5EF4-FFF2-40B4-BE49-F238E27FC236}">
+                <a16:creationId xmlns:a16="http://schemas.microsoft.com/office/drawing/2014/main" id="{5B9198AF-716A-7943-B9EE-6808D2D415A0}"/>
+              </a:ext>
+            </a:extLst>
+          </p:cNvPr>
+          <p:cNvSpPr/>
+          <p:nvPr/>
+        </p:nvSpPr>
+        <p:spPr>
+          <a:xfrm>
+            <a:off x="7942073" y="4948518"/>
+            <a:ext cx="673787" cy="788894"/>
+          </a:xfrm>
+          <a:prstGeom prst="rect">
+            <a:avLst/>
+          </a:prstGeom>
+          <a:solidFill>
+            <a:schemeClr val="bg1"/>
+          </a:solidFill>
+          <a:ln>
+            <a:noFill/>
+          </a:ln>
+        </p:spPr>
+        <p:style>
+          <a:lnRef idx="2">
+            <a:schemeClr val="accent1">
+              <a:shade val="50000"/>
+            </a:schemeClr>
+          </a:lnRef>
+          <a:fillRef idx="1">
+            <a:schemeClr val="accent1"/>
+          </a:fillRef>
+          <a:effectRef idx="0">
+            <a:schemeClr val="accent1"/>
+          </a:effectRef>
+          <a:fontRef idx="minor">
+            <a:schemeClr val="lt1"/>
+          </a:fontRef>
+        </p:style>
+        <p:txBody>
+          <a:bodyPr rtlCol="0" anchor="ctr"/>
+          <a:lstStyle/>
+          <a:p>
+            <a:pPr algn="ctr"/>
+            <a:endParaRPr lang="en-US"/>
+          </a:p>
+        </p:txBody>
+      </p:sp>
+    </p:spTree>
+    <p:extLst>
+      <p:ext uri="{BB962C8B-B14F-4D97-AF65-F5344CB8AC3E}">
+        <p14:creationId xmlns:p14="http://schemas.microsoft.com/office/powerpoint/2010/main" val="735979347"/>
+      </p:ext>
+    </p:extLst>
+  </p:cSld>
+  <p:clrMapOvr>
+    <a:masterClrMapping/>
+  </p:clrMapOvr>
+</p:sld>
+</file>
+
+<file path=ppt/slides/slide26.xml><?xml version="1.0" encoding="utf-8"?>
+<p:sld xmlns:a="http://schemas.openxmlformats.org/drawingml/2006/main" xmlns:r="http://schemas.openxmlformats.org/officeDocument/2006/relationships" xmlns:p="http://schemas.openxmlformats.org/presentationml/2006/main">
+  <p:cSld>
+    <p:spTree>
+      <p:nvGrpSpPr>
+        <p:cNvPr id="1" name=""/>
+        <p:cNvGrpSpPr/>
+        <p:nvPr/>
+      </p:nvGrpSpPr>
+      <p:grpSpPr>
+        <a:xfrm>
+          <a:off x="0" y="0"/>
+          <a:ext cx="0" cy="0"/>
+          <a:chOff x="0" y="0"/>
+          <a:chExt cx="0" cy="0"/>
+        </a:xfrm>
+      </p:grpSpPr>
+      <p:pic>
+        <p:nvPicPr>
+          <p:cNvPr id="1028" name="Picture 4" descr="a) Architecture of a single layer perceptron. The architecture... |  Download Scientific Diagram">
+            <a:extLst>
+              <a:ext uri="{FF2B5EF4-FFF2-40B4-BE49-F238E27FC236}">
+                <a16:creationId xmlns:a16="http://schemas.microsoft.com/office/drawing/2014/main" id="{697957E0-DF7F-FC4C-811D-80C90F1C4DBB}"/>
+              </a:ext>
+            </a:extLst>
+          </p:cNvPr>
+          <p:cNvPicPr>
+            <a:picLocks noChangeAspect="1" noChangeArrowheads="1"/>
+          </p:cNvPicPr>
+          <p:nvPr/>
+        </p:nvPicPr>
+        <p:blipFill rotWithShape="1">
+          <a:blip r:embed="rId2">
+            <a:extLst>
+              <a:ext uri="{28A0092B-C50C-407E-A947-70E740481C1C}">
+                <a14:useLocalDpi xmlns:a14="http://schemas.microsoft.com/office/drawing/2010/main" val="0"/>
+              </a:ext>
+            </a:extLst>
+          </a:blip>
+          <a:srcRect l="36547"/>
+          <a:stretch/>
+        </p:blipFill>
+        <p:spPr bwMode="auto">
+          <a:xfrm>
+            <a:off x="5535815" y="1332151"/>
+            <a:ext cx="4812516" cy="4193697"/>
+          </a:xfrm>
+          <a:prstGeom prst="rect">
+            <a:avLst/>
+          </a:prstGeom>
+          <a:noFill/>
+          <a:extLst>
+            <a:ext uri="{909E8E84-426E-40DD-AFC4-6F175D3DCCD1}">
+              <a14:hiddenFill xmlns:a14="http://schemas.microsoft.com/office/drawing/2010/main">
+                <a:solidFill>
+                  <a:srgbClr val="FFFFFF"/>
+                </a:solidFill>
+              </a14:hiddenFill>
+            </a:ext>
+          </a:extLst>
+        </p:spPr>
+      </p:pic>
+      <p:sp>
+        <p:nvSpPr>
+          <p:cNvPr id="3" name="TextBox 2">
+            <a:extLst>
+              <a:ext uri="{FF2B5EF4-FFF2-40B4-BE49-F238E27FC236}">
+                <a16:creationId xmlns:a16="http://schemas.microsoft.com/office/drawing/2014/main" id="{D489F746-A7E2-9F4E-B2C0-557071CC0B90}"/>
+              </a:ext>
+            </a:extLst>
+          </p:cNvPr>
+          <p:cNvSpPr txBox="1"/>
+          <p:nvPr/>
+        </p:nvSpPr>
+        <p:spPr>
+          <a:xfrm>
+            <a:off x="872666" y="2644170"/>
+            <a:ext cx="3046347" cy="1569660"/>
+          </a:xfrm>
+          <a:prstGeom prst="rect">
+            <a:avLst/>
+          </a:prstGeom>
+          <a:noFill/>
+        </p:spPr>
+        <p:txBody>
+          <a:bodyPr wrap="none" rtlCol="0">
+            <a:spAutoFit/>
+          </a:bodyPr>
+          <a:lstStyle/>
+          <a:p>
+            <a:pPr algn="ctr"/>
+            <a:r>
+              <a:rPr lang="en-US" sz="4800" dirty="0"/>
+              <a:t>Multi-Layer</a:t>
+            </a:r>
+          </a:p>
+          <a:p>
+            <a:pPr algn="ctr"/>
+            <a:r>
+              <a:rPr lang="en-US" sz="4800" dirty="0"/>
+              <a:t>Perceptron</a:t>
+            </a:r>
+          </a:p>
+        </p:txBody>
+      </p:sp>
+      <p:sp>
+        <p:nvSpPr>
+          <p:cNvPr id="2" name="Rectangle 1">
+            <a:extLst>
+              <a:ext uri="{FF2B5EF4-FFF2-40B4-BE49-F238E27FC236}">
+                <a16:creationId xmlns:a16="http://schemas.microsoft.com/office/drawing/2014/main" id="{548C78C2-9C44-A04D-BA3E-D44E2313E3E0}"/>
+              </a:ext>
+            </a:extLst>
+          </p:cNvPr>
+          <p:cNvSpPr/>
+          <p:nvPr/>
+        </p:nvSpPr>
+        <p:spPr>
+          <a:xfrm>
+            <a:off x="7942073" y="4948518"/>
+            <a:ext cx="673787" cy="788894"/>
+          </a:xfrm>
+          <a:prstGeom prst="rect">
+            <a:avLst/>
+          </a:prstGeom>
+          <a:solidFill>
+            <a:schemeClr val="bg1"/>
+          </a:solidFill>
+          <a:ln>
+            <a:noFill/>
+          </a:ln>
+        </p:spPr>
+        <p:style>
+          <a:lnRef idx="2">
+            <a:schemeClr val="accent1">
+              <a:shade val="50000"/>
+            </a:schemeClr>
+          </a:lnRef>
+          <a:fillRef idx="1">
+            <a:schemeClr val="accent1"/>
+          </a:fillRef>
+          <a:effectRef idx="0">
+            <a:schemeClr val="accent1"/>
+          </a:effectRef>
+          <a:fontRef idx="minor">
+            <a:schemeClr val="lt1"/>
+          </a:fontRef>
+        </p:style>
+        <p:txBody>
+          <a:bodyPr rtlCol="0" anchor="ctr"/>
+          <a:lstStyle/>
+          <a:p>
+            <a:pPr algn="ctr"/>
+            <a:endParaRPr lang="en-US"/>
+          </a:p>
+        </p:txBody>
+      </p:sp>
+      <p:sp>
+        <p:nvSpPr>
+          <p:cNvPr id="7" name="TextBox 6">
+            <a:extLst>
+              <a:ext uri="{FF2B5EF4-FFF2-40B4-BE49-F238E27FC236}">
+                <a16:creationId xmlns:a16="http://schemas.microsoft.com/office/drawing/2014/main" id="{2DA84432-A094-9644-A4DB-EACB2BE1A711}"/>
+              </a:ext>
+            </a:extLst>
+          </p:cNvPr>
+          <p:cNvSpPr txBox="1"/>
+          <p:nvPr/>
+        </p:nvSpPr>
+        <p:spPr>
+          <a:xfrm>
+            <a:off x="7337502" y="579863"/>
+            <a:ext cx="184731" cy="369332"/>
+          </a:xfrm>
+          <a:prstGeom prst="rect">
+            <a:avLst/>
+          </a:prstGeom>
+          <a:noFill/>
+        </p:spPr>
+        <p:txBody>
+          <a:bodyPr wrap="none" rtlCol="0">
+            <a:spAutoFit/>
+          </a:bodyPr>
+          <a:lstStyle/>
+          <a:p>
+            <a:endParaRPr lang="en-US" dirty="0"/>
+          </a:p>
+        </p:txBody>
+      </p:sp>
+    </p:spTree>
+    <p:extLst>
+      <p:ext uri="{BB962C8B-B14F-4D97-AF65-F5344CB8AC3E}">
+        <p14:creationId xmlns:p14="http://schemas.microsoft.com/office/powerpoint/2010/main" val="2039205549"/>
+      </p:ext>
+    </p:extLst>
+  </p:cSld>
+  <p:clrMapOvr>
+    <a:masterClrMapping/>
+  </p:clrMapOvr>
+</p:sld>
+</file>
+
+<file path=ppt/slides/slide27.xml><?xml version="1.0" encoding="utf-8"?>
+<p:sld xmlns:a="http://schemas.openxmlformats.org/drawingml/2006/main" xmlns:r="http://schemas.openxmlformats.org/officeDocument/2006/relationships" xmlns:p="http://schemas.openxmlformats.org/presentationml/2006/main">
+  <p:cSld>
+    <p:spTree>
+      <p:nvGrpSpPr>
+        <p:cNvPr id="1" name=""/>
+        <p:cNvGrpSpPr/>
+        <p:nvPr/>
+      </p:nvGrpSpPr>
+      <p:grpSpPr>
+        <a:xfrm>
+          <a:off x="0" y="0"/>
+          <a:ext cx="0" cy="0"/>
+          <a:chOff x="0" y="0"/>
+          <a:chExt cx="0" cy="0"/>
+        </a:xfrm>
+      </p:grpSpPr>
+      <p:pic>
+        <p:nvPicPr>
+          <p:cNvPr id="9220" name="Picture 4" descr="Deep Learning - Past, Present, and Future">
+            <a:extLst>
+              <a:ext uri="{FF2B5EF4-FFF2-40B4-BE49-F238E27FC236}">
+                <a16:creationId xmlns:a16="http://schemas.microsoft.com/office/drawing/2014/main" id="{27982C94-F007-4246-8001-D3C84EDAAC30}"/>
+              </a:ext>
+            </a:extLst>
+          </p:cNvPr>
+          <p:cNvPicPr>
+            <a:picLocks noChangeAspect="1" noChangeArrowheads="1"/>
+          </p:cNvPicPr>
+          <p:nvPr/>
+        </p:nvPicPr>
         <p:blipFill>
-          <a:blip r:embed="rId2">
+          <a:blip r:embed="rId3">
             <a:extLst>
               <a:ext uri="{28A0092B-C50C-407E-A947-70E740481C1C}">
                 <a14:useLocalDpi xmlns:a14="http://schemas.microsoft.com/office/drawing/2010/main" val="0"/>
@@ -7731,7 +12290,7 @@
 </p:sld>
 </file>
 
-<file path=ppt/slides/slide26.xml><?xml version="1.0" encoding="utf-8"?>
+<file path=ppt/slides/slide28.xml><?xml version="1.0" encoding="utf-8"?>
 <p:sld xmlns:a="http://schemas.openxmlformats.org/drawingml/2006/main" xmlns:r="http://schemas.openxmlformats.org/officeDocument/2006/relationships" xmlns:p="http://schemas.openxmlformats.org/presentationml/2006/main">
   <p:cSld>
     <p:spTree>
@@ -7918,14 +12477,7 @@
           <a:lstStyle/>
           <a:p>
             <a:pPr algn="ctr"/>
-            <a:r>
-              <a:rPr lang="en-US" dirty="0">
-                <a:solidFill>
-                  <a:schemeClr val="tx1"/>
-                </a:solidFill>
-              </a:rPr>
-              <a:t>neuron</a:t>
-            </a:r>
+            <a:endParaRPr lang="en-US"/>
           </a:p>
         </p:txBody>
       </p:sp>
@@ -8095,39 +12647,28 @@
       </p:cxnSp>
       <p:sp>
         <p:nvSpPr>
-          <p:cNvPr id="2" name="Rectangle 1">
-            <a:extLst>
-              <a:ext uri="{FF2B5EF4-FFF2-40B4-BE49-F238E27FC236}">
-                <a16:creationId xmlns:a16="http://schemas.microsoft.com/office/drawing/2014/main" id="{D15B2254-F747-A548-BE01-650C192FE857}"/>
-              </a:ext>
-            </a:extLst>
-          </p:cNvPr>
-          <p:cNvSpPr/>
-          <p:nvPr/>
-        </p:nvSpPr>
-        <p:spPr>
-          <a:xfrm>
-            <a:off x="8063185" y="3498940"/>
-            <a:ext cx="825867" cy="369332"/>
-          </a:xfrm>
-          <a:prstGeom prst="rect">
-            <a:avLst/>
-          </a:prstGeom>
-        </p:spPr>
-        <p:txBody>
-          <a:bodyPr wrap="none">
-            <a:spAutoFit/>
-          </a:bodyPr>
-          <a:lstStyle/>
-          <a:p>
-            <a:pPr algn="ctr"/>
+          <p:cNvPr id="15" name="Title 14">
+            <a:extLst>
+              <a:ext uri="{FF2B5EF4-FFF2-40B4-BE49-F238E27FC236}">
+                <a16:creationId xmlns:a16="http://schemas.microsoft.com/office/drawing/2014/main" id="{98C39C92-7327-1246-B6A3-830569539F3B}"/>
+              </a:ext>
+            </a:extLst>
+          </p:cNvPr>
+          <p:cNvSpPr>
+            <a:spLocks noGrp="1"/>
+          </p:cNvSpPr>
+          <p:nvPr>
+            <p:ph type="title"/>
+          </p:nvPr>
+        </p:nvSpPr>
+        <p:spPr/>
+        <p:txBody>
+          <a:bodyPr/>
+          <a:lstStyle/>
+          <a:p>
             <a:r>
-              <a:rPr lang="en-US" dirty="0">
-                <a:solidFill>
-                  <a:schemeClr val="tx1"/>
-                </a:solidFill>
-              </a:rPr>
-              <a:t>output</a:t>
+              <a:rPr lang="en-US" dirty="0"/>
+              <a:t>An Artificial Neuron, or Perceptron</a:t>
             </a:r>
           </a:p>
         </p:txBody>
@@ -8135,7 +12676,7 @@
     </p:spTree>
     <p:extLst>
       <p:ext uri="{BB962C8B-B14F-4D97-AF65-F5344CB8AC3E}">
-        <p14:creationId xmlns:p14="http://schemas.microsoft.com/office/powerpoint/2010/main" val="4116264194"/>
+        <p14:creationId xmlns:p14="http://schemas.microsoft.com/office/powerpoint/2010/main" val="662444970"/>
       </p:ext>
     </p:extLst>
   </p:cSld>
@@ -8385,10 +12926,10 @@
       </p:cxnSp>
       <p:sp>
         <p:nvSpPr>
-          <p:cNvPr id="8" name="Rectangle 7">
-            <a:extLst>
-              <a:ext uri="{FF2B5EF4-FFF2-40B4-BE49-F238E27FC236}">
-                <a16:creationId xmlns:a16="http://schemas.microsoft.com/office/drawing/2014/main" id="{7A9E53CF-1555-1541-BF22-29341D540798}"/>
+          <p:cNvPr id="2" name="Rectangle 1">
+            <a:extLst>
+              <a:ext uri="{FF2B5EF4-FFF2-40B4-BE49-F238E27FC236}">
+                <a16:creationId xmlns:a16="http://schemas.microsoft.com/office/drawing/2014/main" id="{D15B2254-F747-A548-BE01-650C192FE857}"/>
               </a:ext>
             </a:extLst>
           </p:cNvPr>
@@ -8397,8 +12938,8 @@
         </p:nvSpPr>
         <p:spPr>
           <a:xfrm>
-            <a:off x="1983517" y="1841358"/>
-            <a:ext cx="849913" cy="369332"/>
+            <a:off x="8063185" y="3498940"/>
+            <a:ext cx="825867" cy="369332"/>
           </a:xfrm>
           <a:prstGeom prst="rect">
             <a:avLst/>
@@ -8417,190 +12958,40 @@
                   <a:schemeClr val="tx1"/>
                 </a:solidFill>
               </a:rPr>
-              <a:t>Input 1</a:t>
+              <a:t>output</a:t>
             </a:r>
           </a:p>
         </p:txBody>
       </p:sp>
       <p:sp>
         <p:nvSpPr>
-          <p:cNvPr id="3" name="Rectangle 2">
-            <a:extLst>
-              <a:ext uri="{FF2B5EF4-FFF2-40B4-BE49-F238E27FC236}">
-                <a16:creationId xmlns:a16="http://schemas.microsoft.com/office/drawing/2014/main" id="{4681169E-EF1E-EA4B-8D5E-2EADF1ADD063}"/>
-              </a:ext>
-            </a:extLst>
-          </p:cNvPr>
-          <p:cNvSpPr/>
-          <p:nvPr/>
-        </p:nvSpPr>
-        <p:spPr>
-          <a:xfrm>
-            <a:off x="1691267" y="3244334"/>
-            <a:ext cx="854721" cy="369332"/>
-          </a:xfrm>
-          <a:prstGeom prst="rect">
-            <a:avLst/>
-          </a:prstGeom>
-        </p:spPr>
-        <p:txBody>
-          <a:bodyPr wrap="none">
-            <a:spAutoFit/>
-          </a:bodyPr>
-          <a:lstStyle/>
-          <a:p>
-            <a:pPr algn="ctr"/>
-            <a:r>
-              <a:rPr lang="en-US" dirty="0">
-                <a:solidFill>
-                  <a:schemeClr val="tx1"/>
-                </a:solidFill>
-              </a:rPr>
-              <a:t>Input 2</a:t>
-            </a:r>
-          </a:p>
-        </p:txBody>
-      </p:sp>
-      <p:sp>
-        <p:nvSpPr>
-          <p:cNvPr id="10" name="Rectangle 9">
-            <a:extLst>
-              <a:ext uri="{FF2B5EF4-FFF2-40B4-BE49-F238E27FC236}">
-                <a16:creationId xmlns:a16="http://schemas.microsoft.com/office/drawing/2014/main" id="{CDC3E570-37DB-5340-84C9-CACB7AAA3EE8}"/>
-              </a:ext>
-            </a:extLst>
-          </p:cNvPr>
-          <p:cNvSpPr/>
-          <p:nvPr/>
-        </p:nvSpPr>
-        <p:spPr>
-          <a:xfrm>
-            <a:off x="1985206" y="4831976"/>
-            <a:ext cx="854721" cy="369332"/>
-          </a:xfrm>
-          <a:prstGeom prst="rect">
-            <a:avLst/>
-          </a:prstGeom>
-        </p:spPr>
-        <p:txBody>
-          <a:bodyPr wrap="none">
-            <a:spAutoFit/>
-          </a:bodyPr>
-          <a:lstStyle/>
-          <a:p>
-            <a:pPr algn="ctr"/>
-            <a:r>
-              <a:rPr lang="en-US" dirty="0">
-                <a:solidFill>
-                  <a:schemeClr val="tx1"/>
-                </a:solidFill>
-              </a:rPr>
-              <a:t>Input 3</a:t>
-            </a:r>
-          </a:p>
-        </p:txBody>
-      </p:sp>
-      <p:sp>
-        <p:nvSpPr>
-          <p:cNvPr id="5" name="TextBox 4">
-            <a:extLst>
-              <a:ext uri="{FF2B5EF4-FFF2-40B4-BE49-F238E27FC236}">
-                <a16:creationId xmlns:a16="http://schemas.microsoft.com/office/drawing/2014/main" id="{8F3A3020-609A-944D-8173-0027C04A6FDD}"/>
-              </a:ext>
-            </a:extLst>
-          </p:cNvPr>
-          <p:cNvSpPr txBox="1"/>
-          <p:nvPr/>
-        </p:nvSpPr>
-        <p:spPr>
-          <a:xfrm>
-            <a:off x="4231341" y="2097741"/>
-            <a:ext cx="991618" cy="369332"/>
-          </a:xfrm>
-          <a:prstGeom prst="rect">
-            <a:avLst/>
-          </a:prstGeom>
-          <a:noFill/>
-        </p:spPr>
-        <p:txBody>
-          <a:bodyPr wrap="none" rtlCol="0">
-            <a:spAutoFit/>
-          </a:bodyPr>
+          <p:cNvPr id="12" name="Title 14">
+            <a:extLst>
+              <a:ext uri="{FF2B5EF4-FFF2-40B4-BE49-F238E27FC236}">
+                <a16:creationId xmlns:a16="http://schemas.microsoft.com/office/drawing/2014/main" id="{09C98CDC-5B7C-064E-B63A-47BFC98CB190}"/>
+              </a:ext>
+            </a:extLst>
+          </p:cNvPr>
+          <p:cNvSpPr>
+            <a:spLocks noGrp="1"/>
+          </p:cNvSpPr>
+          <p:nvPr>
+            <p:ph type="title"/>
+          </p:nvPr>
+        </p:nvSpPr>
+        <p:spPr>
+          <a:xfrm>
+            <a:off x="838200" y="365125"/>
+            <a:ext cx="10515600" cy="1325563"/>
+          </a:xfrm>
+        </p:spPr>
+        <p:txBody>
+          <a:bodyPr/>
           <a:lstStyle/>
           <a:p>
             <a:r>
               <a:rPr lang="en-US" dirty="0"/>
-              <a:t>weight 1</a:t>
-            </a:r>
-          </a:p>
-        </p:txBody>
-      </p:sp>
-      <p:sp>
-        <p:nvSpPr>
-          <p:cNvPr id="12" name="TextBox 11">
-            <a:extLst>
-              <a:ext uri="{FF2B5EF4-FFF2-40B4-BE49-F238E27FC236}">
-                <a16:creationId xmlns:a16="http://schemas.microsoft.com/office/drawing/2014/main" id="{68374287-C9B7-6840-9484-94B58854A947}"/>
-              </a:ext>
-            </a:extLst>
-          </p:cNvPr>
-          <p:cNvSpPr txBox="1"/>
-          <p:nvPr/>
-        </p:nvSpPr>
-        <p:spPr>
-          <a:xfrm>
-            <a:off x="3735532" y="2983894"/>
-            <a:ext cx="991618" cy="369332"/>
-          </a:xfrm>
-          <a:prstGeom prst="rect">
-            <a:avLst/>
-          </a:prstGeom>
-          <a:noFill/>
-        </p:spPr>
-        <p:txBody>
-          <a:bodyPr wrap="none" rtlCol="0">
-            <a:spAutoFit/>
-          </a:bodyPr>
-          <a:lstStyle/>
-          <a:p>
-            <a:r>
-              <a:rPr lang="en-US" dirty="0"/>
-              <a:t>weight 2</a:t>
-            </a:r>
-          </a:p>
-        </p:txBody>
-      </p:sp>
-      <p:sp>
-        <p:nvSpPr>
-          <p:cNvPr id="13" name="TextBox 12">
-            <a:extLst>
-              <a:ext uri="{FF2B5EF4-FFF2-40B4-BE49-F238E27FC236}">
-                <a16:creationId xmlns:a16="http://schemas.microsoft.com/office/drawing/2014/main" id="{ECD4DCDB-C429-A645-925E-D2579A889FD2}"/>
-              </a:ext>
-            </a:extLst>
-          </p:cNvPr>
-          <p:cNvSpPr txBox="1"/>
-          <p:nvPr/>
-        </p:nvSpPr>
-        <p:spPr>
-          <a:xfrm>
-            <a:off x="4306094" y="4304205"/>
-            <a:ext cx="991618" cy="369332"/>
-          </a:xfrm>
-          <a:prstGeom prst="rect">
-            <a:avLst/>
-          </a:prstGeom>
-          <a:noFill/>
-        </p:spPr>
-        <p:txBody>
-          <a:bodyPr wrap="none" rtlCol="0">
-            <a:spAutoFit/>
-          </a:bodyPr>
-          <a:lstStyle/>
-          <a:p>
-            <a:r>
-              <a:rPr lang="en-US" dirty="0"/>
-              <a:t>weight 3</a:t>
+              <a:t>An Artificial Neuron, or Perceptron</a:t>
             </a:r>
           </a:p>
         </p:txBody>
@@ -8608,7 +12999,7 @@
     </p:spTree>
     <p:extLst>
       <p:ext uri="{BB962C8B-B14F-4D97-AF65-F5344CB8AC3E}">
-        <p14:creationId xmlns:p14="http://schemas.microsoft.com/office/powerpoint/2010/main" val="3115955699"/>
+        <p14:creationId xmlns:p14="http://schemas.microsoft.com/office/powerpoint/2010/main" val="4116264194"/>
       </p:ext>
     </p:extLst>
   </p:cSld>
@@ -8682,12 +13073,12 @@
           <a:p>
             <a:pPr algn="ctr"/>
             <a:r>
-              <a:rPr lang="en-US" sz="6000" b="1" dirty="0">
+              <a:rPr lang="en-US" dirty="0">
                 <a:solidFill>
                   <a:schemeClr val="tx1"/>
                 </a:solidFill>
               </a:rPr>
-              <a:t>∑</a:t>
+              <a:t>neuron</a:t>
             </a:r>
           </a:p>
         </p:txBody>
@@ -9074,6 +13465,545 @@
             <a:r>
               <a:rPr lang="en-US" dirty="0"/>
               <a:t>weight 3</a:t>
+            </a:r>
+          </a:p>
+        </p:txBody>
+      </p:sp>
+      <p:sp>
+        <p:nvSpPr>
+          <p:cNvPr id="14" name="Title 14">
+            <a:extLst>
+              <a:ext uri="{FF2B5EF4-FFF2-40B4-BE49-F238E27FC236}">
+                <a16:creationId xmlns:a16="http://schemas.microsoft.com/office/drawing/2014/main" id="{99573D19-848D-B54F-A8CC-D6AA312ABB63}"/>
+              </a:ext>
+            </a:extLst>
+          </p:cNvPr>
+          <p:cNvSpPr>
+            <a:spLocks noGrp="1"/>
+          </p:cNvSpPr>
+          <p:nvPr>
+            <p:ph type="title"/>
+          </p:nvPr>
+        </p:nvSpPr>
+        <p:spPr>
+          <a:xfrm>
+            <a:off x="838200" y="365125"/>
+            <a:ext cx="10515600" cy="1325563"/>
+          </a:xfrm>
+        </p:spPr>
+        <p:txBody>
+          <a:bodyPr/>
+          <a:lstStyle/>
+          <a:p>
+            <a:r>
+              <a:rPr lang="en-US" dirty="0"/>
+              <a:t>An Artificial Neuron, or Perceptron</a:t>
+            </a:r>
+          </a:p>
+        </p:txBody>
+      </p:sp>
+    </p:spTree>
+    <p:extLst>
+      <p:ext uri="{BB962C8B-B14F-4D97-AF65-F5344CB8AC3E}">
+        <p14:creationId xmlns:p14="http://schemas.microsoft.com/office/powerpoint/2010/main" val="3115955699"/>
+      </p:ext>
+    </p:extLst>
+  </p:cSld>
+  <p:clrMapOvr>
+    <a:masterClrMapping/>
+  </p:clrMapOvr>
+</p:sld>
+</file>
+
+<file path=ppt/slides/slide6.xml><?xml version="1.0" encoding="utf-8"?>
+<p:sld xmlns:a="http://schemas.openxmlformats.org/drawingml/2006/main" xmlns:r="http://schemas.openxmlformats.org/officeDocument/2006/relationships" xmlns:p="http://schemas.openxmlformats.org/presentationml/2006/main">
+  <p:cSld>
+    <p:spTree>
+      <p:nvGrpSpPr>
+        <p:cNvPr id="1" name=""/>
+        <p:cNvGrpSpPr/>
+        <p:nvPr/>
+      </p:nvGrpSpPr>
+      <p:grpSpPr>
+        <a:xfrm>
+          <a:off x="0" y="0"/>
+          <a:ext cx="0" cy="0"/>
+          <a:chOff x="0" y="0"/>
+          <a:chExt cx="0" cy="0"/>
+        </a:xfrm>
+      </p:grpSpPr>
+      <p:sp>
+        <p:nvSpPr>
+          <p:cNvPr id="4" name="Oval 3">
+            <a:extLst>
+              <a:ext uri="{FF2B5EF4-FFF2-40B4-BE49-F238E27FC236}">
+                <a16:creationId xmlns:a16="http://schemas.microsoft.com/office/drawing/2014/main" id="{1482DB33-D632-9B4C-B227-425176913BB0}"/>
+              </a:ext>
+            </a:extLst>
+          </p:cNvPr>
+          <p:cNvSpPr/>
+          <p:nvPr/>
+        </p:nvSpPr>
+        <p:spPr>
+          <a:xfrm>
+            <a:off x="5602936" y="2765612"/>
+            <a:ext cx="1380565" cy="1326776"/>
+          </a:xfrm>
+          <a:prstGeom prst="ellipse">
+            <a:avLst/>
+          </a:prstGeom>
+          <a:solidFill>
+            <a:schemeClr val="bg1"/>
+          </a:solidFill>
+          <a:ln w="111125"/>
+        </p:spPr>
+        <p:style>
+          <a:lnRef idx="2">
+            <a:schemeClr val="accent1">
+              <a:shade val="50000"/>
+            </a:schemeClr>
+          </a:lnRef>
+          <a:fillRef idx="1">
+            <a:schemeClr val="accent1"/>
+          </a:fillRef>
+          <a:effectRef idx="0">
+            <a:schemeClr val="accent1"/>
+          </a:effectRef>
+          <a:fontRef idx="minor">
+            <a:schemeClr val="lt1"/>
+          </a:fontRef>
+        </p:style>
+        <p:txBody>
+          <a:bodyPr rtlCol="0" anchor="ctr"/>
+          <a:lstStyle/>
+          <a:p>
+            <a:pPr algn="ctr"/>
+            <a:r>
+              <a:rPr lang="en-US" sz="6000" b="1" dirty="0">
+                <a:solidFill>
+                  <a:schemeClr val="tx1"/>
+                </a:solidFill>
+              </a:rPr>
+              <a:t>∑</a:t>
+            </a:r>
+          </a:p>
+        </p:txBody>
+      </p:sp>
+      <p:cxnSp>
+        <p:nvCxnSpPr>
+          <p:cNvPr id="6" name="Straight Arrow Connector 5">
+            <a:extLst>
+              <a:ext uri="{FF2B5EF4-FFF2-40B4-BE49-F238E27FC236}">
+                <a16:creationId xmlns:a16="http://schemas.microsoft.com/office/drawing/2014/main" id="{C4495401-4D1E-E341-B38F-42CAB14D46F9}"/>
+              </a:ext>
+            </a:extLst>
+          </p:cNvPr>
+          <p:cNvCxnSpPr>
+            <a:cxnSpLocks/>
+          </p:cNvCxnSpPr>
+          <p:nvPr/>
+        </p:nvCxnSpPr>
+        <p:spPr>
+          <a:xfrm>
+            <a:off x="7306223" y="3429000"/>
+            <a:ext cx="2339789" cy="0"/>
+          </a:xfrm>
+          <a:prstGeom prst="straightConnector1">
+            <a:avLst/>
+          </a:prstGeom>
+          <a:ln w="127000">
+            <a:tailEnd type="triangle"/>
+          </a:ln>
+        </p:spPr>
+        <p:style>
+          <a:lnRef idx="1">
+            <a:schemeClr val="accent1"/>
+          </a:lnRef>
+          <a:fillRef idx="0">
+            <a:schemeClr val="accent1"/>
+          </a:fillRef>
+          <a:effectRef idx="0">
+            <a:schemeClr val="accent1"/>
+          </a:effectRef>
+          <a:fontRef idx="minor">
+            <a:schemeClr val="tx1"/>
+          </a:fontRef>
+        </p:style>
+      </p:cxnSp>
+      <p:cxnSp>
+        <p:nvCxnSpPr>
+          <p:cNvPr id="7" name="Straight Arrow Connector 6">
+            <a:extLst>
+              <a:ext uri="{FF2B5EF4-FFF2-40B4-BE49-F238E27FC236}">
+                <a16:creationId xmlns:a16="http://schemas.microsoft.com/office/drawing/2014/main" id="{54782A1D-015F-2741-AD46-4477C775D70F}"/>
+              </a:ext>
+            </a:extLst>
+          </p:cNvPr>
+          <p:cNvCxnSpPr>
+            <a:cxnSpLocks/>
+          </p:cNvCxnSpPr>
+          <p:nvPr/>
+        </p:nvCxnSpPr>
+        <p:spPr>
+          <a:xfrm>
+            <a:off x="3047999" y="2026024"/>
+            <a:ext cx="2541968" cy="933890"/>
+          </a:xfrm>
+          <a:prstGeom prst="straightConnector1">
+            <a:avLst/>
+          </a:prstGeom>
+          <a:ln w="127000">
+            <a:tailEnd type="triangle"/>
+          </a:ln>
+        </p:spPr>
+        <p:style>
+          <a:lnRef idx="1">
+            <a:schemeClr val="accent1"/>
+          </a:lnRef>
+          <a:fillRef idx="0">
+            <a:schemeClr val="accent1"/>
+          </a:fillRef>
+          <a:effectRef idx="0">
+            <a:schemeClr val="accent1"/>
+          </a:effectRef>
+          <a:fontRef idx="minor">
+            <a:schemeClr val="tx1"/>
+          </a:fontRef>
+        </p:style>
+      </p:cxnSp>
+      <p:cxnSp>
+        <p:nvCxnSpPr>
+          <p:cNvPr id="9" name="Straight Arrow Connector 8">
+            <a:extLst>
+              <a:ext uri="{FF2B5EF4-FFF2-40B4-BE49-F238E27FC236}">
+                <a16:creationId xmlns:a16="http://schemas.microsoft.com/office/drawing/2014/main" id="{444BF683-5D9C-654A-A5DD-2C93006DC73F}"/>
+              </a:ext>
+            </a:extLst>
+          </p:cNvPr>
+          <p:cNvCxnSpPr>
+            <a:cxnSpLocks/>
+          </p:cNvCxnSpPr>
+          <p:nvPr/>
+        </p:nvCxnSpPr>
+        <p:spPr>
+          <a:xfrm>
+            <a:off x="2821407" y="3429000"/>
+            <a:ext cx="2643057" cy="0"/>
+          </a:xfrm>
+          <a:prstGeom prst="straightConnector1">
+            <a:avLst/>
+          </a:prstGeom>
+          <a:ln w="127000">
+            <a:tailEnd type="triangle"/>
+          </a:ln>
+        </p:spPr>
+        <p:style>
+          <a:lnRef idx="1">
+            <a:schemeClr val="accent1"/>
+          </a:lnRef>
+          <a:fillRef idx="0">
+            <a:schemeClr val="accent1"/>
+          </a:fillRef>
+          <a:effectRef idx="0">
+            <a:schemeClr val="accent1"/>
+          </a:effectRef>
+          <a:fontRef idx="minor">
+            <a:schemeClr val="tx1"/>
+          </a:fontRef>
+        </p:style>
+      </p:cxnSp>
+      <p:cxnSp>
+        <p:nvCxnSpPr>
+          <p:cNvPr id="11" name="Straight Arrow Connector 10">
+            <a:extLst>
+              <a:ext uri="{FF2B5EF4-FFF2-40B4-BE49-F238E27FC236}">
+                <a16:creationId xmlns:a16="http://schemas.microsoft.com/office/drawing/2014/main" id="{18058F99-C1D7-7544-9200-B97AB3C32546}"/>
+              </a:ext>
+            </a:extLst>
+          </p:cNvPr>
+          <p:cNvCxnSpPr>
+            <a:cxnSpLocks/>
+          </p:cNvCxnSpPr>
+          <p:nvPr/>
+        </p:nvCxnSpPr>
+        <p:spPr>
+          <a:xfrm flipV="1">
+            <a:off x="3065928" y="3868272"/>
+            <a:ext cx="2592512" cy="963704"/>
+          </a:xfrm>
+          <a:prstGeom prst="straightConnector1">
+            <a:avLst/>
+          </a:prstGeom>
+          <a:ln w="127000">
+            <a:tailEnd type="triangle"/>
+          </a:ln>
+        </p:spPr>
+        <p:style>
+          <a:lnRef idx="1">
+            <a:schemeClr val="accent1"/>
+          </a:lnRef>
+          <a:fillRef idx="0">
+            <a:schemeClr val="accent1"/>
+          </a:fillRef>
+          <a:effectRef idx="0">
+            <a:schemeClr val="accent1"/>
+          </a:effectRef>
+          <a:fontRef idx="minor">
+            <a:schemeClr val="tx1"/>
+          </a:fontRef>
+        </p:style>
+      </p:cxnSp>
+      <p:sp>
+        <p:nvSpPr>
+          <p:cNvPr id="8" name="Rectangle 7">
+            <a:extLst>
+              <a:ext uri="{FF2B5EF4-FFF2-40B4-BE49-F238E27FC236}">
+                <a16:creationId xmlns:a16="http://schemas.microsoft.com/office/drawing/2014/main" id="{7A9E53CF-1555-1541-BF22-29341D540798}"/>
+              </a:ext>
+            </a:extLst>
+          </p:cNvPr>
+          <p:cNvSpPr/>
+          <p:nvPr/>
+        </p:nvSpPr>
+        <p:spPr>
+          <a:xfrm>
+            <a:off x="1983517" y="1841358"/>
+            <a:ext cx="849913" cy="369332"/>
+          </a:xfrm>
+          <a:prstGeom prst="rect">
+            <a:avLst/>
+          </a:prstGeom>
+        </p:spPr>
+        <p:txBody>
+          <a:bodyPr wrap="none">
+            <a:spAutoFit/>
+          </a:bodyPr>
+          <a:lstStyle/>
+          <a:p>
+            <a:pPr algn="ctr"/>
+            <a:r>
+              <a:rPr lang="en-US" dirty="0">
+                <a:solidFill>
+                  <a:schemeClr val="tx1"/>
+                </a:solidFill>
+              </a:rPr>
+              <a:t>Input 1</a:t>
+            </a:r>
+          </a:p>
+        </p:txBody>
+      </p:sp>
+      <p:sp>
+        <p:nvSpPr>
+          <p:cNvPr id="3" name="Rectangle 2">
+            <a:extLst>
+              <a:ext uri="{FF2B5EF4-FFF2-40B4-BE49-F238E27FC236}">
+                <a16:creationId xmlns:a16="http://schemas.microsoft.com/office/drawing/2014/main" id="{4681169E-EF1E-EA4B-8D5E-2EADF1ADD063}"/>
+              </a:ext>
+            </a:extLst>
+          </p:cNvPr>
+          <p:cNvSpPr/>
+          <p:nvPr/>
+        </p:nvSpPr>
+        <p:spPr>
+          <a:xfrm>
+            <a:off x="1691267" y="3244334"/>
+            <a:ext cx="854721" cy="369332"/>
+          </a:xfrm>
+          <a:prstGeom prst="rect">
+            <a:avLst/>
+          </a:prstGeom>
+        </p:spPr>
+        <p:txBody>
+          <a:bodyPr wrap="none">
+            <a:spAutoFit/>
+          </a:bodyPr>
+          <a:lstStyle/>
+          <a:p>
+            <a:pPr algn="ctr"/>
+            <a:r>
+              <a:rPr lang="en-US" dirty="0">
+                <a:solidFill>
+                  <a:schemeClr val="tx1"/>
+                </a:solidFill>
+              </a:rPr>
+              <a:t>Input 2</a:t>
+            </a:r>
+          </a:p>
+        </p:txBody>
+      </p:sp>
+      <p:sp>
+        <p:nvSpPr>
+          <p:cNvPr id="10" name="Rectangle 9">
+            <a:extLst>
+              <a:ext uri="{FF2B5EF4-FFF2-40B4-BE49-F238E27FC236}">
+                <a16:creationId xmlns:a16="http://schemas.microsoft.com/office/drawing/2014/main" id="{CDC3E570-37DB-5340-84C9-CACB7AAA3EE8}"/>
+              </a:ext>
+            </a:extLst>
+          </p:cNvPr>
+          <p:cNvSpPr/>
+          <p:nvPr/>
+        </p:nvSpPr>
+        <p:spPr>
+          <a:xfrm>
+            <a:off x="1985206" y="4831976"/>
+            <a:ext cx="854721" cy="369332"/>
+          </a:xfrm>
+          <a:prstGeom prst="rect">
+            <a:avLst/>
+          </a:prstGeom>
+        </p:spPr>
+        <p:txBody>
+          <a:bodyPr wrap="none">
+            <a:spAutoFit/>
+          </a:bodyPr>
+          <a:lstStyle/>
+          <a:p>
+            <a:pPr algn="ctr"/>
+            <a:r>
+              <a:rPr lang="en-US" dirty="0">
+                <a:solidFill>
+                  <a:schemeClr val="tx1"/>
+                </a:solidFill>
+              </a:rPr>
+              <a:t>Input 3</a:t>
+            </a:r>
+          </a:p>
+        </p:txBody>
+      </p:sp>
+      <p:sp>
+        <p:nvSpPr>
+          <p:cNvPr id="5" name="TextBox 4">
+            <a:extLst>
+              <a:ext uri="{FF2B5EF4-FFF2-40B4-BE49-F238E27FC236}">
+                <a16:creationId xmlns:a16="http://schemas.microsoft.com/office/drawing/2014/main" id="{8F3A3020-609A-944D-8173-0027C04A6FDD}"/>
+              </a:ext>
+            </a:extLst>
+          </p:cNvPr>
+          <p:cNvSpPr txBox="1"/>
+          <p:nvPr/>
+        </p:nvSpPr>
+        <p:spPr>
+          <a:xfrm>
+            <a:off x="4231341" y="2097741"/>
+            <a:ext cx="991618" cy="369332"/>
+          </a:xfrm>
+          <a:prstGeom prst="rect">
+            <a:avLst/>
+          </a:prstGeom>
+          <a:noFill/>
+        </p:spPr>
+        <p:txBody>
+          <a:bodyPr wrap="none" rtlCol="0">
+            <a:spAutoFit/>
+          </a:bodyPr>
+          <a:lstStyle/>
+          <a:p>
+            <a:r>
+              <a:rPr lang="en-US" dirty="0"/>
+              <a:t>weight 1</a:t>
+            </a:r>
+          </a:p>
+        </p:txBody>
+      </p:sp>
+      <p:sp>
+        <p:nvSpPr>
+          <p:cNvPr id="12" name="TextBox 11">
+            <a:extLst>
+              <a:ext uri="{FF2B5EF4-FFF2-40B4-BE49-F238E27FC236}">
+                <a16:creationId xmlns:a16="http://schemas.microsoft.com/office/drawing/2014/main" id="{68374287-C9B7-6840-9484-94B58854A947}"/>
+              </a:ext>
+            </a:extLst>
+          </p:cNvPr>
+          <p:cNvSpPr txBox="1"/>
+          <p:nvPr/>
+        </p:nvSpPr>
+        <p:spPr>
+          <a:xfrm>
+            <a:off x="3735532" y="2983894"/>
+            <a:ext cx="991618" cy="369332"/>
+          </a:xfrm>
+          <a:prstGeom prst="rect">
+            <a:avLst/>
+          </a:prstGeom>
+          <a:noFill/>
+        </p:spPr>
+        <p:txBody>
+          <a:bodyPr wrap="none" rtlCol="0">
+            <a:spAutoFit/>
+          </a:bodyPr>
+          <a:lstStyle/>
+          <a:p>
+            <a:r>
+              <a:rPr lang="en-US" dirty="0"/>
+              <a:t>weight 2</a:t>
+            </a:r>
+          </a:p>
+        </p:txBody>
+      </p:sp>
+      <p:sp>
+        <p:nvSpPr>
+          <p:cNvPr id="13" name="TextBox 12">
+            <a:extLst>
+              <a:ext uri="{FF2B5EF4-FFF2-40B4-BE49-F238E27FC236}">
+                <a16:creationId xmlns:a16="http://schemas.microsoft.com/office/drawing/2014/main" id="{ECD4DCDB-C429-A645-925E-D2579A889FD2}"/>
+              </a:ext>
+            </a:extLst>
+          </p:cNvPr>
+          <p:cNvSpPr txBox="1"/>
+          <p:nvPr/>
+        </p:nvSpPr>
+        <p:spPr>
+          <a:xfrm>
+            <a:off x="4306094" y="4304205"/>
+            <a:ext cx="991618" cy="369332"/>
+          </a:xfrm>
+          <a:prstGeom prst="rect">
+            <a:avLst/>
+          </a:prstGeom>
+          <a:noFill/>
+        </p:spPr>
+        <p:txBody>
+          <a:bodyPr wrap="none" rtlCol="0">
+            <a:spAutoFit/>
+          </a:bodyPr>
+          <a:lstStyle/>
+          <a:p>
+            <a:r>
+              <a:rPr lang="en-US" dirty="0"/>
+              <a:t>weight 3</a:t>
+            </a:r>
+          </a:p>
+        </p:txBody>
+      </p:sp>
+      <p:sp>
+        <p:nvSpPr>
+          <p:cNvPr id="15" name="Title 14">
+            <a:extLst>
+              <a:ext uri="{FF2B5EF4-FFF2-40B4-BE49-F238E27FC236}">
+                <a16:creationId xmlns:a16="http://schemas.microsoft.com/office/drawing/2014/main" id="{92B6F0AE-3784-F84F-914C-6332B3D18D0F}"/>
+              </a:ext>
+            </a:extLst>
+          </p:cNvPr>
+          <p:cNvSpPr>
+            <a:spLocks noGrp="1"/>
+          </p:cNvSpPr>
+          <p:nvPr>
+            <p:ph type="title"/>
+          </p:nvPr>
+        </p:nvSpPr>
+        <p:spPr>
+          <a:xfrm>
+            <a:off x="838200" y="365125"/>
+            <a:ext cx="10515600" cy="1325563"/>
+          </a:xfrm>
+        </p:spPr>
+        <p:txBody>
+          <a:bodyPr/>
+          <a:lstStyle/>
+          <a:p>
+            <a:r>
+              <a:rPr lang="en-US" dirty="0"/>
+              <a:t>An Artificial Neuron, or Perceptron</a:t>
             </a:r>
           </a:p>
         </p:txBody>
@@ -9091,7 +14021,7 @@
 </p:sld>
 </file>
 
-<file path=ppt/slides/slide6.xml><?xml version="1.0" encoding="utf-8"?>
+<file path=ppt/slides/slide7.xml><?xml version="1.0" encoding="utf-8"?>
 <p:sld xmlns:a="http://schemas.openxmlformats.org/drawingml/2006/main" xmlns:r="http://schemas.openxmlformats.org/officeDocument/2006/relationships" xmlns:p="http://schemas.openxmlformats.org/presentationml/2006/main">
   <p:cSld>
     <p:spTree>
@@ -9766,682 +14696,6 @@
 </p:sld>
 </file>
 
-<file path=ppt/slides/slide7.xml><?xml version="1.0" encoding="utf-8"?>
-<p:sld xmlns:a="http://schemas.openxmlformats.org/drawingml/2006/main" xmlns:r="http://schemas.openxmlformats.org/officeDocument/2006/relationships" xmlns:p="http://schemas.openxmlformats.org/presentationml/2006/main">
-  <p:cSld>
-    <p:spTree>
-      <p:nvGrpSpPr>
-        <p:cNvPr id="1" name=""/>
-        <p:cNvGrpSpPr/>
-        <p:nvPr/>
-      </p:nvGrpSpPr>
-      <p:grpSpPr>
-        <a:xfrm>
-          <a:off x="0" y="0"/>
-          <a:ext cx="0" cy="0"/>
-          <a:chOff x="0" y="0"/>
-          <a:chExt cx="0" cy="0"/>
-        </a:xfrm>
-      </p:grpSpPr>
-      <p:sp>
-        <p:nvSpPr>
-          <p:cNvPr id="4" name="Oval 3">
-            <a:extLst>
-              <a:ext uri="{FF2B5EF4-FFF2-40B4-BE49-F238E27FC236}">
-                <a16:creationId xmlns:a16="http://schemas.microsoft.com/office/drawing/2014/main" id="{1482DB33-D632-9B4C-B227-425176913BB0}"/>
-              </a:ext>
-            </a:extLst>
-          </p:cNvPr>
-          <p:cNvSpPr/>
-          <p:nvPr/>
-        </p:nvSpPr>
-        <p:spPr>
-          <a:xfrm>
-            <a:off x="5602936" y="2765612"/>
-            <a:ext cx="1380565" cy="1326776"/>
-          </a:xfrm>
-          <a:prstGeom prst="ellipse">
-            <a:avLst/>
-          </a:prstGeom>
-          <a:solidFill>
-            <a:schemeClr val="bg1"/>
-          </a:solidFill>
-          <a:ln w="111125"/>
-        </p:spPr>
-        <p:style>
-          <a:lnRef idx="2">
-            <a:schemeClr val="accent1">
-              <a:shade val="50000"/>
-            </a:schemeClr>
-          </a:lnRef>
-          <a:fillRef idx="1">
-            <a:schemeClr val="accent1"/>
-          </a:fillRef>
-          <a:effectRef idx="0">
-            <a:schemeClr val="accent1"/>
-          </a:effectRef>
-          <a:fontRef idx="minor">
-            <a:schemeClr val="lt1"/>
-          </a:fontRef>
-        </p:style>
-        <p:txBody>
-          <a:bodyPr rtlCol="0" anchor="ctr"/>
-          <a:lstStyle/>
-          <a:p>
-            <a:pPr algn="ctr"/>
-            <a:r>
-              <a:rPr lang="en-US" sz="6000" b="1" dirty="0">
-                <a:solidFill>
-                  <a:schemeClr val="tx1"/>
-                </a:solidFill>
-              </a:rPr>
-              <a:t>∑</a:t>
-            </a:r>
-          </a:p>
-        </p:txBody>
-      </p:sp>
-      <p:cxnSp>
-        <p:nvCxnSpPr>
-          <p:cNvPr id="6" name="Straight Arrow Connector 5">
-            <a:extLst>
-              <a:ext uri="{FF2B5EF4-FFF2-40B4-BE49-F238E27FC236}">
-                <a16:creationId xmlns:a16="http://schemas.microsoft.com/office/drawing/2014/main" id="{C4495401-4D1E-E341-B38F-42CAB14D46F9}"/>
-              </a:ext>
-            </a:extLst>
-          </p:cNvPr>
-          <p:cNvCxnSpPr>
-            <a:cxnSpLocks/>
-          </p:cNvCxnSpPr>
-          <p:nvPr/>
-        </p:nvCxnSpPr>
-        <p:spPr>
-          <a:xfrm>
-            <a:off x="7306223" y="3429000"/>
-            <a:ext cx="2339789" cy="0"/>
-          </a:xfrm>
-          <a:prstGeom prst="straightConnector1">
-            <a:avLst/>
-          </a:prstGeom>
-          <a:ln w="127000">
-            <a:tailEnd type="triangle"/>
-          </a:ln>
-        </p:spPr>
-        <p:style>
-          <a:lnRef idx="1">
-            <a:schemeClr val="accent1"/>
-          </a:lnRef>
-          <a:fillRef idx="0">
-            <a:schemeClr val="accent1"/>
-          </a:fillRef>
-          <a:effectRef idx="0">
-            <a:schemeClr val="accent1"/>
-          </a:effectRef>
-          <a:fontRef idx="minor">
-            <a:schemeClr val="tx1"/>
-          </a:fontRef>
-        </p:style>
-      </p:cxnSp>
-      <p:cxnSp>
-        <p:nvCxnSpPr>
-          <p:cNvPr id="7" name="Straight Arrow Connector 6">
-            <a:extLst>
-              <a:ext uri="{FF2B5EF4-FFF2-40B4-BE49-F238E27FC236}">
-                <a16:creationId xmlns:a16="http://schemas.microsoft.com/office/drawing/2014/main" id="{54782A1D-015F-2741-AD46-4477C775D70F}"/>
-              </a:ext>
-            </a:extLst>
-          </p:cNvPr>
-          <p:cNvCxnSpPr>
-            <a:cxnSpLocks/>
-          </p:cNvCxnSpPr>
-          <p:nvPr/>
-        </p:nvCxnSpPr>
-        <p:spPr>
-          <a:xfrm>
-            <a:off x="3047999" y="2026024"/>
-            <a:ext cx="2541968" cy="933890"/>
-          </a:xfrm>
-          <a:prstGeom prst="straightConnector1">
-            <a:avLst/>
-          </a:prstGeom>
-          <a:ln w="127000">
-            <a:tailEnd type="triangle"/>
-          </a:ln>
-        </p:spPr>
-        <p:style>
-          <a:lnRef idx="1">
-            <a:schemeClr val="accent1"/>
-          </a:lnRef>
-          <a:fillRef idx="0">
-            <a:schemeClr val="accent1"/>
-          </a:fillRef>
-          <a:effectRef idx="0">
-            <a:schemeClr val="accent1"/>
-          </a:effectRef>
-          <a:fontRef idx="minor">
-            <a:schemeClr val="tx1"/>
-          </a:fontRef>
-        </p:style>
-      </p:cxnSp>
-      <p:cxnSp>
-        <p:nvCxnSpPr>
-          <p:cNvPr id="9" name="Straight Arrow Connector 8">
-            <a:extLst>
-              <a:ext uri="{FF2B5EF4-FFF2-40B4-BE49-F238E27FC236}">
-                <a16:creationId xmlns:a16="http://schemas.microsoft.com/office/drawing/2014/main" id="{444BF683-5D9C-654A-A5DD-2C93006DC73F}"/>
-              </a:ext>
-            </a:extLst>
-          </p:cNvPr>
-          <p:cNvCxnSpPr>
-            <a:cxnSpLocks/>
-          </p:cNvCxnSpPr>
-          <p:nvPr/>
-        </p:nvCxnSpPr>
-        <p:spPr>
-          <a:xfrm>
-            <a:off x="2821407" y="3429000"/>
-            <a:ext cx="2643057" cy="0"/>
-          </a:xfrm>
-          <a:prstGeom prst="straightConnector1">
-            <a:avLst/>
-          </a:prstGeom>
-          <a:ln w="127000">
-            <a:tailEnd type="triangle"/>
-          </a:ln>
-        </p:spPr>
-        <p:style>
-          <a:lnRef idx="1">
-            <a:schemeClr val="accent1"/>
-          </a:lnRef>
-          <a:fillRef idx="0">
-            <a:schemeClr val="accent1"/>
-          </a:fillRef>
-          <a:effectRef idx="0">
-            <a:schemeClr val="accent1"/>
-          </a:effectRef>
-          <a:fontRef idx="minor">
-            <a:schemeClr val="tx1"/>
-          </a:fontRef>
-        </p:style>
-      </p:cxnSp>
-      <p:cxnSp>
-        <p:nvCxnSpPr>
-          <p:cNvPr id="11" name="Straight Arrow Connector 10">
-            <a:extLst>
-              <a:ext uri="{FF2B5EF4-FFF2-40B4-BE49-F238E27FC236}">
-                <a16:creationId xmlns:a16="http://schemas.microsoft.com/office/drawing/2014/main" id="{18058F99-C1D7-7544-9200-B97AB3C32546}"/>
-              </a:ext>
-            </a:extLst>
-          </p:cNvPr>
-          <p:cNvCxnSpPr>
-            <a:cxnSpLocks/>
-          </p:cNvCxnSpPr>
-          <p:nvPr/>
-        </p:nvCxnSpPr>
-        <p:spPr>
-          <a:xfrm flipV="1">
-            <a:off x="3065928" y="3868272"/>
-            <a:ext cx="2592512" cy="963704"/>
-          </a:xfrm>
-          <a:prstGeom prst="straightConnector1">
-            <a:avLst/>
-          </a:prstGeom>
-          <a:ln w="127000">
-            <a:tailEnd type="triangle"/>
-          </a:ln>
-        </p:spPr>
-        <p:style>
-          <a:lnRef idx="1">
-            <a:schemeClr val="accent1"/>
-          </a:lnRef>
-          <a:fillRef idx="0">
-            <a:schemeClr val="accent1"/>
-          </a:fillRef>
-          <a:effectRef idx="0">
-            <a:schemeClr val="accent1"/>
-          </a:effectRef>
-          <a:fontRef idx="minor">
-            <a:schemeClr val="tx1"/>
-          </a:fontRef>
-        </p:style>
-      </p:cxnSp>
-      <p:sp>
-        <p:nvSpPr>
-          <p:cNvPr id="8" name="Rectangle 7">
-            <a:extLst>
-              <a:ext uri="{FF2B5EF4-FFF2-40B4-BE49-F238E27FC236}">
-                <a16:creationId xmlns:a16="http://schemas.microsoft.com/office/drawing/2014/main" id="{7A9E53CF-1555-1541-BF22-29341D540798}"/>
-              </a:ext>
-            </a:extLst>
-          </p:cNvPr>
-          <p:cNvSpPr/>
-          <p:nvPr/>
-        </p:nvSpPr>
-        <p:spPr>
-          <a:xfrm>
-            <a:off x="1983517" y="1841358"/>
-            <a:ext cx="849913" cy="369332"/>
-          </a:xfrm>
-          <a:prstGeom prst="rect">
-            <a:avLst/>
-          </a:prstGeom>
-        </p:spPr>
-        <p:txBody>
-          <a:bodyPr wrap="none">
-            <a:spAutoFit/>
-          </a:bodyPr>
-          <a:lstStyle/>
-          <a:p>
-            <a:pPr algn="ctr"/>
-            <a:r>
-              <a:rPr lang="en-US" dirty="0">
-                <a:solidFill>
-                  <a:schemeClr val="tx1"/>
-                </a:solidFill>
-              </a:rPr>
-              <a:t>Input 1</a:t>
-            </a:r>
-          </a:p>
-        </p:txBody>
-      </p:sp>
-      <p:sp>
-        <p:nvSpPr>
-          <p:cNvPr id="3" name="Rectangle 2">
-            <a:extLst>
-              <a:ext uri="{FF2B5EF4-FFF2-40B4-BE49-F238E27FC236}">
-                <a16:creationId xmlns:a16="http://schemas.microsoft.com/office/drawing/2014/main" id="{4681169E-EF1E-EA4B-8D5E-2EADF1ADD063}"/>
-              </a:ext>
-            </a:extLst>
-          </p:cNvPr>
-          <p:cNvSpPr/>
-          <p:nvPr/>
-        </p:nvSpPr>
-        <p:spPr>
-          <a:xfrm>
-            <a:off x="1691267" y="3244334"/>
-            <a:ext cx="854721" cy="369332"/>
-          </a:xfrm>
-          <a:prstGeom prst="rect">
-            <a:avLst/>
-          </a:prstGeom>
-        </p:spPr>
-        <p:txBody>
-          <a:bodyPr wrap="none">
-            <a:spAutoFit/>
-          </a:bodyPr>
-          <a:lstStyle/>
-          <a:p>
-            <a:pPr algn="ctr"/>
-            <a:r>
-              <a:rPr lang="en-US" dirty="0">
-                <a:solidFill>
-                  <a:schemeClr val="tx1"/>
-                </a:solidFill>
-              </a:rPr>
-              <a:t>Input 2</a:t>
-            </a:r>
-          </a:p>
-        </p:txBody>
-      </p:sp>
-      <p:sp>
-        <p:nvSpPr>
-          <p:cNvPr id="10" name="Rectangle 9">
-            <a:extLst>
-              <a:ext uri="{FF2B5EF4-FFF2-40B4-BE49-F238E27FC236}">
-                <a16:creationId xmlns:a16="http://schemas.microsoft.com/office/drawing/2014/main" id="{CDC3E570-37DB-5340-84C9-CACB7AAA3EE8}"/>
-              </a:ext>
-            </a:extLst>
-          </p:cNvPr>
-          <p:cNvSpPr/>
-          <p:nvPr/>
-        </p:nvSpPr>
-        <p:spPr>
-          <a:xfrm>
-            <a:off x="1985206" y="4831976"/>
-            <a:ext cx="854721" cy="369332"/>
-          </a:xfrm>
-          <a:prstGeom prst="rect">
-            <a:avLst/>
-          </a:prstGeom>
-        </p:spPr>
-        <p:txBody>
-          <a:bodyPr wrap="none">
-            <a:spAutoFit/>
-          </a:bodyPr>
-          <a:lstStyle/>
-          <a:p>
-            <a:pPr algn="ctr"/>
-            <a:r>
-              <a:rPr lang="en-US" dirty="0">
-                <a:solidFill>
-                  <a:schemeClr val="tx1"/>
-                </a:solidFill>
-              </a:rPr>
-              <a:t>Input 3</a:t>
-            </a:r>
-          </a:p>
-        </p:txBody>
-      </p:sp>
-      <p:sp>
-        <p:nvSpPr>
-          <p:cNvPr id="5" name="TextBox 4">
-            <a:extLst>
-              <a:ext uri="{FF2B5EF4-FFF2-40B4-BE49-F238E27FC236}">
-                <a16:creationId xmlns:a16="http://schemas.microsoft.com/office/drawing/2014/main" id="{8F3A3020-609A-944D-8173-0027C04A6FDD}"/>
-              </a:ext>
-            </a:extLst>
-          </p:cNvPr>
-          <p:cNvSpPr txBox="1"/>
-          <p:nvPr/>
-        </p:nvSpPr>
-        <p:spPr>
-          <a:xfrm>
-            <a:off x="4231341" y="2097741"/>
-            <a:ext cx="991618" cy="369332"/>
-          </a:xfrm>
-          <a:prstGeom prst="rect">
-            <a:avLst/>
-          </a:prstGeom>
-          <a:noFill/>
-        </p:spPr>
-        <p:txBody>
-          <a:bodyPr wrap="none" rtlCol="0">
-            <a:spAutoFit/>
-          </a:bodyPr>
-          <a:lstStyle/>
-          <a:p>
-            <a:r>
-              <a:rPr lang="en-US" dirty="0"/>
-              <a:t>weight 1</a:t>
-            </a:r>
-          </a:p>
-        </p:txBody>
-      </p:sp>
-      <p:sp>
-        <p:nvSpPr>
-          <p:cNvPr id="12" name="TextBox 11">
-            <a:extLst>
-              <a:ext uri="{FF2B5EF4-FFF2-40B4-BE49-F238E27FC236}">
-                <a16:creationId xmlns:a16="http://schemas.microsoft.com/office/drawing/2014/main" id="{68374287-C9B7-6840-9484-94B58854A947}"/>
-              </a:ext>
-            </a:extLst>
-          </p:cNvPr>
-          <p:cNvSpPr txBox="1"/>
-          <p:nvPr/>
-        </p:nvSpPr>
-        <p:spPr>
-          <a:xfrm>
-            <a:off x="3735532" y="2983894"/>
-            <a:ext cx="991618" cy="369332"/>
-          </a:xfrm>
-          <a:prstGeom prst="rect">
-            <a:avLst/>
-          </a:prstGeom>
-          <a:noFill/>
-        </p:spPr>
-        <p:txBody>
-          <a:bodyPr wrap="none" rtlCol="0">
-            <a:spAutoFit/>
-          </a:bodyPr>
-          <a:lstStyle/>
-          <a:p>
-            <a:r>
-              <a:rPr lang="en-US" dirty="0"/>
-              <a:t>weight 2</a:t>
-            </a:r>
-          </a:p>
-        </p:txBody>
-      </p:sp>
-      <p:sp>
-        <p:nvSpPr>
-          <p:cNvPr id="13" name="TextBox 12">
-            <a:extLst>
-              <a:ext uri="{FF2B5EF4-FFF2-40B4-BE49-F238E27FC236}">
-                <a16:creationId xmlns:a16="http://schemas.microsoft.com/office/drawing/2014/main" id="{ECD4DCDB-C429-A645-925E-D2579A889FD2}"/>
-              </a:ext>
-            </a:extLst>
-          </p:cNvPr>
-          <p:cNvSpPr txBox="1"/>
-          <p:nvPr/>
-        </p:nvSpPr>
-        <p:spPr>
-          <a:xfrm>
-            <a:off x="4306094" y="4304205"/>
-            <a:ext cx="991618" cy="369332"/>
-          </a:xfrm>
-          <a:prstGeom prst="rect">
-            <a:avLst/>
-          </a:prstGeom>
-          <a:noFill/>
-        </p:spPr>
-        <p:txBody>
-          <a:bodyPr wrap="none" rtlCol="0">
-            <a:spAutoFit/>
-          </a:bodyPr>
-          <a:lstStyle/>
-          <a:p>
-            <a:r>
-              <a:rPr lang="en-US" dirty="0"/>
-              <a:t>weight 3</a:t>
-            </a:r>
-          </a:p>
-        </p:txBody>
-      </p:sp>
-      <mc:AlternateContent xmlns:mc="http://schemas.openxmlformats.org/markup-compatibility/2006">
-        <mc:Choice xmlns:a14="http://schemas.microsoft.com/office/drawing/2010/main" Requires="a14">
-          <p:sp>
-            <p:nvSpPr>
-              <p:cNvPr id="2" name="TextBox 1">
-                <a:extLst>
-                  <a:ext uri="{FF2B5EF4-FFF2-40B4-BE49-F238E27FC236}">
-                    <a16:creationId xmlns:a16="http://schemas.microsoft.com/office/drawing/2014/main" id="{488CF7B1-78FF-D046-834D-F7A26A9143F0}"/>
-                  </a:ext>
-                </a:extLst>
-              </p:cNvPr>
-              <p:cNvSpPr txBox="1"/>
-              <p:nvPr/>
-            </p:nvSpPr>
-            <p:spPr>
-              <a:xfrm>
-                <a:off x="4801903" y="406889"/>
-                <a:ext cx="5914504" cy="1477071"/>
-              </a:xfrm>
-              <a:prstGeom prst="rect">
-                <a:avLst/>
-              </a:prstGeom>
-              <a:noFill/>
-            </p:spPr>
-            <p:txBody>
-              <a:bodyPr wrap="none" rtlCol="0">
-                <a:spAutoFit/>
-              </a:bodyPr>
-              <a:lstStyle/>
-              <a:p>
-                <a:pPr/>
-                <a14:m>
-                  <m:oMathPara xmlns:m="http://schemas.openxmlformats.org/officeDocument/2006/math">
-                    <m:oMathParaPr>
-                      <m:jc m:val="centerGroup"/>
-                    </m:oMathParaPr>
-                    <m:oMath xmlns:m="http://schemas.openxmlformats.org/officeDocument/2006/math">
-                      <m:r>
-                        <m:rPr>
-                          <m:sty m:val="p"/>
-                        </m:rPr>
-                        <a:rPr lang="en-US" sz="3200" b="0" i="0" smtClean="0">
-                          <a:latin typeface="Cambria Math" panose="02040503050406030204" pitchFamily="18" charset="0"/>
-                        </a:rPr>
-                        <m:t>output</m:t>
-                      </m:r>
-                      <m:r>
-                        <a:rPr lang="en-US" sz="3200" b="0" i="1" smtClean="0">
-                          <a:latin typeface="Cambria Math" panose="02040503050406030204" pitchFamily="18" charset="0"/>
-                        </a:rPr>
-                        <m:t>= </m:t>
-                      </m:r>
-                      <m:nary>
-                        <m:naryPr>
-                          <m:chr m:val="∑"/>
-                          <m:ctrlPr>
-                            <a:rPr lang="en-US" sz="3200" i="1" smtClean="0">
-                              <a:latin typeface="Cambria Math" panose="02040503050406030204" pitchFamily="18" charset="0"/>
-                            </a:rPr>
-                          </m:ctrlPr>
-                        </m:naryPr>
-                        <m:sub>
-                          <m:r>
-                            <m:rPr>
-                              <m:brk m:alnAt="23"/>
-                            </m:rPr>
-                            <a:rPr lang="en-US" sz="3200" b="0" i="1" smtClean="0">
-                              <a:latin typeface="Cambria Math" panose="02040503050406030204" pitchFamily="18" charset="0"/>
-                            </a:rPr>
-                            <m:t>𝑛</m:t>
-                          </m:r>
-                          <m:r>
-                            <a:rPr lang="en-US" sz="3200" b="0" i="1" smtClean="0">
-                              <a:latin typeface="Cambria Math" panose="02040503050406030204" pitchFamily="18" charset="0"/>
-                            </a:rPr>
-                            <m:t>=1</m:t>
-                          </m:r>
-                        </m:sub>
-                        <m:sup>
-                          <m:r>
-                            <a:rPr lang="en-US" sz="3200" b="0" i="1" smtClean="0">
-                              <a:latin typeface="Cambria Math" panose="02040503050406030204" pitchFamily="18" charset="0"/>
-                            </a:rPr>
-                            <m:t>𝑁</m:t>
-                          </m:r>
-                        </m:sup>
-                        <m:e>
-                          <m:r>
-                            <a:rPr lang="en-US" sz="3200" b="0" i="1" smtClean="0">
-                              <a:latin typeface="Cambria Math" panose="02040503050406030204" pitchFamily="18" charset="0"/>
-                            </a:rPr>
-                            <m:t>(</m:t>
-                          </m:r>
-                          <m:r>
-                            <m:rPr>
-                              <m:sty m:val="p"/>
-                            </m:rPr>
-                            <a:rPr lang="en-US" sz="3200" b="0" i="0" smtClean="0">
-                              <a:latin typeface="Cambria Math" panose="02040503050406030204" pitchFamily="18" charset="0"/>
-                            </a:rPr>
-                            <m:t>input</m:t>
-                          </m:r>
-                          <m:r>
-                            <m:rPr>
-                              <m:sty m:val="p"/>
-                            </m:rPr>
-                            <a:rPr lang="en-US" sz="3200" b="0" i="0" baseline="-25000" smtClean="0">
-                              <a:latin typeface="Cambria Math" panose="02040503050406030204" pitchFamily="18" charset="0"/>
-                            </a:rPr>
-                            <m:t>n</m:t>
-                          </m:r>
-                          <m:r>
-                            <a:rPr lang="en-US" sz="3200" b="0" i="1" smtClean="0">
-                              <a:latin typeface="Cambria Math" panose="02040503050406030204" pitchFamily="18" charset="0"/>
-                            </a:rPr>
-                            <m:t> </m:t>
-                          </m:r>
-                          <m:r>
-                            <a:rPr lang="en-US" sz="3200" b="0" i="1" smtClean="0">
-                              <a:latin typeface="Cambria Math" panose="02040503050406030204" pitchFamily="18" charset="0"/>
-                              <a:ea typeface="Cambria Math" panose="02040503050406030204" pitchFamily="18" charset="0"/>
-                            </a:rPr>
-                            <m:t>× </m:t>
-                          </m:r>
-                          <m:r>
-                            <m:rPr>
-                              <m:sty m:val="p"/>
-                            </m:rPr>
-                            <a:rPr lang="en-US" sz="3200" b="0" i="0" smtClean="0">
-                              <a:latin typeface="Cambria Math" panose="02040503050406030204" pitchFamily="18" charset="0"/>
-                            </a:rPr>
-                            <m:t>weight</m:t>
-                          </m:r>
-                          <m:r>
-                            <m:rPr>
-                              <m:sty m:val="p"/>
-                            </m:rPr>
-                            <a:rPr lang="en-US" sz="3200" b="0" i="0" baseline="-25000" smtClean="0">
-                              <a:latin typeface="Cambria Math" panose="02040503050406030204" pitchFamily="18" charset="0"/>
-                            </a:rPr>
-                            <m:t>n</m:t>
-                          </m:r>
-                          <m:r>
-                            <a:rPr lang="en-US" sz="3200" b="0" i="1" smtClean="0">
-                              <a:latin typeface="Cambria Math" panose="02040503050406030204" pitchFamily="18" charset="0"/>
-                            </a:rPr>
-                            <m:t>)</m:t>
-                          </m:r>
-                        </m:e>
-                      </m:nary>
-                    </m:oMath>
-                  </m:oMathPara>
-                </a14:m>
-                <a:endParaRPr lang="en-US" sz="3200" dirty="0"/>
-              </a:p>
-            </p:txBody>
-          </p:sp>
-        </mc:Choice>
-        <mc:Fallback>
-          <p:sp>
-            <p:nvSpPr>
-              <p:cNvPr id="2" name="TextBox 1">
-                <a:extLst>
-                  <a:ext uri="{FF2B5EF4-FFF2-40B4-BE49-F238E27FC236}">
-                    <a16:creationId xmlns:a16="http://schemas.microsoft.com/office/drawing/2014/main" id="{488CF7B1-78FF-D046-834D-F7A26A9143F0}"/>
-                  </a:ext>
-                </a:extLst>
-              </p:cNvPr>
-              <p:cNvSpPr txBox="1">
-                <a:spLocks noRot="1" noChangeAspect="1" noMove="1" noResize="1" noEditPoints="1" noAdjustHandles="1" noChangeArrowheads="1" noChangeShapeType="1" noTextEdit="1"/>
-              </p:cNvSpPr>
-              <p:nvPr/>
-            </p:nvSpPr>
-            <p:spPr>
-              <a:xfrm>
-                <a:off x="4801903" y="406889"/>
-                <a:ext cx="5914504" cy="1477071"/>
-              </a:xfrm>
-              <a:prstGeom prst="rect">
-                <a:avLst/>
-              </a:prstGeom>
-              <a:blipFill>
-                <a:blip r:embed="rId2"/>
-                <a:stretch>
-                  <a:fillRect l="-215" t="-104274" r="-429" b="-161538"/>
-                </a:stretch>
-              </a:blipFill>
-            </p:spPr>
-            <p:txBody>
-              <a:bodyPr/>
-              <a:lstStyle/>
-              <a:p>
-                <a:r>
-                  <a:rPr lang="en-US">
-                    <a:noFill/>
-                  </a:rPr>
-                  <a:t> </a:t>
-                </a:r>
-              </a:p>
-            </p:txBody>
-          </p:sp>
-        </mc:Fallback>
-      </mc:AlternateContent>
-    </p:spTree>
-    <p:extLst>
-      <p:ext uri="{BB962C8B-B14F-4D97-AF65-F5344CB8AC3E}">
-        <p14:creationId xmlns:p14="http://schemas.microsoft.com/office/powerpoint/2010/main" val="1234220696"/>
-      </p:ext>
-    </p:extLst>
-  </p:cSld>
-  <p:clrMapOvr>
-    <a:masterClrMapping/>
-  </p:clrMapOvr>
-</p:sld>
-</file>
-
 <file path=ppt/slides/slide8.xml><?xml version="1.0" encoding="utf-8"?>
 <p:sld xmlns:a="http://schemas.openxmlformats.org/drawingml/2006/main" xmlns:r="http://schemas.openxmlformats.org/officeDocument/2006/relationships" xmlns:p="http://schemas.openxmlformats.org/presentationml/2006/main">
   <p:cSld>
@@ -10955,6 +15209,39 @@
             <a:r>
               <a:rPr lang="en-US" dirty="0"/>
               <a:t>weight 3</a:t>
+            </a:r>
+          </a:p>
+        </p:txBody>
+      </p:sp>
+      <p:sp>
+        <p:nvSpPr>
+          <p:cNvPr id="32" name="Title 14">
+            <a:extLst>
+              <a:ext uri="{FF2B5EF4-FFF2-40B4-BE49-F238E27FC236}">
+                <a16:creationId xmlns:a16="http://schemas.microsoft.com/office/drawing/2014/main" id="{AE0A7747-B0A1-DC46-8AA7-82B68390D235}"/>
+              </a:ext>
+            </a:extLst>
+          </p:cNvPr>
+          <p:cNvSpPr>
+            <a:spLocks noGrp="1"/>
+          </p:cNvSpPr>
+          <p:nvPr>
+            <p:ph type="title"/>
+          </p:nvPr>
+        </p:nvSpPr>
+        <p:spPr>
+          <a:xfrm>
+            <a:off x="838200" y="365125"/>
+            <a:ext cx="10515600" cy="1325563"/>
+          </a:xfrm>
+        </p:spPr>
+        <p:txBody>
+          <a:bodyPr/>
+          <a:lstStyle/>
+          <a:p>
+            <a:r>
+              <a:rPr lang="en-US" dirty="0"/>
+              <a:t>An Artificial Neuron, or Perceptron</a:t>
             </a:r>
           </a:p>
         </p:txBody>
@@ -12061,4 +16348,299 @@
     </a:ext>
   </a:extLst>
 </a:theme>
+</file>
+
+<file path=ppt/theme/theme2.xml><?xml version="1.0" encoding="utf-8"?>
+<a:theme xmlns:a="http://schemas.openxmlformats.org/drawingml/2006/main" name="Office Theme">
+  <a:themeElements>
+    <a:clrScheme name="Office">
+      <a:dk1>
+        <a:sysClr val="windowText" lastClr="000000"/>
+      </a:dk1>
+      <a:lt1>
+        <a:sysClr val="window" lastClr="FFFFFF"/>
+      </a:lt1>
+      <a:dk2>
+        <a:srgbClr val="44546A"/>
+      </a:dk2>
+      <a:lt2>
+        <a:srgbClr val="E7E6E6"/>
+      </a:lt2>
+      <a:accent1>
+        <a:srgbClr val="4472C4"/>
+      </a:accent1>
+      <a:accent2>
+        <a:srgbClr val="ED7D31"/>
+      </a:accent2>
+      <a:accent3>
+        <a:srgbClr val="A5A5A5"/>
+      </a:accent3>
+      <a:accent4>
+        <a:srgbClr val="FFC000"/>
+      </a:accent4>
+      <a:accent5>
+        <a:srgbClr val="5B9BD5"/>
+      </a:accent5>
+      <a:accent6>
+        <a:srgbClr val="70AD47"/>
+      </a:accent6>
+      <a:hlink>
+        <a:srgbClr val="0563C1"/>
+      </a:hlink>
+      <a:folHlink>
+        <a:srgbClr val="954F72"/>
+      </a:folHlink>
+    </a:clrScheme>
+    <a:fontScheme name="Office">
+      <a:majorFont>
+        <a:latin typeface="Calibri Light" panose="020F0302020204030204"/>
+        <a:ea typeface=""/>
+        <a:cs typeface=""/>
+        <a:font script="Jpan" typeface="游ゴシック Light"/>
+        <a:font script="Hang" typeface="맑은 고딕"/>
+        <a:font script="Hans" typeface="等线 Light"/>
+        <a:font script="Hant" typeface="新細明體"/>
+        <a:font script="Arab" typeface="Times New Roman"/>
+        <a:font script="Hebr" typeface="Times New Roman"/>
+        <a:font script="Thai" typeface="Angsana New"/>
+        <a:font script="Ethi" typeface="Nyala"/>
+        <a:font script="Beng" typeface="Vrinda"/>
+        <a:font script="Gujr" typeface="Shruti"/>
+        <a:font script="Khmr" typeface="MoolBoran"/>
+        <a:font script="Knda" typeface="Tunga"/>
+        <a:font script="Guru" typeface="Raavi"/>
+        <a:font script="Cans" typeface="Euphemia"/>
+        <a:font script="Cher" typeface="Plantagenet Cherokee"/>
+        <a:font script="Yiii" typeface="Microsoft Yi Baiti"/>
+        <a:font script="Tibt" typeface="Microsoft Himalaya"/>
+        <a:font script="Thaa" typeface="MV Boli"/>
+        <a:font script="Deva" typeface="Mangal"/>
+        <a:font script="Telu" typeface="Gautami"/>
+        <a:font script="Taml" typeface="Latha"/>
+        <a:font script="Syrc" typeface="Estrangelo Edessa"/>
+        <a:font script="Orya" typeface="Kalinga"/>
+        <a:font script="Mlym" typeface="Kartika"/>
+        <a:font script="Laoo" typeface="DokChampa"/>
+        <a:font script="Sinh" typeface="Iskoola Pota"/>
+        <a:font script="Mong" typeface="Mongolian Baiti"/>
+        <a:font script="Viet" typeface="Times New Roman"/>
+        <a:font script="Uigh" typeface="Microsoft Uighur"/>
+        <a:font script="Geor" typeface="Sylfaen"/>
+        <a:font script="Armn" typeface="Arial"/>
+        <a:font script="Bugi" typeface="Leelawadee UI"/>
+        <a:font script="Bopo" typeface="Microsoft JhengHei"/>
+        <a:font script="Java" typeface="Javanese Text"/>
+        <a:font script="Lisu" typeface="Segoe UI"/>
+        <a:font script="Mymr" typeface="Myanmar Text"/>
+        <a:font script="Nkoo" typeface="Ebrima"/>
+        <a:font script="Olck" typeface="Nirmala UI"/>
+        <a:font script="Osma" typeface="Ebrima"/>
+        <a:font script="Phag" typeface="Phagspa"/>
+        <a:font script="Syrn" typeface="Estrangelo Edessa"/>
+        <a:font script="Syrj" typeface="Estrangelo Edessa"/>
+        <a:font script="Syre" typeface="Estrangelo Edessa"/>
+        <a:font script="Sora" typeface="Nirmala UI"/>
+        <a:font script="Tale" typeface="Microsoft Tai Le"/>
+        <a:font script="Talu" typeface="Microsoft New Tai Lue"/>
+        <a:font script="Tfng" typeface="Ebrima"/>
+      </a:majorFont>
+      <a:minorFont>
+        <a:latin typeface="Calibri" panose="020F0502020204030204"/>
+        <a:ea typeface=""/>
+        <a:cs typeface=""/>
+        <a:font script="Jpan" typeface="游ゴシック"/>
+        <a:font script="Hang" typeface="맑은 고딕"/>
+        <a:font script="Hans" typeface="等线"/>
+        <a:font script="Hant" typeface="新細明體"/>
+        <a:font script="Arab" typeface="Arial"/>
+        <a:font script="Hebr" typeface="Arial"/>
+        <a:font script="Thai" typeface="Cordia New"/>
+        <a:font script="Ethi" typeface="Nyala"/>
+        <a:font script="Beng" typeface="Vrinda"/>
+        <a:font script="Gujr" typeface="Shruti"/>
+        <a:font script="Khmr" typeface="DaunPenh"/>
+        <a:font script="Knda" typeface="Tunga"/>
+        <a:font script="Guru" typeface="Raavi"/>
+        <a:font script="Cans" typeface="Euphemia"/>
+        <a:font script="Cher" typeface="Plantagenet Cherokee"/>
+        <a:font script="Yiii" typeface="Microsoft Yi Baiti"/>
+        <a:font script="Tibt" typeface="Microsoft Himalaya"/>
+        <a:font script="Thaa" typeface="MV Boli"/>
+        <a:font script="Deva" typeface="Mangal"/>
+        <a:font script="Telu" typeface="Gautami"/>
+        <a:font script="Taml" typeface="Latha"/>
+        <a:font script="Syrc" typeface="Estrangelo Edessa"/>
+        <a:font script="Orya" typeface="Kalinga"/>
+        <a:font script="Mlym" typeface="Kartika"/>
+        <a:font script="Laoo" typeface="DokChampa"/>
+        <a:font script="Sinh" typeface="Iskoola Pota"/>
+        <a:font script="Mong" typeface="Mongolian Baiti"/>
+        <a:font script="Viet" typeface="Arial"/>
+        <a:font script="Uigh" typeface="Microsoft Uighur"/>
+        <a:font script="Geor" typeface="Sylfaen"/>
+        <a:font script="Armn" typeface="Arial"/>
+        <a:font script="Bugi" typeface="Leelawadee UI"/>
+        <a:font script="Bopo" typeface="Microsoft JhengHei"/>
+        <a:font script="Java" typeface="Javanese Text"/>
+        <a:font script="Lisu" typeface="Segoe UI"/>
+        <a:font script="Mymr" typeface="Myanmar Text"/>
+        <a:font script="Nkoo" typeface="Ebrima"/>
+        <a:font script="Olck" typeface="Nirmala UI"/>
+        <a:font script="Osma" typeface="Ebrima"/>
+        <a:font script="Phag" typeface="Phagspa"/>
+        <a:font script="Syrn" typeface="Estrangelo Edessa"/>
+        <a:font script="Syrj" typeface="Estrangelo Edessa"/>
+        <a:font script="Syre" typeface="Estrangelo Edessa"/>
+        <a:font script="Sora" typeface="Nirmala UI"/>
+        <a:font script="Tale" typeface="Microsoft Tai Le"/>
+        <a:font script="Talu" typeface="Microsoft New Tai Lue"/>
+        <a:font script="Tfng" typeface="Ebrima"/>
+      </a:minorFont>
+    </a:fontScheme>
+    <a:fmtScheme name="Office">
+      <a:fillStyleLst>
+        <a:solidFill>
+          <a:schemeClr val="phClr"/>
+        </a:solidFill>
+        <a:gradFill rotWithShape="1">
+          <a:gsLst>
+            <a:gs pos="0">
+              <a:schemeClr val="phClr">
+                <a:lumMod val="110000"/>
+                <a:satMod val="105000"/>
+                <a:tint val="67000"/>
+              </a:schemeClr>
+            </a:gs>
+            <a:gs pos="50000">
+              <a:schemeClr val="phClr">
+                <a:lumMod val="105000"/>
+                <a:satMod val="103000"/>
+                <a:tint val="73000"/>
+              </a:schemeClr>
+            </a:gs>
+            <a:gs pos="100000">
+              <a:schemeClr val="phClr">
+                <a:lumMod val="105000"/>
+                <a:satMod val="109000"/>
+                <a:tint val="81000"/>
+              </a:schemeClr>
+            </a:gs>
+          </a:gsLst>
+          <a:lin ang="5400000" scaled="0"/>
+        </a:gradFill>
+        <a:gradFill rotWithShape="1">
+          <a:gsLst>
+            <a:gs pos="0">
+              <a:schemeClr val="phClr">
+                <a:satMod val="103000"/>
+                <a:lumMod val="102000"/>
+                <a:tint val="94000"/>
+              </a:schemeClr>
+            </a:gs>
+            <a:gs pos="50000">
+              <a:schemeClr val="phClr">
+                <a:satMod val="110000"/>
+                <a:lumMod val="100000"/>
+                <a:shade val="100000"/>
+              </a:schemeClr>
+            </a:gs>
+            <a:gs pos="100000">
+              <a:schemeClr val="phClr">
+                <a:lumMod val="99000"/>
+                <a:satMod val="120000"/>
+                <a:shade val="78000"/>
+              </a:schemeClr>
+            </a:gs>
+          </a:gsLst>
+          <a:lin ang="5400000" scaled="0"/>
+        </a:gradFill>
+      </a:fillStyleLst>
+      <a:lnStyleLst>
+        <a:ln w="6350" cap="flat" cmpd="sng" algn="ctr">
+          <a:solidFill>
+            <a:schemeClr val="phClr"/>
+          </a:solidFill>
+          <a:prstDash val="solid"/>
+          <a:miter lim="800000"/>
+        </a:ln>
+        <a:ln w="12700" cap="flat" cmpd="sng" algn="ctr">
+          <a:solidFill>
+            <a:schemeClr val="phClr"/>
+          </a:solidFill>
+          <a:prstDash val="solid"/>
+          <a:miter lim="800000"/>
+        </a:ln>
+        <a:ln w="19050" cap="flat" cmpd="sng" algn="ctr">
+          <a:solidFill>
+            <a:schemeClr val="phClr"/>
+          </a:solidFill>
+          <a:prstDash val="solid"/>
+          <a:miter lim="800000"/>
+        </a:ln>
+      </a:lnStyleLst>
+      <a:effectStyleLst>
+        <a:effectStyle>
+          <a:effectLst/>
+        </a:effectStyle>
+        <a:effectStyle>
+          <a:effectLst/>
+        </a:effectStyle>
+        <a:effectStyle>
+          <a:effectLst>
+            <a:outerShdw blurRad="57150" dist="19050" dir="5400000" algn="ctr" rotWithShape="0">
+              <a:srgbClr val="000000">
+                <a:alpha val="63000"/>
+              </a:srgbClr>
+            </a:outerShdw>
+          </a:effectLst>
+        </a:effectStyle>
+      </a:effectStyleLst>
+      <a:bgFillStyleLst>
+        <a:solidFill>
+          <a:schemeClr val="phClr"/>
+        </a:solidFill>
+        <a:solidFill>
+          <a:schemeClr val="phClr">
+            <a:tint val="95000"/>
+            <a:satMod val="170000"/>
+          </a:schemeClr>
+        </a:solidFill>
+        <a:gradFill rotWithShape="1">
+          <a:gsLst>
+            <a:gs pos="0">
+              <a:schemeClr val="phClr">
+                <a:tint val="93000"/>
+                <a:satMod val="150000"/>
+                <a:shade val="98000"/>
+                <a:lumMod val="102000"/>
+              </a:schemeClr>
+            </a:gs>
+            <a:gs pos="50000">
+              <a:schemeClr val="phClr">
+                <a:tint val="98000"/>
+                <a:satMod val="130000"/>
+                <a:shade val="90000"/>
+                <a:lumMod val="103000"/>
+              </a:schemeClr>
+            </a:gs>
+            <a:gs pos="100000">
+              <a:schemeClr val="phClr">
+                <a:shade val="63000"/>
+                <a:satMod val="120000"/>
+              </a:schemeClr>
+            </a:gs>
+          </a:gsLst>
+          <a:lin ang="5400000" scaled="0"/>
+        </a:gradFill>
+      </a:bgFillStyleLst>
+    </a:fmtScheme>
+  </a:themeElements>
+  <a:objectDefaults/>
+  <a:extraClrSchemeLst/>
+  <a:extLst>
+    <a:ext uri="{05A4C25C-085E-4340-85A3-A5531E510DB2}">
+      <thm15:themeFamily xmlns:thm15="http://schemas.microsoft.com/office/thememl/2012/main" name="Office Theme" id="{62F939B6-93AF-4DB8-9C6B-D6C7DFDC589F}" vid="{4A3C46E8-61CC-4603-A589-7422A47A8E4A}"/>
+    </a:ext>
+  </a:extLst>
+</a:theme>
 </file>